--- a/0524/0524윈폼.pptx
+++ b/0524/0524윈폼.pptx
@@ -7,19 +7,20 @@
   <p:sldIdLst>
     <p:sldId id="259" r:id="rId2"/>
     <p:sldId id="272" r:id="rId3"/>
-    <p:sldId id="257" r:id="rId4"/>
-    <p:sldId id="258" r:id="rId5"/>
-    <p:sldId id="256" r:id="rId6"/>
-    <p:sldId id="260" r:id="rId7"/>
-    <p:sldId id="261" r:id="rId8"/>
-    <p:sldId id="262" r:id="rId9"/>
-    <p:sldId id="263" r:id="rId10"/>
-    <p:sldId id="264" r:id="rId11"/>
-    <p:sldId id="265" r:id="rId12"/>
-    <p:sldId id="266" r:id="rId13"/>
-    <p:sldId id="267" r:id="rId14"/>
-    <p:sldId id="268" r:id="rId15"/>
-    <p:sldId id="269" r:id="rId16"/>
+    <p:sldId id="273" r:id="rId4"/>
+    <p:sldId id="257" r:id="rId5"/>
+    <p:sldId id="258" r:id="rId6"/>
+    <p:sldId id="256" r:id="rId7"/>
+    <p:sldId id="260" r:id="rId8"/>
+    <p:sldId id="261" r:id="rId9"/>
+    <p:sldId id="262" r:id="rId10"/>
+    <p:sldId id="263" r:id="rId11"/>
+    <p:sldId id="264" r:id="rId12"/>
+    <p:sldId id="265" r:id="rId13"/>
+    <p:sldId id="266" r:id="rId14"/>
+    <p:sldId id="267" r:id="rId15"/>
+    <p:sldId id="268" r:id="rId16"/>
+    <p:sldId id="269" r:id="rId17"/>
   </p:sldIdLst>
   <p:sldSz cx="12192000" cy="6858000"/>
   <p:notesSz cx="6858000" cy="9144000"/>
@@ -4575,6 +4576,2363 @@
         </p:nvSpPr>
         <p:spPr>
           <a:xfrm>
+            <a:off x="2306680" y="224325"/>
+            <a:ext cx="5538954" cy="6232475"/>
+          </a:xfrm>
+          <a:prstGeom prst="rect">
+            <a:avLst/>
+          </a:prstGeom>
+          <a:noFill/>
+        </p:spPr>
+        <p:txBody>
+          <a:bodyPr wrap="square" rtlCol="0">
+            <a:spAutoFit/>
+          </a:bodyPr>
+          <a:lstStyle/>
+          <a:p>
+            <a:r>
+              <a:rPr lang="en-US" altLang="ko-KR" sz="1050" dirty="0">
+                <a:solidFill>
+                  <a:srgbClr val="0000FF"/>
+                </a:solidFill>
+                <a:latin typeface="돋움체" panose="020B0609000101010101" pitchFamily="49" charset="-127"/>
+                <a:ea typeface="돋움체" panose="020B0609000101010101" pitchFamily="49" charset="-127"/>
+              </a:rPr>
+              <a:t>using</a:t>
+            </a:r>
+            <a:r>
+              <a:rPr lang="en-US" altLang="ko-KR" sz="1050" dirty="0">
+                <a:solidFill>
+                  <a:srgbClr val="000000"/>
+                </a:solidFill>
+                <a:latin typeface="돋움체" panose="020B0609000101010101" pitchFamily="49" charset="-127"/>
+                <a:ea typeface="돋움체" panose="020B0609000101010101" pitchFamily="49" charset="-127"/>
+              </a:rPr>
+              <a:t> System;</a:t>
+            </a:r>
+          </a:p>
+          <a:p>
+            <a:r>
+              <a:rPr lang="en-US" altLang="ko-KR" sz="1050" dirty="0">
+                <a:solidFill>
+                  <a:srgbClr val="0000FF"/>
+                </a:solidFill>
+                <a:latin typeface="돋움체" panose="020B0609000101010101" pitchFamily="49" charset="-127"/>
+                <a:ea typeface="돋움체" panose="020B0609000101010101" pitchFamily="49" charset="-127"/>
+              </a:rPr>
+              <a:t>using</a:t>
+            </a:r>
+            <a:r>
+              <a:rPr lang="en-US" altLang="ko-KR" sz="1050" dirty="0">
+                <a:solidFill>
+                  <a:srgbClr val="000000"/>
+                </a:solidFill>
+                <a:latin typeface="돋움체" panose="020B0609000101010101" pitchFamily="49" charset="-127"/>
+                <a:ea typeface="돋움체" panose="020B0609000101010101" pitchFamily="49" charset="-127"/>
+              </a:rPr>
+              <a:t> </a:t>
+            </a:r>
+            <a:r>
+              <a:rPr lang="en-US" altLang="ko-KR" sz="1050" dirty="0" err="1">
+                <a:solidFill>
+                  <a:srgbClr val="000000"/>
+                </a:solidFill>
+                <a:latin typeface="돋움체" panose="020B0609000101010101" pitchFamily="49" charset="-127"/>
+                <a:ea typeface="돋움체" panose="020B0609000101010101" pitchFamily="49" charset="-127"/>
+              </a:rPr>
+              <a:t>System.Windows.Forms</a:t>
+            </a:r>
+            <a:r>
+              <a:rPr lang="en-US" altLang="ko-KR" sz="1050" dirty="0">
+                <a:solidFill>
+                  <a:srgbClr val="000000"/>
+                </a:solidFill>
+                <a:latin typeface="돋움체" panose="020B0609000101010101" pitchFamily="49" charset="-127"/>
+                <a:ea typeface="돋움체" panose="020B0609000101010101" pitchFamily="49" charset="-127"/>
+              </a:rPr>
+              <a:t>;</a:t>
+            </a:r>
+          </a:p>
+          <a:p>
+            <a:endParaRPr lang="ko-KR" altLang="en-US" sz="1050" dirty="0">
+              <a:solidFill>
+                <a:srgbClr val="000000"/>
+              </a:solidFill>
+              <a:latin typeface="돋움체" panose="020B0609000101010101" pitchFamily="49" charset="-127"/>
+              <a:ea typeface="돋움체" panose="020B0609000101010101" pitchFamily="49" charset="-127"/>
+            </a:endParaRPr>
+          </a:p>
+          <a:p>
+            <a:r>
+              <a:rPr lang="en-US" altLang="ko-KR" sz="1050" dirty="0">
+                <a:solidFill>
+                  <a:srgbClr val="0000FF"/>
+                </a:solidFill>
+                <a:latin typeface="돋움체" panose="020B0609000101010101" pitchFamily="49" charset="-127"/>
+                <a:ea typeface="돋움체" panose="020B0609000101010101" pitchFamily="49" charset="-127"/>
+              </a:rPr>
+              <a:t>namespace</a:t>
+            </a:r>
+            <a:r>
+              <a:rPr lang="en-US" altLang="ko-KR" sz="1050" dirty="0">
+                <a:solidFill>
+                  <a:srgbClr val="000000"/>
+                </a:solidFill>
+                <a:latin typeface="돋움체" panose="020B0609000101010101" pitchFamily="49" charset="-127"/>
+                <a:ea typeface="돋움체" panose="020B0609000101010101" pitchFamily="49" charset="-127"/>
+              </a:rPr>
+              <a:t> Ex11_01_ListViewApp</a:t>
+            </a:r>
+          </a:p>
+          <a:p>
+            <a:r>
+              <a:rPr lang="en-US" altLang="ko-KR" sz="1050" dirty="0">
+                <a:solidFill>
+                  <a:srgbClr val="000000"/>
+                </a:solidFill>
+                <a:latin typeface="돋움체" panose="020B0609000101010101" pitchFamily="49" charset="-127"/>
+                <a:ea typeface="돋움체" panose="020B0609000101010101" pitchFamily="49" charset="-127"/>
+              </a:rPr>
+              <a:t>{</a:t>
+            </a:r>
+          </a:p>
+          <a:p>
+            <a:r>
+              <a:rPr lang="en-US" altLang="ko-KR" sz="1050" dirty="0">
+                <a:solidFill>
+                  <a:srgbClr val="000000"/>
+                </a:solidFill>
+                <a:latin typeface="돋움체" panose="020B0609000101010101" pitchFamily="49" charset="-127"/>
+                <a:ea typeface="돋움체" panose="020B0609000101010101" pitchFamily="49" charset="-127"/>
+              </a:rPr>
+              <a:t>    </a:t>
+            </a:r>
+            <a:r>
+              <a:rPr lang="en-US" altLang="ko-KR" sz="1050" dirty="0">
+                <a:solidFill>
+                  <a:srgbClr val="0000FF"/>
+                </a:solidFill>
+                <a:latin typeface="돋움체" panose="020B0609000101010101" pitchFamily="49" charset="-127"/>
+                <a:ea typeface="돋움체" panose="020B0609000101010101" pitchFamily="49" charset="-127"/>
+              </a:rPr>
+              <a:t>public</a:t>
+            </a:r>
+            <a:r>
+              <a:rPr lang="en-US" altLang="ko-KR" sz="1050" dirty="0">
+                <a:solidFill>
+                  <a:srgbClr val="000000"/>
+                </a:solidFill>
+                <a:latin typeface="돋움체" panose="020B0609000101010101" pitchFamily="49" charset="-127"/>
+                <a:ea typeface="돋움체" panose="020B0609000101010101" pitchFamily="49" charset="-127"/>
+              </a:rPr>
+              <a:t> </a:t>
+            </a:r>
+            <a:r>
+              <a:rPr lang="en-US" altLang="ko-KR" sz="1050" dirty="0">
+                <a:solidFill>
+                  <a:srgbClr val="0000FF"/>
+                </a:solidFill>
+                <a:latin typeface="돋움체" panose="020B0609000101010101" pitchFamily="49" charset="-127"/>
+                <a:ea typeface="돋움체" panose="020B0609000101010101" pitchFamily="49" charset="-127"/>
+              </a:rPr>
+              <a:t>partial</a:t>
+            </a:r>
+            <a:r>
+              <a:rPr lang="en-US" altLang="ko-KR" sz="1050" dirty="0">
+                <a:solidFill>
+                  <a:srgbClr val="000000"/>
+                </a:solidFill>
+                <a:latin typeface="돋움체" panose="020B0609000101010101" pitchFamily="49" charset="-127"/>
+                <a:ea typeface="돋움체" panose="020B0609000101010101" pitchFamily="49" charset="-127"/>
+              </a:rPr>
+              <a:t> </a:t>
+            </a:r>
+            <a:r>
+              <a:rPr lang="en-US" altLang="ko-KR" sz="1050" dirty="0">
+                <a:solidFill>
+                  <a:srgbClr val="0000FF"/>
+                </a:solidFill>
+                <a:latin typeface="돋움체" panose="020B0609000101010101" pitchFamily="49" charset="-127"/>
+                <a:ea typeface="돋움체" panose="020B0609000101010101" pitchFamily="49" charset="-127"/>
+              </a:rPr>
+              <a:t>class</a:t>
+            </a:r>
+            <a:r>
+              <a:rPr lang="en-US" altLang="ko-KR" sz="1050" dirty="0">
+                <a:solidFill>
+                  <a:srgbClr val="000000"/>
+                </a:solidFill>
+                <a:latin typeface="돋움체" panose="020B0609000101010101" pitchFamily="49" charset="-127"/>
+                <a:ea typeface="돋움체" panose="020B0609000101010101" pitchFamily="49" charset="-127"/>
+              </a:rPr>
+              <a:t> </a:t>
+            </a:r>
+            <a:r>
+              <a:rPr lang="en-US" altLang="ko-KR" sz="1050" dirty="0">
+                <a:solidFill>
+                  <a:srgbClr val="2B91AF"/>
+                </a:solidFill>
+                <a:latin typeface="돋움체" panose="020B0609000101010101" pitchFamily="49" charset="-127"/>
+                <a:ea typeface="돋움체" panose="020B0609000101010101" pitchFamily="49" charset="-127"/>
+              </a:rPr>
+              <a:t>Form1</a:t>
+            </a:r>
+            <a:r>
+              <a:rPr lang="en-US" altLang="ko-KR" sz="1050" dirty="0">
+                <a:solidFill>
+                  <a:srgbClr val="000000"/>
+                </a:solidFill>
+                <a:latin typeface="돋움체" panose="020B0609000101010101" pitchFamily="49" charset="-127"/>
+                <a:ea typeface="돋움체" panose="020B0609000101010101" pitchFamily="49" charset="-127"/>
+              </a:rPr>
+              <a:t> : Form</a:t>
+            </a:r>
+          </a:p>
+          <a:p>
+            <a:r>
+              <a:rPr lang="ko-KR" altLang="en-US" sz="1050" dirty="0">
+                <a:solidFill>
+                  <a:srgbClr val="000000"/>
+                </a:solidFill>
+                <a:latin typeface="돋움체" panose="020B0609000101010101" pitchFamily="49" charset="-127"/>
+                <a:ea typeface="돋움체" panose="020B0609000101010101" pitchFamily="49" charset="-127"/>
+              </a:rPr>
+              <a:t>    </a:t>
+            </a:r>
+            <a:r>
+              <a:rPr lang="en-US" altLang="ko-KR" sz="1050" dirty="0">
+                <a:solidFill>
+                  <a:srgbClr val="000000"/>
+                </a:solidFill>
+                <a:latin typeface="돋움체" panose="020B0609000101010101" pitchFamily="49" charset="-127"/>
+                <a:ea typeface="돋움체" panose="020B0609000101010101" pitchFamily="49" charset="-127"/>
+              </a:rPr>
+              <a:t>{</a:t>
+            </a:r>
+          </a:p>
+          <a:p>
+            <a:r>
+              <a:rPr lang="en-US" altLang="ko-KR" sz="1050" dirty="0">
+                <a:solidFill>
+                  <a:srgbClr val="000000"/>
+                </a:solidFill>
+                <a:latin typeface="돋움체" panose="020B0609000101010101" pitchFamily="49" charset="-127"/>
+                <a:ea typeface="돋움체" panose="020B0609000101010101" pitchFamily="49" charset="-127"/>
+              </a:rPr>
+              <a:t>        </a:t>
+            </a:r>
+            <a:r>
+              <a:rPr lang="en-US" altLang="ko-KR" sz="1050" dirty="0">
+                <a:solidFill>
+                  <a:srgbClr val="0000FF"/>
+                </a:solidFill>
+                <a:latin typeface="돋움체" panose="020B0609000101010101" pitchFamily="49" charset="-127"/>
+                <a:ea typeface="돋움체" panose="020B0609000101010101" pitchFamily="49" charset="-127"/>
+              </a:rPr>
+              <a:t>public</a:t>
+            </a:r>
+            <a:r>
+              <a:rPr lang="en-US" altLang="ko-KR" sz="1050" dirty="0">
+                <a:solidFill>
+                  <a:srgbClr val="000000"/>
+                </a:solidFill>
+                <a:latin typeface="돋움체" panose="020B0609000101010101" pitchFamily="49" charset="-127"/>
+                <a:ea typeface="돋움체" panose="020B0609000101010101" pitchFamily="49" charset="-127"/>
+              </a:rPr>
+              <a:t> </a:t>
+            </a:r>
+            <a:r>
+              <a:rPr lang="en-US" altLang="ko-KR" sz="1050" dirty="0">
+                <a:solidFill>
+                  <a:srgbClr val="2B91AF"/>
+                </a:solidFill>
+                <a:latin typeface="돋움체" panose="020B0609000101010101" pitchFamily="49" charset="-127"/>
+                <a:ea typeface="돋움체" panose="020B0609000101010101" pitchFamily="49" charset="-127"/>
+              </a:rPr>
+              <a:t>Form1</a:t>
+            </a:r>
+            <a:r>
+              <a:rPr lang="en-US" altLang="ko-KR" sz="1050" dirty="0">
+                <a:solidFill>
+                  <a:srgbClr val="000000"/>
+                </a:solidFill>
+                <a:latin typeface="돋움체" panose="020B0609000101010101" pitchFamily="49" charset="-127"/>
+                <a:ea typeface="돋움체" panose="020B0609000101010101" pitchFamily="49" charset="-127"/>
+              </a:rPr>
+              <a:t>()</a:t>
+            </a:r>
+          </a:p>
+          <a:p>
+            <a:r>
+              <a:rPr lang="ko-KR" altLang="en-US" sz="1050" dirty="0">
+                <a:solidFill>
+                  <a:srgbClr val="000000"/>
+                </a:solidFill>
+                <a:latin typeface="돋움체" panose="020B0609000101010101" pitchFamily="49" charset="-127"/>
+                <a:ea typeface="돋움체" panose="020B0609000101010101" pitchFamily="49" charset="-127"/>
+              </a:rPr>
+              <a:t>        </a:t>
+            </a:r>
+            <a:r>
+              <a:rPr lang="en-US" altLang="ko-KR" sz="1050" dirty="0">
+                <a:solidFill>
+                  <a:srgbClr val="000000"/>
+                </a:solidFill>
+                <a:latin typeface="돋움체" panose="020B0609000101010101" pitchFamily="49" charset="-127"/>
+                <a:ea typeface="돋움체" panose="020B0609000101010101" pitchFamily="49" charset="-127"/>
+              </a:rPr>
+              <a:t>{</a:t>
+            </a:r>
+          </a:p>
+          <a:p>
+            <a:r>
+              <a:rPr lang="en-US" altLang="ko-KR" sz="1050" dirty="0">
+                <a:solidFill>
+                  <a:srgbClr val="000000"/>
+                </a:solidFill>
+                <a:latin typeface="돋움체" panose="020B0609000101010101" pitchFamily="49" charset="-127"/>
+                <a:ea typeface="돋움체" panose="020B0609000101010101" pitchFamily="49" charset="-127"/>
+              </a:rPr>
+              <a:t>            </a:t>
+            </a:r>
+            <a:r>
+              <a:rPr lang="en-US" altLang="ko-KR" sz="1050" dirty="0" err="1">
+                <a:solidFill>
+                  <a:srgbClr val="000000"/>
+                </a:solidFill>
+                <a:latin typeface="돋움체" panose="020B0609000101010101" pitchFamily="49" charset="-127"/>
+                <a:ea typeface="돋움체" panose="020B0609000101010101" pitchFamily="49" charset="-127"/>
+              </a:rPr>
+              <a:t>InitializeComponent</a:t>
+            </a:r>
+            <a:r>
+              <a:rPr lang="en-US" altLang="ko-KR" sz="1050" dirty="0">
+                <a:solidFill>
+                  <a:srgbClr val="000000"/>
+                </a:solidFill>
+                <a:latin typeface="돋움체" panose="020B0609000101010101" pitchFamily="49" charset="-127"/>
+                <a:ea typeface="돋움체" panose="020B0609000101010101" pitchFamily="49" charset="-127"/>
+              </a:rPr>
+              <a:t>();</a:t>
+            </a:r>
+          </a:p>
+          <a:p>
+            <a:r>
+              <a:rPr lang="ko-KR" altLang="en-US" sz="1050" dirty="0">
+                <a:solidFill>
+                  <a:srgbClr val="000000"/>
+                </a:solidFill>
+                <a:latin typeface="돋움체" panose="020B0609000101010101" pitchFamily="49" charset="-127"/>
+                <a:ea typeface="돋움체" panose="020B0609000101010101" pitchFamily="49" charset="-127"/>
+              </a:rPr>
+              <a:t>        </a:t>
+            </a:r>
+            <a:r>
+              <a:rPr lang="en-US" altLang="ko-KR" sz="1050" dirty="0">
+                <a:solidFill>
+                  <a:srgbClr val="000000"/>
+                </a:solidFill>
+                <a:latin typeface="돋움체" panose="020B0609000101010101" pitchFamily="49" charset="-127"/>
+                <a:ea typeface="돋움체" panose="020B0609000101010101" pitchFamily="49" charset="-127"/>
+              </a:rPr>
+              <a:t>}</a:t>
+            </a:r>
+          </a:p>
+          <a:p>
+            <a:endParaRPr lang="ko-KR" altLang="en-US" sz="1050" dirty="0">
+              <a:solidFill>
+                <a:srgbClr val="000000"/>
+              </a:solidFill>
+              <a:latin typeface="돋움체" panose="020B0609000101010101" pitchFamily="49" charset="-127"/>
+              <a:ea typeface="돋움체" panose="020B0609000101010101" pitchFamily="49" charset="-127"/>
+            </a:endParaRPr>
+          </a:p>
+          <a:p>
+            <a:r>
+              <a:rPr lang="en-US" altLang="ko-KR" sz="1050" dirty="0">
+                <a:solidFill>
+                  <a:srgbClr val="000000"/>
+                </a:solidFill>
+                <a:latin typeface="돋움체" panose="020B0609000101010101" pitchFamily="49" charset="-127"/>
+                <a:ea typeface="돋움체" panose="020B0609000101010101" pitchFamily="49" charset="-127"/>
+              </a:rPr>
+              <a:t>        </a:t>
+            </a:r>
+            <a:r>
+              <a:rPr lang="en-US" altLang="ko-KR" sz="1050" dirty="0">
+                <a:solidFill>
+                  <a:srgbClr val="0000FF"/>
+                </a:solidFill>
+                <a:latin typeface="돋움체" panose="020B0609000101010101" pitchFamily="49" charset="-127"/>
+                <a:ea typeface="돋움체" panose="020B0609000101010101" pitchFamily="49" charset="-127"/>
+              </a:rPr>
+              <a:t>private</a:t>
+            </a:r>
+            <a:r>
+              <a:rPr lang="en-US" altLang="ko-KR" sz="1050" dirty="0">
+                <a:solidFill>
+                  <a:srgbClr val="000000"/>
+                </a:solidFill>
+                <a:latin typeface="돋움체" panose="020B0609000101010101" pitchFamily="49" charset="-127"/>
+                <a:ea typeface="돋움체" panose="020B0609000101010101" pitchFamily="49" charset="-127"/>
+              </a:rPr>
+              <a:t> </a:t>
+            </a:r>
+            <a:r>
+              <a:rPr lang="en-US" altLang="ko-KR" sz="1050" dirty="0">
+                <a:solidFill>
+                  <a:srgbClr val="0000FF"/>
+                </a:solidFill>
+                <a:latin typeface="돋움체" panose="020B0609000101010101" pitchFamily="49" charset="-127"/>
+                <a:ea typeface="돋움체" panose="020B0609000101010101" pitchFamily="49" charset="-127"/>
+              </a:rPr>
+              <a:t>void</a:t>
+            </a:r>
+            <a:r>
+              <a:rPr lang="en-US" altLang="ko-KR" sz="1050" dirty="0">
+                <a:solidFill>
+                  <a:srgbClr val="000000"/>
+                </a:solidFill>
+                <a:latin typeface="돋움체" panose="020B0609000101010101" pitchFamily="49" charset="-127"/>
+                <a:ea typeface="돋움체" panose="020B0609000101010101" pitchFamily="49" charset="-127"/>
+              </a:rPr>
+              <a:t> listView1_Click(</a:t>
+            </a:r>
+            <a:r>
+              <a:rPr lang="en-US" altLang="ko-KR" sz="1050" dirty="0">
+                <a:solidFill>
+                  <a:srgbClr val="0000FF"/>
+                </a:solidFill>
+                <a:latin typeface="돋움체" panose="020B0609000101010101" pitchFamily="49" charset="-127"/>
+                <a:ea typeface="돋움체" panose="020B0609000101010101" pitchFamily="49" charset="-127"/>
+              </a:rPr>
+              <a:t>object</a:t>
+            </a:r>
+            <a:r>
+              <a:rPr lang="en-US" altLang="ko-KR" sz="1050" dirty="0">
+                <a:solidFill>
+                  <a:srgbClr val="000000"/>
+                </a:solidFill>
+                <a:latin typeface="돋움체" panose="020B0609000101010101" pitchFamily="49" charset="-127"/>
+                <a:ea typeface="돋움체" panose="020B0609000101010101" pitchFamily="49" charset="-127"/>
+              </a:rPr>
+              <a:t> sender, </a:t>
+            </a:r>
+            <a:r>
+              <a:rPr lang="en-US" altLang="ko-KR" sz="1050" dirty="0" err="1">
+                <a:solidFill>
+                  <a:srgbClr val="000000"/>
+                </a:solidFill>
+                <a:latin typeface="돋움체" panose="020B0609000101010101" pitchFamily="49" charset="-127"/>
+                <a:ea typeface="돋움체" panose="020B0609000101010101" pitchFamily="49" charset="-127"/>
+              </a:rPr>
+              <a:t>EventArgs</a:t>
+            </a:r>
+            <a:r>
+              <a:rPr lang="en-US" altLang="ko-KR" sz="1050" dirty="0">
+                <a:solidFill>
+                  <a:srgbClr val="000000"/>
+                </a:solidFill>
+                <a:latin typeface="돋움체" panose="020B0609000101010101" pitchFamily="49" charset="-127"/>
+                <a:ea typeface="돋움체" panose="020B0609000101010101" pitchFamily="49" charset="-127"/>
+              </a:rPr>
+              <a:t> e)</a:t>
+            </a:r>
+          </a:p>
+          <a:p>
+            <a:r>
+              <a:rPr lang="ko-KR" altLang="en-US" sz="1050" dirty="0">
+                <a:solidFill>
+                  <a:srgbClr val="000000"/>
+                </a:solidFill>
+                <a:latin typeface="돋움체" panose="020B0609000101010101" pitchFamily="49" charset="-127"/>
+                <a:ea typeface="돋움체" panose="020B0609000101010101" pitchFamily="49" charset="-127"/>
+              </a:rPr>
+              <a:t>        </a:t>
+            </a:r>
+            <a:r>
+              <a:rPr lang="en-US" altLang="ko-KR" sz="1050" dirty="0">
+                <a:solidFill>
+                  <a:srgbClr val="000000"/>
+                </a:solidFill>
+                <a:latin typeface="돋움체" panose="020B0609000101010101" pitchFamily="49" charset="-127"/>
+                <a:ea typeface="돋움체" panose="020B0609000101010101" pitchFamily="49" charset="-127"/>
+              </a:rPr>
+              <a:t>{</a:t>
+            </a:r>
+          </a:p>
+          <a:p>
+            <a:r>
+              <a:rPr lang="en-US" altLang="ko-KR" sz="1050" dirty="0">
+                <a:solidFill>
+                  <a:srgbClr val="000000"/>
+                </a:solidFill>
+                <a:latin typeface="돋움체" panose="020B0609000101010101" pitchFamily="49" charset="-127"/>
+                <a:ea typeface="돋움체" panose="020B0609000101010101" pitchFamily="49" charset="-127"/>
+              </a:rPr>
+              <a:t>            </a:t>
+            </a:r>
+            <a:r>
+              <a:rPr lang="en-US" altLang="ko-KR" sz="1050" dirty="0">
+                <a:solidFill>
+                  <a:srgbClr val="0000FF"/>
+                </a:solidFill>
+                <a:latin typeface="돋움체" panose="020B0609000101010101" pitchFamily="49" charset="-127"/>
+                <a:ea typeface="돋움체" panose="020B0609000101010101" pitchFamily="49" charset="-127"/>
+              </a:rPr>
+              <a:t>foreach</a:t>
+            </a:r>
+            <a:r>
+              <a:rPr lang="en-US" altLang="ko-KR" sz="1050" dirty="0">
+                <a:solidFill>
+                  <a:srgbClr val="000000"/>
+                </a:solidFill>
+                <a:latin typeface="돋움체" panose="020B0609000101010101" pitchFamily="49" charset="-127"/>
+                <a:ea typeface="돋움체" panose="020B0609000101010101" pitchFamily="49" charset="-127"/>
+              </a:rPr>
+              <a:t> (</a:t>
+            </a:r>
+            <a:r>
+              <a:rPr lang="en-US" altLang="ko-KR" sz="1050" dirty="0" err="1">
+                <a:solidFill>
+                  <a:srgbClr val="000000"/>
+                </a:solidFill>
+                <a:latin typeface="돋움체" panose="020B0609000101010101" pitchFamily="49" charset="-127"/>
+                <a:ea typeface="돋움체" panose="020B0609000101010101" pitchFamily="49" charset="-127"/>
+              </a:rPr>
+              <a:t>ListViewItem</a:t>
+            </a:r>
+            <a:r>
+              <a:rPr lang="en-US" altLang="ko-KR" sz="1050" dirty="0">
+                <a:solidFill>
+                  <a:srgbClr val="000000"/>
+                </a:solidFill>
+                <a:latin typeface="돋움체" panose="020B0609000101010101" pitchFamily="49" charset="-127"/>
+                <a:ea typeface="돋움체" panose="020B0609000101010101" pitchFamily="49" charset="-127"/>
+              </a:rPr>
+              <a:t> item </a:t>
+            </a:r>
+            <a:r>
+              <a:rPr lang="en-US" altLang="ko-KR" sz="1050" dirty="0">
+                <a:solidFill>
+                  <a:srgbClr val="0000FF"/>
+                </a:solidFill>
+                <a:latin typeface="돋움체" panose="020B0609000101010101" pitchFamily="49" charset="-127"/>
+                <a:ea typeface="돋움체" panose="020B0609000101010101" pitchFamily="49" charset="-127"/>
+              </a:rPr>
+              <a:t>in</a:t>
+            </a:r>
+            <a:r>
+              <a:rPr lang="en-US" altLang="ko-KR" sz="1050" dirty="0">
+                <a:solidFill>
+                  <a:srgbClr val="000000"/>
+                </a:solidFill>
+                <a:latin typeface="돋움체" panose="020B0609000101010101" pitchFamily="49" charset="-127"/>
+                <a:ea typeface="돋움체" panose="020B0609000101010101" pitchFamily="49" charset="-127"/>
+              </a:rPr>
+              <a:t> listView1.SelectedItems)</a:t>
+            </a:r>
+          </a:p>
+          <a:p>
+            <a:r>
+              <a:rPr lang="ko-KR" altLang="en-US" sz="1050" dirty="0">
+                <a:solidFill>
+                  <a:srgbClr val="000000"/>
+                </a:solidFill>
+                <a:latin typeface="돋움체" panose="020B0609000101010101" pitchFamily="49" charset="-127"/>
+                <a:ea typeface="돋움체" panose="020B0609000101010101" pitchFamily="49" charset="-127"/>
+              </a:rPr>
+              <a:t>            </a:t>
+            </a:r>
+            <a:r>
+              <a:rPr lang="en-US" altLang="ko-KR" sz="1050" dirty="0">
+                <a:solidFill>
+                  <a:srgbClr val="000000"/>
+                </a:solidFill>
+                <a:latin typeface="돋움체" panose="020B0609000101010101" pitchFamily="49" charset="-127"/>
+                <a:ea typeface="돋움체" panose="020B0609000101010101" pitchFamily="49" charset="-127"/>
+              </a:rPr>
+              <a:t>{</a:t>
+            </a:r>
+          </a:p>
+          <a:p>
+            <a:r>
+              <a:rPr lang="en-US" altLang="ko-KR" sz="1050" dirty="0">
+                <a:solidFill>
+                  <a:srgbClr val="000000"/>
+                </a:solidFill>
+                <a:latin typeface="돋움체" panose="020B0609000101010101" pitchFamily="49" charset="-127"/>
+                <a:ea typeface="돋움체" panose="020B0609000101010101" pitchFamily="49" charset="-127"/>
+              </a:rPr>
+              <a:t>                </a:t>
+            </a:r>
+            <a:r>
+              <a:rPr lang="en-US" altLang="ko-KR" sz="1050" dirty="0" err="1">
+                <a:solidFill>
+                  <a:srgbClr val="000000"/>
+                </a:solidFill>
+                <a:latin typeface="돋움체" panose="020B0609000101010101" pitchFamily="49" charset="-127"/>
+                <a:ea typeface="돋움체" panose="020B0609000101010101" pitchFamily="49" charset="-127"/>
+              </a:rPr>
+              <a:t>ListViewItem.ListViewSubItemCollection</a:t>
+            </a:r>
+            <a:r>
+              <a:rPr lang="en-US" altLang="ko-KR" sz="1050" dirty="0">
+                <a:solidFill>
+                  <a:srgbClr val="000000"/>
+                </a:solidFill>
+                <a:latin typeface="돋움체" panose="020B0609000101010101" pitchFamily="49" charset="-127"/>
+                <a:ea typeface="돋움체" panose="020B0609000101010101" pitchFamily="49" charset="-127"/>
+              </a:rPr>
+              <a:t> </a:t>
+            </a:r>
+            <a:r>
+              <a:rPr lang="en-US" altLang="ko-KR" sz="1050" dirty="0" err="1">
+                <a:solidFill>
+                  <a:srgbClr val="000000"/>
+                </a:solidFill>
+                <a:latin typeface="돋움체" panose="020B0609000101010101" pitchFamily="49" charset="-127"/>
+                <a:ea typeface="돋움체" panose="020B0609000101010101" pitchFamily="49" charset="-127"/>
+              </a:rPr>
+              <a:t>subItem</a:t>
+            </a:r>
+            <a:r>
+              <a:rPr lang="en-US" altLang="ko-KR" sz="1050" dirty="0">
+                <a:solidFill>
+                  <a:srgbClr val="000000"/>
+                </a:solidFill>
+                <a:latin typeface="돋움체" panose="020B0609000101010101" pitchFamily="49" charset="-127"/>
+                <a:ea typeface="돋움체" panose="020B0609000101010101" pitchFamily="49" charset="-127"/>
+              </a:rPr>
+              <a:t> = </a:t>
+            </a:r>
+            <a:r>
+              <a:rPr lang="en-US" altLang="ko-KR" sz="1050" dirty="0" err="1">
+                <a:solidFill>
+                  <a:srgbClr val="000000"/>
+                </a:solidFill>
+                <a:latin typeface="돋움체" panose="020B0609000101010101" pitchFamily="49" charset="-127"/>
+                <a:ea typeface="돋움체" panose="020B0609000101010101" pitchFamily="49" charset="-127"/>
+              </a:rPr>
+              <a:t>item.SubItems</a:t>
+            </a:r>
+            <a:r>
+              <a:rPr lang="en-US" altLang="ko-KR" sz="1050" dirty="0">
+                <a:solidFill>
+                  <a:srgbClr val="000000"/>
+                </a:solidFill>
+                <a:latin typeface="돋움체" panose="020B0609000101010101" pitchFamily="49" charset="-127"/>
+                <a:ea typeface="돋움체" panose="020B0609000101010101" pitchFamily="49" charset="-127"/>
+              </a:rPr>
+              <a:t>;</a:t>
+            </a:r>
+          </a:p>
+          <a:p>
+            <a:r>
+              <a:rPr lang="ko-KR" altLang="en-US" sz="1050" dirty="0">
+                <a:solidFill>
+                  <a:srgbClr val="000000"/>
+                </a:solidFill>
+                <a:latin typeface="돋움체" panose="020B0609000101010101" pitchFamily="49" charset="-127"/>
+                <a:ea typeface="돋움체" panose="020B0609000101010101" pitchFamily="49" charset="-127"/>
+              </a:rPr>
+              <a:t>                </a:t>
+            </a:r>
+            <a:r>
+              <a:rPr lang="en-US" altLang="ko-KR" sz="1050" dirty="0">
+                <a:solidFill>
+                  <a:srgbClr val="008000"/>
+                </a:solidFill>
+                <a:latin typeface="돋움체" panose="020B0609000101010101" pitchFamily="49" charset="-127"/>
+                <a:ea typeface="돋움체" panose="020B0609000101010101" pitchFamily="49" charset="-127"/>
+              </a:rPr>
+              <a:t>// </a:t>
+            </a:r>
+            <a:r>
+              <a:rPr lang="ko-KR" altLang="en-US" sz="1050" dirty="0">
+                <a:solidFill>
+                  <a:srgbClr val="008000"/>
+                </a:solidFill>
+                <a:latin typeface="돋움체" panose="020B0609000101010101" pitchFamily="49" charset="-127"/>
+                <a:ea typeface="돋움체" panose="020B0609000101010101" pitchFamily="49" charset="-127"/>
+              </a:rPr>
+              <a:t>각 항목에 대한 부항목을 얻기 위해 </a:t>
+            </a:r>
+            <a:r>
+              <a:rPr lang="en-US" altLang="ko-KR" sz="1050" dirty="0" err="1">
+                <a:solidFill>
+                  <a:srgbClr val="008000"/>
+                </a:solidFill>
+                <a:latin typeface="돋움체" panose="020B0609000101010101" pitchFamily="49" charset="-127"/>
+                <a:ea typeface="돋움체" panose="020B0609000101010101" pitchFamily="49" charset="-127"/>
+              </a:rPr>
+              <a:t>SubItems</a:t>
+            </a:r>
+            <a:r>
+              <a:rPr lang="en-US" altLang="ko-KR" sz="1050" dirty="0">
+                <a:solidFill>
+                  <a:srgbClr val="008000"/>
+                </a:solidFill>
+                <a:latin typeface="돋움체" panose="020B0609000101010101" pitchFamily="49" charset="-127"/>
+                <a:ea typeface="돋움체" panose="020B0609000101010101" pitchFamily="49" charset="-127"/>
+              </a:rPr>
+              <a:t> </a:t>
+            </a:r>
+            <a:r>
+              <a:rPr lang="ko-KR" altLang="en-US" sz="1050" dirty="0">
+                <a:solidFill>
+                  <a:srgbClr val="008000"/>
+                </a:solidFill>
+                <a:latin typeface="돋움체" panose="020B0609000101010101" pitchFamily="49" charset="-127"/>
+                <a:ea typeface="돋움체" panose="020B0609000101010101" pitchFamily="49" charset="-127"/>
+              </a:rPr>
+              <a:t>프로퍼티를 사용</a:t>
+            </a:r>
+            <a:endParaRPr lang="ko-KR" altLang="en-US" sz="1050" dirty="0">
+              <a:solidFill>
+                <a:srgbClr val="000000"/>
+              </a:solidFill>
+              <a:latin typeface="돋움체" panose="020B0609000101010101" pitchFamily="49" charset="-127"/>
+              <a:ea typeface="돋움체" panose="020B0609000101010101" pitchFamily="49" charset="-127"/>
+            </a:endParaRPr>
+          </a:p>
+          <a:p>
+            <a:r>
+              <a:rPr lang="en-US" altLang="ko-KR" sz="1050" dirty="0">
+                <a:solidFill>
+                  <a:srgbClr val="000000"/>
+                </a:solidFill>
+                <a:latin typeface="돋움체" panose="020B0609000101010101" pitchFamily="49" charset="-127"/>
+                <a:ea typeface="돋움체" panose="020B0609000101010101" pitchFamily="49" charset="-127"/>
+              </a:rPr>
+              <a:t>                label1.Text = </a:t>
+            </a:r>
+            <a:r>
+              <a:rPr lang="en-US" altLang="ko-KR" sz="1050" dirty="0" err="1">
+                <a:solidFill>
+                  <a:srgbClr val="000000"/>
+                </a:solidFill>
+                <a:latin typeface="돋움체" panose="020B0609000101010101" pitchFamily="49" charset="-127"/>
+                <a:ea typeface="돋움체" panose="020B0609000101010101" pitchFamily="49" charset="-127"/>
+              </a:rPr>
+              <a:t>subItem</a:t>
+            </a:r>
+            <a:r>
+              <a:rPr lang="en-US" altLang="ko-KR" sz="1050" dirty="0">
+                <a:solidFill>
+                  <a:srgbClr val="000000"/>
+                </a:solidFill>
+                <a:latin typeface="돋움체" panose="020B0609000101010101" pitchFamily="49" charset="-127"/>
+                <a:ea typeface="돋움체" panose="020B0609000101010101" pitchFamily="49" charset="-127"/>
+              </a:rPr>
+              <a:t>[0].Text + </a:t>
+            </a:r>
+            <a:r>
+              <a:rPr lang="en-US" altLang="ko-KR" sz="1050" dirty="0">
+                <a:solidFill>
+                  <a:srgbClr val="A31515"/>
+                </a:solidFill>
+                <a:latin typeface="돋움체" panose="020B0609000101010101" pitchFamily="49" charset="-127"/>
+                <a:ea typeface="돋움체" panose="020B0609000101010101" pitchFamily="49" charset="-127"/>
+              </a:rPr>
+              <a:t>"</a:t>
+            </a:r>
+            <a:r>
+              <a:rPr lang="ko-KR" altLang="en-US" sz="1050" dirty="0">
+                <a:solidFill>
+                  <a:srgbClr val="A31515"/>
+                </a:solidFill>
+                <a:latin typeface="돋움체" panose="020B0609000101010101" pitchFamily="49" charset="-127"/>
+                <a:ea typeface="돋움체" panose="020B0609000101010101" pitchFamily="49" charset="-127"/>
+              </a:rPr>
+              <a:t>의 국가번호는 </a:t>
+            </a:r>
+            <a:r>
+              <a:rPr lang="en-US" altLang="ko-KR" sz="1050" dirty="0">
+                <a:solidFill>
+                  <a:srgbClr val="A31515"/>
+                </a:solidFill>
+                <a:latin typeface="돋움체" panose="020B0609000101010101" pitchFamily="49" charset="-127"/>
+                <a:ea typeface="돋움체" panose="020B0609000101010101" pitchFamily="49" charset="-127"/>
+              </a:rPr>
+              <a:t>"</a:t>
+            </a:r>
+            <a:r>
+              <a:rPr lang="ko-KR" altLang="en-US" sz="1050" dirty="0">
+                <a:solidFill>
+                  <a:srgbClr val="000000"/>
+                </a:solidFill>
+                <a:latin typeface="돋움체" panose="020B0609000101010101" pitchFamily="49" charset="-127"/>
+                <a:ea typeface="돋움체" panose="020B0609000101010101" pitchFamily="49" charset="-127"/>
+              </a:rPr>
+              <a:t> </a:t>
+            </a:r>
+            <a:r>
+              <a:rPr lang="en-US" altLang="ko-KR" sz="1050" dirty="0">
+                <a:solidFill>
+                  <a:srgbClr val="000000"/>
+                </a:solidFill>
+                <a:latin typeface="돋움체" panose="020B0609000101010101" pitchFamily="49" charset="-127"/>
+                <a:ea typeface="돋움체" panose="020B0609000101010101" pitchFamily="49" charset="-127"/>
+              </a:rPr>
+              <a:t>+</a:t>
+            </a:r>
+          </a:p>
+          <a:p>
+            <a:r>
+              <a:rPr lang="en-US" altLang="ko-KR" sz="1050" dirty="0">
+                <a:solidFill>
+                  <a:srgbClr val="000000"/>
+                </a:solidFill>
+                <a:latin typeface="돋움체" panose="020B0609000101010101" pitchFamily="49" charset="-127"/>
+                <a:ea typeface="돋움체" panose="020B0609000101010101" pitchFamily="49" charset="-127"/>
+              </a:rPr>
+              <a:t>                              </a:t>
+            </a:r>
+            <a:r>
+              <a:rPr lang="en-US" altLang="ko-KR" sz="1050" dirty="0" err="1">
+                <a:solidFill>
+                  <a:srgbClr val="000000"/>
+                </a:solidFill>
+                <a:latin typeface="돋움체" panose="020B0609000101010101" pitchFamily="49" charset="-127"/>
+                <a:ea typeface="돋움체" panose="020B0609000101010101" pitchFamily="49" charset="-127"/>
+              </a:rPr>
+              <a:t>subItem</a:t>
+            </a:r>
+            <a:r>
+              <a:rPr lang="en-US" altLang="ko-KR" sz="1050" dirty="0">
+                <a:solidFill>
+                  <a:srgbClr val="000000"/>
+                </a:solidFill>
+                <a:latin typeface="돋움체" panose="020B0609000101010101" pitchFamily="49" charset="-127"/>
+                <a:ea typeface="돋움체" panose="020B0609000101010101" pitchFamily="49" charset="-127"/>
+              </a:rPr>
+              <a:t>[1].Text + </a:t>
+            </a:r>
+            <a:r>
+              <a:rPr lang="en-US" altLang="ko-KR" sz="1050" dirty="0">
+                <a:solidFill>
+                  <a:srgbClr val="A31515"/>
+                </a:solidFill>
+                <a:latin typeface="돋움체" panose="020B0609000101010101" pitchFamily="49" charset="-127"/>
+                <a:ea typeface="돋움체" panose="020B0609000101010101" pitchFamily="49" charset="-127"/>
+              </a:rPr>
+              <a:t>"</a:t>
+            </a:r>
+            <a:r>
+              <a:rPr lang="ko-KR" altLang="en-US" sz="1050" dirty="0">
+                <a:solidFill>
+                  <a:srgbClr val="A31515"/>
+                </a:solidFill>
+                <a:latin typeface="돋움체" panose="020B0609000101010101" pitchFamily="49" charset="-127"/>
+                <a:ea typeface="돋움체" panose="020B0609000101010101" pitchFamily="49" charset="-127"/>
+              </a:rPr>
+              <a:t>입니다</a:t>
+            </a:r>
+            <a:r>
+              <a:rPr lang="en-US" altLang="ko-KR" sz="1050" dirty="0">
+                <a:solidFill>
+                  <a:srgbClr val="A31515"/>
+                </a:solidFill>
+                <a:latin typeface="돋움체" panose="020B0609000101010101" pitchFamily="49" charset="-127"/>
+                <a:ea typeface="돋움체" panose="020B0609000101010101" pitchFamily="49" charset="-127"/>
+              </a:rPr>
+              <a:t>."</a:t>
+            </a:r>
+            <a:r>
+              <a:rPr lang="en-US" altLang="ko-KR" sz="1050" dirty="0">
+                <a:solidFill>
+                  <a:srgbClr val="000000"/>
+                </a:solidFill>
+                <a:latin typeface="돋움체" panose="020B0609000101010101" pitchFamily="49" charset="-127"/>
+                <a:ea typeface="돋움체" panose="020B0609000101010101" pitchFamily="49" charset="-127"/>
+              </a:rPr>
+              <a:t>;</a:t>
+            </a:r>
+          </a:p>
+          <a:p>
+            <a:r>
+              <a:rPr lang="ko-KR" altLang="en-US" sz="1050" dirty="0">
+                <a:solidFill>
+                  <a:srgbClr val="000000"/>
+                </a:solidFill>
+                <a:latin typeface="돋움체" panose="020B0609000101010101" pitchFamily="49" charset="-127"/>
+                <a:ea typeface="돋움체" panose="020B0609000101010101" pitchFamily="49" charset="-127"/>
+              </a:rPr>
+              <a:t>            </a:t>
+            </a:r>
+            <a:r>
+              <a:rPr lang="en-US" altLang="ko-KR" sz="1050" dirty="0">
+                <a:solidFill>
+                  <a:srgbClr val="000000"/>
+                </a:solidFill>
+                <a:latin typeface="돋움체" panose="020B0609000101010101" pitchFamily="49" charset="-127"/>
+                <a:ea typeface="돋움체" panose="020B0609000101010101" pitchFamily="49" charset="-127"/>
+              </a:rPr>
+              <a:t>}</a:t>
+            </a:r>
+          </a:p>
+          <a:p>
+            <a:r>
+              <a:rPr lang="ko-KR" altLang="en-US" sz="1050" dirty="0">
+                <a:solidFill>
+                  <a:srgbClr val="000000"/>
+                </a:solidFill>
+                <a:latin typeface="돋움체" panose="020B0609000101010101" pitchFamily="49" charset="-127"/>
+                <a:ea typeface="돋움체" panose="020B0609000101010101" pitchFamily="49" charset="-127"/>
+              </a:rPr>
+              <a:t>        </a:t>
+            </a:r>
+            <a:r>
+              <a:rPr lang="en-US" altLang="ko-KR" sz="1050" dirty="0">
+                <a:solidFill>
+                  <a:srgbClr val="000000"/>
+                </a:solidFill>
+                <a:latin typeface="돋움체" panose="020B0609000101010101" pitchFamily="49" charset="-127"/>
+                <a:ea typeface="돋움체" panose="020B0609000101010101" pitchFamily="49" charset="-127"/>
+              </a:rPr>
+              <a:t>}</a:t>
+            </a:r>
+          </a:p>
+          <a:p>
+            <a:endParaRPr lang="ko-KR" altLang="en-US" sz="1050" dirty="0">
+              <a:solidFill>
+                <a:srgbClr val="000000"/>
+              </a:solidFill>
+              <a:latin typeface="돋움체" panose="020B0609000101010101" pitchFamily="49" charset="-127"/>
+              <a:ea typeface="돋움체" panose="020B0609000101010101" pitchFamily="49" charset="-127"/>
+            </a:endParaRPr>
+          </a:p>
+          <a:p>
+            <a:r>
+              <a:rPr lang="en-US" altLang="ko-KR" sz="1050" dirty="0">
+                <a:solidFill>
+                  <a:srgbClr val="000000"/>
+                </a:solidFill>
+                <a:latin typeface="돋움체" panose="020B0609000101010101" pitchFamily="49" charset="-127"/>
+                <a:ea typeface="돋움체" panose="020B0609000101010101" pitchFamily="49" charset="-127"/>
+              </a:rPr>
+              <a:t>        </a:t>
+            </a:r>
+            <a:r>
+              <a:rPr lang="en-US" altLang="ko-KR" sz="1050" dirty="0">
+                <a:solidFill>
+                  <a:srgbClr val="0000FF"/>
+                </a:solidFill>
+                <a:latin typeface="돋움체" panose="020B0609000101010101" pitchFamily="49" charset="-127"/>
+                <a:ea typeface="돋움체" panose="020B0609000101010101" pitchFamily="49" charset="-127"/>
+              </a:rPr>
+              <a:t>private</a:t>
+            </a:r>
+            <a:r>
+              <a:rPr lang="en-US" altLang="ko-KR" sz="1050" dirty="0">
+                <a:solidFill>
+                  <a:srgbClr val="000000"/>
+                </a:solidFill>
+                <a:latin typeface="돋움체" panose="020B0609000101010101" pitchFamily="49" charset="-127"/>
+                <a:ea typeface="돋움체" panose="020B0609000101010101" pitchFamily="49" charset="-127"/>
+              </a:rPr>
+              <a:t> </a:t>
+            </a:r>
+            <a:r>
+              <a:rPr lang="en-US" altLang="ko-KR" sz="1050" dirty="0">
+                <a:solidFill>
+                  <a:srgbClr val="0000FF"/>
+                </a:solidFill>
+                <a:latin typeface="돋움체" panose="020B0609000101010101" pitchFamily="49" charset="-127"/>
+                <a:ea typeface="돋움체" panose="020B0609000101010101" pitchFamily="49" charset="-127"/>
+              </a:rPr>
+              <a:t>void</a:t>
+            </a:r>
+            <a:r>
+              <a:rPr lang="en-US" altLang="ko-KR" sz="1050" dirty="0">
+                <a:solidFill>
+                  <a:srgbClr val="000000"/>
+                </a:solidFill>
+                <a:latin typeface="돋움체" panose="020B0609000101010101" pitchFamily="49" charset="-127"/>
+                <a:ea typeface="돋움체" panose="020B0609000101010101" pitchFamily="49" charset="-127"/>
+              </a:rPr>
+              <a:t> radioButton1_CheckedChanged(</a:t>
+            </a:r>
+            <a:r>
+              <a:rPr lang="en-US" altLang="ko-KR" sz="1050" dirty="0">
+                <a:solidFill>
+                  <a:srgbClr val="0000FF"/>
+                </a:solidFill>
+                <a:latin typeface="돋움체" panose="020B0609000101010101" pitchFamily="49" charset="-127"/>
+                <a:ea typeface="돋움체" panose="020B0609000101010101" pitchFamily="49" charset="-127"/>
+              </a:rPr>
+              <a:t>object</a:t>
+            </a:r>
+            <a:r>
+              <a:rPr lang="en-US" altLang="ko-KR" sz="1050" dirty="0">
+                <a:solidFill>
+                  <a:srgbClr val="000000"/>
+                </a:solidFill>
+                <a:latin typeface="돋움체" panose="020B0609000101010101" pitchFamily="49" charset="-127"/>
+                <a:ea typeface="돋움체" panose="020B0609000101010101" pitchFamily="49" charset="-127"/>
+              </a:rPr>
+              <a:t> sender, </a:t>
+            </a:r>
+            <a:r>
+              <a:rPr lang="en-US" altLang="ko-KR" sz="1050" dirty="0" err="1">
+                <a:solidFill>
+                  <a:srgbClr val="000000"/>
+                </a:solidFill>
+                <a:latin typeface="돋움체" panose="020B0609000101010101" pitchFamily="49" charset="-127"/>
+                <a:ea typeface="돋움체" panose="020B0609000101010101" pitchFamily="49" charset="-127"/>
+              </a:rPr>
+              <a:t>EventArgs</a:t>
+            </a:r>
+            <a:r>
+              <a:rPr lang="en-US" altLang="ko-KR" sz="1050" dirty="0">
+                <a:solidFill>
+                  <a:srgbClr val="000000"/>
+                </a:solidFill>
+                <a:latin typeface="돋움체" panose="020B0609000101010101" pitchFamily="49" charset="-127"/>
+                <a:ea typeface="돋움체" panose="020B0609000101010101" pitchFamily="49" charset="-127"/>
+              </a:rPr>
+              <a:t> e)</a:t>
+            </a:r>
+          </a:p>
+          <a:p>
+            <a:r>
+              <a:rPr lang="ko-KR" altLang="en-US" sz="1050" dirty="0">
+                <a:solidFill>
+                  <a:srgbClr val="000000"/>
+                </a:solidFill>
+                <a:latin typeface="돋움체" panose="020B0609000101010101" pitchFamily="49" charset="-127"/>
+                <a:ea typeface="돋움체" panose="020B0609000101010101" pitchFamily="49" charset="-127"/>
+              </a:rPr>
+              <a:t>        </a:t>
+            </a:r>
+            <a:r>
+              <a:rPr lang="en-US" altLang="ko-KR" sz="1050" dirty="0">
+                <a:solidFill>
+                  <a:srgbClr val="000000"/>
+                </a:solidFill>
+                <a:latin typeface="돋움체" panose="020B0609000101010101" pitchFamily="49" charset="-127"/>
+                <a:ea typeface="돋움체" panose="020B0609000101010101" pitchFamily="49" charset="-127"/>
+              </a:rPr>
+              <a:t>{</a:t>
+            </a:r>
+          </a:p>
+          <a:p>
+            <a:r>
+              <a:rPr lang="en-US" altLang="ko-KR" sz="1050" dirty="0">
+                <a:solidFill>
+                  <a:srgbClr val="000000"/>
+                </a:solidFill>
+                <a:latin typeface="돋움체" panose="020B0609000101010101" pitchFamily="49" charset="-127"/>
+                <a:ea typeface="돋움체" panose="020B0609000101010101" pitchFamily="49" charset="-127"/>
+              </a:rPr>
+              <a:t>            </a:t>
+            </a:r>
+            <a:r>
+              <a:rPr lang="en-US" altLang="ko-KR" sz="1050" dirty="0">
+                <a:solidFill>
+                  <a:srgbClr val="0000FF"/>
+                </a:solidFill>
+                <a:latin typeface="돋움체" panose="020B0609000101010101" pitchFamily="49" charset="-127"/>
+                <a:ea typeface="돋움체" panose="020B0609000101010101" pitchFamily="49" charset="-127"/>
+              </a:rPr>
+              <a:t>if</a:t>
+            </a:r>
+            <a:r>
+              <a:rPr lang="en-US" altLang="ko-KR" sz="1050" dirty="0">
+                <a:solidFill>
+                  <a:srgbClr val="000000"/>
+                </a:solidFill>
+                <a:latin typeface="돋움체" panose="020B0609000101010101" pitchFamily="49" charset="-127"/>
+                <a:ea typeface="돋움체" panose="020B0609000101010101" pitchFamily="49" charset="-127"/>
+              </a:rPr>
+              <a:t> (radioButton1.Checked)</a:t>
+            </a:r>
+          </a:p>
+          <a:p>
+            <a:r>
+              <a:rPr lang="ko-KR" altLang="en-US" sz="1050" dirty="0">
+                <a:solidFill>
+                  <a:srgbClr val="000000"/>
+                </a:solidFill>
+                <a:latin typeface="돋움체" panose="020B0609000101010101" pitchFamily="49" charset="-127"/>
+                <a:ea typeface="돋움체" panose="020B0609000101010101" pitchFamily="49" charset="-127"/>
+              </a:rPr>
+              <a:t>                </a:t>
+            </a:r>
+            <a:r>
+              <a:rPr lang="en-US" altLang="ko-KR" sz="1050" dirty="0">
+                <a:solidFill>
+                  <a:srgbClr val="008000"/>
+                </a:solidFill>
+                <a:latin typeface="돋움체" panose="020B0609000101010101" pitchFamily="49" charset="-127"/>
+                <a:ea typeface="돋움체" panose="020B0609000101010101" pitchFamily="49" charset="-127"/>
+              </a:rPr>
+              <a:t>// </a:t>
+            </a:r>
+            <a:r>
+              <a:rPr lang="ko-KR" altLang="en-US" sz="1050" dirty="0">
+                <a:solidFill>
+                  <a:srgbClr val="008000"/>
+                </a:solidFill>
+                <a:latin typeface="돋움체" panose="020B0609000101010101" pitchFamily="49" charset="-127"/>
+                <a:ea typeface="돋움체" panose="020B0609000101010101" pitchFamily="49" charset="-127"/>
+              </a:rPr>
+              <a:t>리스트 뷰의 항목을 큰 아이콘 형태로 보여준다</a:t>
+            </a:r>
+            <a:r>
+              <a:rPr lang="en-US" altLang="ko-KR" sz="1050" dirty="0">
+                <a:solidFill>
+                  <a:srgbClr val="008000"/>
+                </a:solidFill>
+                <a:latin typeface="돋움체" panose="020B0609000101010101" pitchFamily="49" charset="-127"/>
+                <a:ea typeface="돋움체" panose="020B0609000101010101" pitchFamily="49" charset="-127"/>
+              </a:rPr>
+              <a:t>.</a:t>
+            </a:r>
+            <a:endParaRPr lang="ko-KR" altLang="en-US" sz="1050" dirty="0">
+              <a:solidFill>
+                <a:srgbClr val="000000"/>
+              </a:solidFill>
+              <a:latin typeface="돋움체" panose="020B0609000101010101" pitchFamily="49" charset="-127"/>
+              <a:ea typeface="돋움체" panose="020B0609000101010101" pitchFamily="49" charset="-127"/>
+            </a:endParaRPr>
+          </a:p>
+          <a:p>
+            <a:r>
+              <a:rPr lang="en-US" altLang="ko-KR" sz="1050" dirty="0">
+                <a:solidFill>
+                  <a:srgbClr val="000000"/>
+                </a:solidFill>
+                <a:latin typeface="돋움체" panose="020B0609000101010101" pitchFamily="49" charset="-127"/>
+                <a:ea typeface="돋움체" panose="020B0609000101010101" pitchFamily="49" charset="-127"/>
+              </a:rPr>
+              <a:t>                listView1.View = </a:t>
+            </a:r>
+            <a:r>
+              <a:rPr lang="en-US" altLang="ko-KR" sz="1050" dirty="0" err="1">
+                <a:solidFill>
+                  <a:srgbClr val="000000"/>
+                </a:solidFill>
+                <a:latin typeface="돋움체" panose="020B0609000101010101" pitchFamily="49" charset="-127"/>
+                <a:ea typeface="돋움체" panose="020B0609000101010101" pitchFamily="49" charset="-127"/>
+              </a:rPr>
+              <a:t>View.LargeIcon</a:t>
+            </a:r>
+            <a:r>
+              <a:rPr lang="en-US" altLang="ko-KR" sz="1050" dirty="0">
+                <a:solidFill>
+                  <a:srgbClr val="000000"/>
+                </a:solidFill>
+                <a:latin typeface="돋움체" panose="020B0609000101010101" pitchFamily="49" charset="-127"/>
+                <a:ea typeface="돋움체" panose="020B0609000101010101" pitchFamily="49" charset="-127"/>
+              </a:rPr>
+              <a:t>;</a:t>
+            </a:r>
+          </a:p>
+          <a:p>
+            <a:r>
+              <a:rPr lang="ko-KR" altLang="en-US" sz="1050" dirty="0">
+                <a:solidFill>
+                  <a:srgbClr val="000000"/>
+                </a:solidFill>
+                <a:latin typeface="돋움체" panose="020B0609000101010101" pitchFamily="49" charset="-127"/>
+                <a:ea typeface="돋움체" panose="020B0609000101010101" pitchFamily="49" charset="-127"/>
+              </a:rPr>
+              <a:t>        </a:t>
+            </a:r>
+            <a:r>
+              <a:rPr lang="en-US" altLang="ko-KR" sz="1050" dirty="0">
+                <a:solidFill>
+                  <a:srgbClr val="000000"/>
+                </a:solidFill>
+                <a:latin typeface="돋움체" panose="020B0609000101010101" pitchFamily="49" charset="-127"/>
+                <a:ea typeface="돋움체" panose="020B0609000101010101" pitchFamily="49" charset="-127"/>
+              </a:rPr>
+              <a:t>}</a:t>
+            </a:r>
+          </a:p>
+          <a:p>
+            <a:endParaRPr lang="ko-KR" altLang="en-US" sz="1050" dirty="0">
+              <a:solidFill>
+                <a:srgbClr val="000000"/>
+              </a:solidFill>
+              <a:latin typeface="돋움체" panose="020B0609000101010101" pitchFamily="49" charset="-127"/>
+              <a:ea typeface="돋움체" panose="020B0609000101010101" pitchFamily="49" charset="-127"/>
+            </a:endParaRPr>
+          </a:p>
+          <a:p>
+            <a:r>
+              <a:rPr lang="en-US" altLang="ko-KR" sz="1050" dirty="0">
+                <a:solidFill>
+                  <a:srgbClr val="000000"/>
+                </a:solidFill>
+                <a:latin typeface="돋움체" panose="020B0609000101010101" pitchFamily="49" charset="-127"/>
+                <a:ea typeface="돋움체" panose="020B0609000101010101" pitchFamily="49" charset="-127"/>
+              </a:rPr>
+              <a:t>        </a:t>
+            </a:r>
+            <a:r>
+              <a:rPr lang="en-US" altLang="ko-KR" sz="1050" dirty="0">
+                <a:solidFill>
+                  <a:srgbClr val="0000FF"/>
+                </a:solidFill>
+                <a:latin typeface="돋움체" panose="020B0609000101010101" pitchFamily="49" charset="-127"/>
+                <a:ea typeface="돋움체" panose="020B0609000101010101" pitchFamily="49" charset="-127"/>
+              </a:rPr>
+              <a:t>private</a:t>
+            </a:r>
+            <a:r>
+              <a:rPr lang="en-US" altLang="ko-KR" sz="1050" dirty="0">
+                <a:solidFill>
+                  <a:srgbClr val="000000"/>
+                </a:solidFill>
+                <a:latin typeface="돋움체" panose="020B0609000101010101" pitchFamily="49" charset="-127"/>
+                <a:ea typeface="돋움체" panose="020B0609000101010101" pitchFamily="49" charset="-127"/>
+              </a:rPr>
+              <a:t> </a:t>
+            </a:r>
+            <a:r>
+              <a:rPr lang="en-US" altLang="ko-KR" sz="1050" dirty="0">
+                <a:solidFill>
+                  <a:srgbClr val="0000FF"/>
+                </a:solidFill>
+                <a:latin typeface="돋움체" panose="020B0609000101010101" pitchFamily="49" charset="-127"/>
+                <a:ea typeface="돋움체" panose="020B0609000101010101" pitchFamily="49" charset="-127"/>
+              </a:rPr>
+              <a:t>void</a:t>
+            </a:r>
+            <a:r>
+              <a:rPr lang="en-US" altLang="ko-KR" sz="1050" dirty="0">
+                <a:solidFill>
+                  <a:srgbClr val="000000"/>
+                </a:solidFill>
+                <a:latin typeface="돋움체" panose="020B0609000101010101" pitchFamily="49" charset="-127"/>
+                <a:ea typeface="돋움체" panose="020B0609000101010101" pitchFamily="49" charset="-127"/>
+              </a:rPr>
+              <a:t> radioButton2_CheckedChanged(</a:t>
+            </a:r>
+            <a:r>
+              <a:rPr lang="en-US" altLang="ko-KR" sz="1050" dirty="0">
+                <a:solidFill>
+                  <a:srgbClr val="0000FF"/>
+                </a:solidFill>
+                <a:latin typeface="돋움체" panose="020B0609000101010101" pitchFamily="49" charset="-127"/>
+                <a:ea typeface="돋움체" panose="020B0609000101010101" pitchFamily="49" charset="-127"/>
+              </a:rPr>
+              <a:t>object</a:t>
+            </a:r>
+            <a:r>
+              <a:rPr lang="en-US" altLang="ko-KR" sz="1050" dirty="0">
+                <a:solidFill>
+                  <a:srgbClr val="000000"/>
+                </a:solidFill>
+                <a:latin typeface="돋움체" panose="020B0609000101010101" pitchFamily="49" charset="-127"/>
+                <a:ea typeface="돋움체" panose="020B0609000101010101" pitchFamily="49" charset="-127"/>
+              </a:rPr>
+              <a:t> sender, </a:t>
+            </a:r>
+            <a:r>
+              <a:rPr lang="en-US" altLang="ko-KR" sz="1050" dirty="0" err="1">
+                <a:solidFill>
+                  <a:srgbClr val="000000"/>
+                </a:solidFill>
+                <a:latin typeface="돋움체" panose="020B0609000101010101" pitchFamily="49" charset="-127"/>
+                <a:ea typeface="돋움체" panose="020B0609000101010101" pitchFamily="49" charset="-127"/>
+              </a:rPr>
+              <a:t>EventArgs</a:t>
+            </a:r>
+            <a:r>
+              <a:rPr lang="en-US" altLang="ko-KR" sz="1050" dirty="0">
+                <a:solidFill>
+                  <a:srgbClr val="000000"/>
+                </a:solidFill>
+                <a:latin typeface="돋움체" panose="020B0609000101010101" pitchFamily="49" charset="-127"/>
+                <a:ea typeface="돋움체" panose="020B0609000101010101" pitchFamily="49" charset="-127"/>
+              </a:rPr>
+              <a:t> e)</a:t>
+            </a:r>
+          </a:p>
+          <a:p>
+            <a:r>
+              <a:rPr lang="ko-KR" altLang="en-US" sz="1050" dirty="0">
+                <a:solidFill>
+                  <a:srgbClr val="000000"/>
+                </a:solidFill>
+                <a:latin typeface="돋움체" panose="020B0609000101010101" pitchFamily="49" charset="-127"/>
+                <a:ea typeface="돋움체" panose="020B0609000101010101" pitchFamily="49" charset="-127"/>
+              </a:rPr>
+              <a:t>        </a:t>
+            </a:r>
+            <a:r>
+              <a:rPr lang="en-US" altLang="ko-KR" sz="1050" dirty="0">
+                <a:solidFill>
+                  <a:srgbClr val="000000"/>
+                </a:solidFill>
+                <a:latin typeface="돋움체" panose="020B0609000101010101" pitchFamily="49" charset="-127"/>
+                <a:ea typeface="돋움체" panose="020B0609000101010101" pitchFamily="49" charset="-127"/>
+              </a:rPr>
+              <a:t>{</a:t>
+            </a:r>
+          </a:p>
+          <a:p>
+            <a:r>
+              <a:rPr lang="en-US" altLang="ko-KR" sz="1050" dirty="0">
+                <a:solidFill>
+                  <a:srgbClr val="000000"/>
+                </a:solidFill>
+                <a:latin typeface="돋움체" panose="020B0609000101010101" pitchFamily="49" charset="-127"/>
+                <a:ea typeface="돋움체" panose="020B0609000101010101" pitchFamily="49" charset="-127"/>
+              </a:rPr>
+              <a:t>            </a:t>
+            </a:r>
+            <a:r>
+              <a:rPr lang="en-US" altLang="ko-KR" sz="1050" dirty="0">
+                <a:solidFill>
+                  <a:srgbClr val="0000FF"/>
+                </a:solidFill>
+                <a:latin typeface="돋움체" panose="020B0609000101010101" pitchFamily="49" charset="-127"/>
+                <a:ea typeface="돋움체" panose="020B0609000101010101" pitchFamily="49" charset="-127"/>
+              </a:rPr>
+              <a:t>if</a:t>
+            </a:r>
+            <a:r>
+              <a:rPr lang="en-US" altLang="ko-KR" sz="1050" dirty="0">
+                <a:solidFill>
+                  <a:srgbClr val="000000"/>
+                </a:solidFill>
+                <a:latin typeface="돋움체" panose="020B0609000101010101" pitchFamily="49" charset="-127"/>
+                <a:ea typeface="돋움체" panose="020B0609000101010101" pitchFamily="49" charset="-127"/>
+              </a:rPr>
+              <a:t> (radioButton2.Checked)</a:t>
+            </a:r>
+          </a:p>
+          <a:p>
+            <a:r>
+              <a:rPr lang="ko-KR" altLang="en-US" sz="1050" dirty="0">
+                <a:solidFill>
+                  <a:srgbClr val="000000"/>
+                </a:solidFill>
+                <a:latin typeface="돋움체" panose="020B0609000101010101" pitchFamily="49" charset="-127"/>
+                <a:ea typeface="돋움체" panose="020B0609000101010101" pitchFamily="49" charset="-127"/>
+              </a:rPr>
+              <a:t>                </a:t>
+            </a:r>
+            <a:r>
+              <a:rPr lang="en-US" altLang="ko-KR" sz="1050" dirty="0">
+                <a:solidFill>
+                  <a:srgbClr val="008000"/>
+                </a:solidFill>
+                <a:latin typeface="돋움체" panose="020B0609000101010101" pitchFamily="49" charset="-127"/>
+                <a:ea typeface="돋움체" panose="020B0609000101010101" pitchFamily="49" charset="-127"/>
+              </a:rPr>
+              <a:t>// </a:t>
+            </a:r>
+            <a:r>
+              <a:rPr lang="ko-KR" altLang="en-US" sz="1050" dirty="0">
+                <a:solidFill>
+                  <a:srgbClr val="008000"/>
+                </a:solidFill>
+                <a:latin typeface="돋움체" panose="020B0609000101010101" pitchFamily="49" charset="-127"/>
+                <a:ea typeface="돋움체" panose="020B0609000101010101" pitchFamily="49" charset="-127"/>
+              </a:rPr>
+              <a:t>리스트 뷰의 항목을 작은 아이콘 형태로 보여준다</a:t>
+            </a:r>
+            <a:r>
+              <a:rPr lang="en-US" altLang="ko-KR" sz="1050" dirty="0">
+                <a:solidFill>
+                  <a:srgbClr val="008000"/>
+                </a:solidFill>
+                <a:latin typeface="돋움체" panose="020B0609000101010101" pitchFamily="49" charset="-127"/>
+                <a:ea typeface="돋움체" panose="020B0609000101010101" pitchFamily="49" charset="-127"/>
+              </a:rPr>
+              <a:t>.</a:t>
+            </a:r>
+            <a:endParaRPr lang="ko-KR" altLang="en-US" sz="1050" dirty="0">
+              <a:solidFill>
+                <a:srgbClr val="000000"/>
+              </a:solidFill>
+              <a:latin typeface="돋움체" panose="020B0609000101010101" pitchFamily="49" charset="-127"/>
+              <a:ea typeface="돋움체" panose="020B0609000101010101" pitchFamily="49" charset="-127"/>
+            </a:endParaRPr>
+          </a:p>
+          <a:p>
+            <a:r>
+              <a:rPr lang="en-US" altLang="ko-KR" sz="1050" dirty="0">
+                <a:solidFill>
+                  <a:srgbClr val="000000"/>
+                </a:solidFill>
+                <a:latin typeface="돋움체" panose="020B0609000101010101" pitchFamily="49" charset="-127"/>
+                <a:ea typeface="돋움체" panose="020B0609000101010101" pitchFamily="49" charset="-127"/>
+              </a:rPr>
+              <a:t>                listView1.View = </a:t>
+            </a:r>
+            <a:r>
+              <a:rPr lang="en-US" altLang="ko-KR" sz="1050" dirty="0" err="1">
+                <a:solidFill>
+                  <a:srgbClr val="000000"/>
+                </a:solidFill>
+                <a:latin typeface="돋움체" panose="020B0609000101010101" pitchFamily="49" charset="-127"/>
+                <a:ea typeface="돋움체" panose="020B0609000101010101" pitchFamily="49" charset="-127"/>
+              </a:rPr>
+              <a:t>View.SmallIcon</a:t>
+            </a:r>
+            <a:r>
+              <a:rPr lang="en-US" altLang="ko-KR" sz="1050" dirty="0">
+                <a:solidFill>
+                  <a:srgbClr val="000000"/>
+                </a:solidFill>
+                <a:latin typeface="돋움체" panose="020B0609000101010101" pitchFamily="49" charset="-127"/>
+                <a:ea typeface="돋움체" panose="020B0609000101010101" pitchFamily="49" charset="-127"/>
+              </a:rPr>
+              <a:t>;</a:t>
+            </a:r>
+          </a:p>
+          <a:p>
+            <a:r>
+              <a:rPr lang="ko-KR" altLang="en-US" sz="1050" dirty="0">
+                <a:solidFill>
+                  <a:srgbClr val="000000"/>
+                </a:solidFill>
+                <a:latin typeface="돋움체" panose="020B0609000101010101" pitchFamily="49" charset="-127"/>
+                <a:ea typeface="돋움체" panose="020B0609000101010101" pitchFamily="49" charset="-127"/>
+              </a:rPr>
+              <a:t>        </a:t>
+            </a:r>
+            <a:r>
+              <a:rPr lang="en-US" altLang="ko-KR" sz="1050" dirty="0">
+                <a:solidFill>
+                  <a:srgbClr val="000000"/>
+                </a:solidFill>
+                <a:latin typeface="돋움체" panose="020B0609000101010101" pitchFamily="49" charset="-127"/>
+                <a:ea typeface="돋움체" panose="020B0609000101010101" pitchFamily="49" charset="-127"/>
+              </a:rPr>
+              <a:t>}</a:t>
+            </a:r>
+          </a:p>
+          <a:p>
+            <a:endParaRPr lang="ko-KR" altLang="en-US" sz="1050" dirty="0">
+              <a:solidFill>
+                <a:srgbClr val="000000"/>
+              </a:solidFill>
+              <a:latin typeface="돋움체" panose="020B0609000101010101" pitchFamily="49" charset="-127"/>
+              <a:ea typeface="돋움체" panose="020B0609000101010101" pitchFamily="49" charset="-127"/>
+            </a:endParaRPr>
+          </a:p>
+          <a:p>
+            <a:endParaRPr lang="en-US" altLang="ko-KR" sz="1050" dirty="0">
+              <a:solidFill>
+                <a:srgbClr val="000000"/>
+              </a:solidFill>
+              <a:latin typeface="돋움체" panose="020B0609000101010101" pitchFamily="49" charset="-127"/>
+              <a:ea typeface="돋움체" panose="020B0609000101010101" pitchFamily="49" charset="-127"/>
+            </a:endParaRPr>
+          </a:p>
+        </p:txBody>
+      </p:sp>
+      <p:pic>
+        <p:nvPicPr>
+          <p:cNvPr id="6" name="그림 5">
+            <a:extLst>
+              <a:ext uri="{FF2B5EF4-FFF2-40B4-BE49-F238E27FC236}">
+                <a16:creationId xmlns:a16="http://schemas.microsoft.com/office/drawing/2014/main" id="{D6571F06-F631-4F12-B2C7-DF1166EB84A1}"/>
+              </a:ext>
+            </a:extLst>
+          </p:cNvPr>
+          <p:cNvPicPr>
+            <a:picLocks noChangeAspect="1"/>
+          </p:cNvPicPr>
+          <p:nvPr/>
+        </p:nvPicPr>
+        <p:blipFill>
+          <a:blip r:embed="rId2"/>
+          <a:stretch>
+            <a:fillRect/>
+          </a:stretch>
+        </p:blipFill>
+        <p:spPr>
+          <a:xfrm>
+            <a:off x="0" y="75217"/>
+            <a:ext cx="2306680" cy="2801446"/>
+          </a:xfrm>
+          <a:prstGeom prst="rect">
+            <a:avLst/>
+          </a:prstGeom>
+        </p:spPr>
+      </p:pic>
+      <p:sp>
+        <p:nvSpPr>
+          <p:cNvPr id="9" name="TextBox 8">
+            <a:extLst>
+              <a:ext uri="{FF2B5EF4-FFF2-40B4-BE49-F238E27FC236}">
+                <a16:creationId xmlns:a16="http://schemas.microsoft.com/office/drawing/2014/main" id="{EBAB9E4E-176A-4FEE-B120-18AD8B0A6DA1}"/>
+              </a:ext>
+            </a:extLst>
+          </p:cNvPr>
+          <p:cNvSpPr txBox="1"/>
+          <p:nvPr/>
+        </p:nvSpPr>
+        <p:spPr>
+          <a:xfrm>
+            <a:off x="7934036" y="224325"/>
+            <a:ext cx="3897746" cy="5170646"/>
+          </a:xfrm>
+          <a:prstGeom prst="rect">
+            <a:avLst/>
+          </a:prstGeom>
+          <a:noFill/>
+        </p:spPr>
+        <p:txBody>
+          <a:bodyPr wrap="square">
+            <a:spAutoFit/>
+          </a:bodyPr>
+          <a:lstStyle/>
+          <a:p>
+            <a:r>
+              <a:rPr lang="en-US" altLang="ko-KR" sz="1100" dirty="0">
+                <a:solidFill>
+                  <a:srgbClr val="000000"/>
+                </a:solidFill>
+                <a:latin typeface="돋움체" panose="020B0609000101010101" pitchFamily="49" charset="-127"/>
+                <a:ea typeface="돋움체" panose="020B0609000101010101" pitchFamily="49" charset="-127"/>
+              </a:rPr>
+              <a:t> </a:t>
+            </a:r>
+            <a:r>
+              <a:rPr lang="en-US" altLang="ko-KR" sz="1100" dirty="0">
+                <a:solidFill>
+                  <a:srgbClr val="0000FF"/>
+                </a:solidFill>
+                <a:latin typeface="돋움체" panose="020B0609000101010101" pitchFamily="49" charset="-127"/>
+                <a:ea typeface="돋움체" panose="020B0609000101010101" pitchFamily="49" charset="-127"/>
+              </a:rPr>
+              <a:t>private</a:t>
+            </a:r>
+            <a:r>
+              <a:rPr lang="en-US" altLang="ko-KR" sz="1100" dirty="0">
+                <a:solidFill>
+                  <a:srgbClr val="000000"/>
+                </a:solidFill>
+                <a:latin typeface="돋움체" panose="020B0609000101010101" pitchFamily="49" charset="-127"/>
+                <a:ea typeface="돋움체" panose="020B0609000101010101" pitchFamily="49" charset="-127"/>
+              </a:rPr>
+              <a:t> </a:t>
+            </a:r>
+            <a:r>
+              <a:rPr lang="en-US" altLang="ko-KR" sz="1100" dirty="0">
+                <a:solidFill>
+                  <a:srgbClr val="0000FF"/>
+                </a:solidFill>
+                <a:latin typeface="돋움체" panose="020B0609000101010101" pitchFamily="49" charset="-127"/>
+                <a:ea typeface="돋움체" panose="020B0609000101010101" pitchFamily="49" charset="-127"/>
+              </a:rPr>
+              <a:t>void</a:t>
+            </a:r>
+            <a:r>
+              <a:rPr lang="en-US" altLang="ko-KR" sz="1100" dirty="0">
+                <a:solidFill>
+                  <a:srgbClr val="000000"/>
+                </a:solidFill>
+                <a:latin typeface="돋움체" panose="020B0609000101010101" pitchFamily="49" charset="-127"/>
+                <a:ea typeface="돋움체" panose="020B0609000101010101" pitchFamily="49" charset="-127"/>
+              </a:rPr>
+              <a:t> radioButton3_CheckedChanged(</a:t>
+            </a:r>
+            <a:r>
+              <a:rPr lang="en-US" altLang="ko-KR" sz="1100" dirty="0">
+                <a:solidFill>
+                  <a:srgbClr val="0000FF"/>
+                </a:solidFill>
+                <a:latin typeface="돋움체" panose="020B0609000101010101" pitchFamily="49" charset="-127"/>
+                <a:ea typeface="돋움체" panose="020B0609000101010101" pitchFamily="49" charset="-127"/>
+              </a:rPr>
+              <a:t>object</a:t>
+            </a:r>
+            <a:r>
+              <a:rPr lang="en-US" altLang="ko-KR" sz="1100" dirty="0">
+                <a:solidFill>
+                  <a:srgbClr val="000000"/>
+                </a:solidFill>
+                <a:latin typeface="돋움체" panose="020B0609000101010101" pitchFamily="49" charset="-127"/>
+                <a:ea typeface="돋움체" panose="020B0609000101010101" pitchFamily="49" charset="-127"/>
+              </a:rPr>
+              <a:t> sender, </a:t>
+            </a:r>
+            <a:r>
+              <a:rPr lang="en-US" altLang="ko-KR" sz="1100" dirty="0" err="1">
+                <a:solidFill>
+                  <a:srgbClr val="000000"/>
+                </a:solidFill>
+                <a:latin typeface="돋움체" panose="020B0609000101010101" pitchFamily="49" charset="-127"/>
+                <a:ea typeface="돋움체" panose="020B0609000101010101" pitchFamily="49" charset="-127"/>
+              </a:rPr>
+              <a:t>EventArgs</a:t>
+            </a:r>
+            <a:r>
+              <a:rPr lang="en-US" altLang="ko-KR" sz="1100" dirty="0">
+                <a:solidFill>
+                  <a:srgbClr val="000000"/>
+                </a:solidFill>
+                <a:latin typeface="돋움체" panose="020B0609000101010101" pitchFamily="49" charset="-127"/>
+                <a:ea typeface="돋움체" panose="020B0609000101010101" pitchFamily="49" charset="-127"/>
+              </a:rPr>
+              <a:t> e)</a:t>
+            </a:r>
+          </a:p>
+          <a:p>
+            <a:r>
+              <a:rPr lang="ko-KR" altLang="en-US" sz="1100" dirty="0">
+                <a:solidFill>
+                  <a:srgbClr val="000000"/>
+                </a:solidFill>
+                <a:latin typeface="돋움체" panose="020B0609000101010101" pitchFamily="49" charset="-127"/>
+                <a:ea typeface="돋움체" panose="020B0609000101010101" pitchFamily="49" charset="-127"/>
+              </a:rPr>
+              <a:t>        </a:t>
+            </a:r>
+            <a:r>
+              <a:rPr lang="en-US" altLang="ko-KR" sz="1100" dirty="0">
+                <a:solidFill>
+                  <a:srgbClr val="000000"/>
+                </a:solidFill>
+                <a:latin typeface="돋움체" panose="020B0609000101010101" pitchFamily="49" charset="-127"/>
+                <a:ea typeface="돋움체" panose="020B0609000101010101" pitchFamily="49" charset="-127"/>
+              </a:rPr>
+              <a:t>{</a:t>
+            </a:r>
+          </a:p>
+          <a:p>
+            <a:r>
+              <a:rPr lang="en-US" altLang="ko-KR" sz="1100" dirty="0">
+                <a:solidFill>
+                  <a:srgbClr val="000000"/>
+                </a:solidFill>
+                <a:latin typeface="돋움체" panose="020B0609000101010101" pitchFamily="49" charset="-127"/>
+                <a:ea typeface="돋움체" panose="020B0609000101010101" pitchFamily="49" charset="-127"/>
+              </a:rPr>
+              <a:t>            </a:t>
+            </a:r>
+            <a:r>
+              <a:rPr lang="en-US" altLang="ko-KR" sz="1100" dirty="0">
+                <a:solidFill>
+                  <a:srgbClr val="0000FF"/>
+                </a:solidFill>
+                <a:latin typeface="돋움체" panose="020B0609000101010101" pitchFamily="49" charset="-127"/>
+                <a:ea typeface="돋움체" panose="020B0609000101010101" pitchFamily="49" charset="-127"/>
+              </a:rPr>
+              <a:t>if</a:t>
+            </a:r>
+            <a:r>
+              <a:rPr lang="en-US" altLang="ko-KR" sz="1100" dirty="0">
+                <a:solidFill>
+                  <a:srgbClr val="000000"/>
+                </a:solidFill>
+                <a:latin typeface="돋움체" panose="020B0609000101010101" pitchFamily="49" charset="-127"/>
+                <a:ea typeface="돋움체" panose="020B0609000101010101" pitchFamily="49" charset="-127"/>
+              </a:rPr>
+              <a:t> (radioButton3.Checked)</a:t>
+            </a:r>
+          </a:p>
+          <a:p>
+            <a:r>
+              <a:rPr lang="ko-KR" altLang="en-US" sz="1100" dirty="0">
+                <a:solidFill>
+                  <a:srgbClr val="000000"/>
+                </a:solidFill>
+                <a:latin typeface="돋움체" panose="020B0609000101010101" pitchFamily="49" charset="-127"/>
+                <a:ea typeface="돋움체" panose="020B0609000101010101" pitchFamily="49" charset="-127"/>
+              </a:rPr>
+              <a:t>                </a:t>
+            </a:r>
+            <a:r>
+              <a:rPr lang="en-US" altLang="ko-KR" sz="1100" dirty="0">
+                <a:solidFill>
+                  <a:srgbClr val="008000"/>
+                </a:solidFill>
+                <a:latin typeface="돋움체" panose="020B0609000101010101" pitchFamily="49" charset="-127"/>
+                <a:ea typeface="돋움체" panose="020B0609000101010101" pitchFamily="49" charset="-127"/>
+              </a:rPr>
+              <a:t>// </a:t>
+            </a:r>
+            <a:r>
+              <a:rPr lang="ko-KR" altLang="en-US" sz="1100" dirty="0">
+                <a:solidFill>
+                  <a:srgbClr val="008000"/>
+                </a:solidFill>
+                <a:latin typeface="돋움체" panose="020B0609000101010101" pitchFamily="49" charset="-127"/>
+                <a:ea typeface="돋움체" panose="020B0609000101010101" pitchFamily="49" charset="-127"/>
+              </a:rPr>
+              <a:t>리스트 뷰의 항목을 간단한 리스트 형태로 보여준다</a:t>
+            </a:r>
+            <a:r>
+              <a:rPr lang="en-US" altLang="ko-KR" sz="1100" dirty="0">
+                <a:solidFill>
+                  <a:srgbClr val="008000"/>
+                </a:solidFill>
+                <a:latin typeface="돋움체" panose="020B0609000101010101" pitchFamily="49" charset="-127"/>
+                <a:ea typeface="돋움체" panose="020B0609000101010101" pitchFamily="49" charset="-127"/>
+              </a:rPr>
+              <a:t>.</a:t>
+            </a:r>
+            <a:endParaRPr lang="ko-KR" altLang="en-US" sz="1100" dirty="0">
+              <a:solidFill>
+                <a:srgbClr val="000000"/>
+              </a:solidFill>
+              <a:latin typeface="돋움체" panose="020B0609000101010101" pitchFamily="49" charset="-127"/>
+              <a:ea typeface="돋움체" panose="020B0609000101010101" pitchFamily="49" charset="-127"/>
+            </a:endParaRPr>
+          </a:p>
+          <a:p>
+            <a:r>
+              <a:rPr lang="en-US" altLang="ko-KR" sz="1100" dirty="0">
+                <a:solidFill>
+                  <a:srgbClr val="000000"/>
+                </a:solidFill>
+                <a:latin typeface="돋움체" panose="020B0609000101010101" pitchFamily="49" charset="-127"/>
+                <a:ea typeface="돋움체" panose="020B0609000101010101" pitchFamily="49" charset="-127"/>
+              </a:rPr>
+              <a:t>                listView1.View = </a:t>
+            </a:r>
+            <a:r>
+              <a:rPr lang="en-US" altLang="ko-KR" sz="1100" dirty="0" err="1">
+                <a:solidFill>
+                  <a:srgbClr val="000000"/>
+                </a:solidFill>
+                <a:latin typeface="돋움체" panose="020B0609000101010101" pitchFamily="49" charset="-127"/>
+                <a:ea typeface="돋움체" panose="020B0609000101010101" pitchFamily="49" charset="-127"/>
+              </a:rPr>
+              <a:t>View.List</a:t>
+            </a:r>
+            <a:r>
+              <a:rPr lang="en-US" altLang="ko-KR" sz="1100" dirty="0">
+                <a:solidFill>
+                  <a:srgbClr val="000000"/>
+                </a:solidFill>
+                <a:latin typeface="돋움체" panose="020B0609000101010101" pitchFamily="49" charset="-127"/>
+                <a:ea typeface="돋움체" panose="020B0609000101010101" pitchFamily="49" charset="-127"/>
+              </a:rPr>
+              <a:t>;</a:t>
+            </a:r>
+          </a:p>
+          <a:p>
+            <a:r>
+              <a:rPr lang="ko-KR" altLang="en-US" sz="1100" dirty="0">
+                <a:solidFill>
+                  <a:srgbClr val="000000"/>
+                </a:solidFill>
+                <a:latin typeface="돋움체" panose="020B0609000101010101" pitchFamily="49" charset="-127"/>
+                <a:ea typeface="돋움체" panose="020B0609000101010101" pitchFamily="49" charset="-127"/>
+              </a:rPr>
+              <a:t>        </a:t>
+            </a:r>
+            <a:r>
+              <a:rPr lang="en-US" altLang="ko-KR" sz="1100" dirty="0">
+                <a:solidFill>
+                  <a:srgbClr val="000000"/>
+                </a:solidFill>
+                <a:latin typeface="돋움체" panose="020B0609000101010101" pitchFamily="49" charset="-127"/>
+                <a:ea typeface="돋움체" panose="020B0609000101010101" pitchFamily="49" charset="-127"/>
+              </a:rPr>
+              <a:t>}</a:t>
+            </a:r>
+          </a:p>
+          <a:p>
+            <a:endParaRPr lang="ko-KR" altLang="en-US" sz="1100" dirty="0">
+              <a:solidFill>
+                <a:srgbClr val="000000"/>
+              </a:solidFill>
+              <a:latin typeface="돋움체" panose="020B0609000101010101" pitchFamily="49" charset="-127"/>
+              <a:ea typeface="돋움체" panose="020B0609000101010101" pitchFamily="49" charset="-127"/>
+            </a:endParaRPr>
+          </a:p>
+          <a:p>
+            <a:r>
+              <a:rPr lang="en-US" altLang="ko-KR" sz="1100" dirty="0">
+                <a:solidFill>
+                  <a:srgbClr val="000000"/>
+                </a:solidFill>
+                <a:latin typeface="돋움체" panose="020B0609000101010101" pitchFamily="49" charset="-127"/>
+                <a:ea typeface="돋움체" panose="020B0609000101010101" pitchFamily="49" charset="-127"/>
+              </a:rPr>
+              <a:t>        </a:t>
+            </a:r>
+            <a:r>
+              <a:rPr lang="en-US" altLang="ko-KR" sz="1100" dirty="0">
+                <a:solidFill>
+                  <a:srgbClr val="0000FF"/>
+                </a:solidFill>
+                <a:latin typeface="돋움체" panose="020B0609000101010101" pitchFamily="49" charset="-127"/>
+                <a:ea typeface="돋움체" panose="020B0609000101010101" pitchFamily="49" charset="-127"/>
+              </a:rPr>
+              <a:t>private</a:t>
+            </a:r>
+            <a:r>
+              <a:rPr lang="en-US" altLang="ko-KR" sz="1100" dirty="0">
+                <a:solidFill>
+                  <a:srgbClr val="000000"/>
+                </a:solidFill>
+                <a:latin typeface="돋움체" panose="020B0609000101010101" pitchFamily="49" charset="-127"/>
+                <a:ea typeface="돋움체" panose="020B0609000101010101" pitchFamily="49" charset="-127"/>
+              </a:rPr>
+              <a:t> </a:t>
+            </a:r>
+            <a:r>
+              <a:rPr lang="en-US" altLang="ko-KR" sz="1100" dirty="0">
+                <a:solidFill>
+                  <a:srgbClr val="0000FF"/>
+                </a:solidFill>
+                <a:latin typeface="돋움체" panose="020B0609000101010101" pitchFamily="49" charset="-127"/>
+                <a:ea typeface="돋움체" panose="020B0609000101010101" pitchFamily="49" charset="-127"/>
+              </a:rPr>
+              <a:t>void</a:t>
+            </a:r>
+            <a:r>
+              <a:rPr lang="en-US" altLang="ko-KR" sz="1100" dirty="0">
+                <a:solidFill>
+                  <a:srgbClr val="000000"/>
+                </a:solidFill>
+                <a:latin typeface="돋움체" panose="020B0609000101010101" pitchFamily="49" charset="-127"/>
+                <a:ea typeface="돋움체" panose="020B0609000101010101" pitchFamily="49" charset="-127"/>
+              </a:rPr>
+              <a:t> radioButton4_CheckedChanged(</a:t>
+            </a:r>
+            <a:r>
+              <a:rPr lang="en-US" altLang="ko-KR" sz="1100" dirty="0">
+                <a:solidFill>
+                  <a:srgbClr val="0000FF"/>
+                </a:solidFill>
+                <a:latin typeface="돋움체" panose="020B0609000101010101" pitchFamily="49" charset="-127"/>
+                <a:ea typeface="돋움체" panose="020B0609000101010101" pitchFamily="49" charset="-127"/>
+              </a:rPr>
+              <a:t>object</a:t>
+            </a:r>
+            <a:r>
+              <a:rPr lang="en-US" altLang="ko-KR" sz="1100" dirty="0">
+                <a:solidFill>
+                  <a:srgbClr val="000000"/>
+                </a:solidFill>
+                <a:latin typeface="돋움체" panose="020B0609000101010101" pitchFamily="49" charset="-127"/>
+                <a:ea typeface="돋움체" panose="020B0609000101010101" pitchFamily="49" charset="-127"/>
+              </a:rPr>
+              <a:t> sender, </a:t>
+            </a:r>
+            <a:r>
+              <a:rPr lang="en-US" altLang="ko-KR" sz="1100" dirty="0" err="1">
+                <a:solidFill>
+                  <a:srgbClr val="000000"/>
+                </a:solidFill>
+                <a:latin typeface="돋움체" panose="020B0609000101010101" pitchFamily="49" charset="-127"/>
+                <a:ea typeface="돋움체" panose="020B0609000101010101" pitchFamily="49" charset="-127"/>
+              </a:rPr>
+              <a:t>EventArgs</a:t>
+            </a:r>
+            <a:r>
+              <a:rPr lang="en-US" altLang="ko-KR" sz="1100" dirty="0">
+                <a:solidFill>
+                  <a:srgbClr val="000000"/>
+                </a:solidFill>
+                <a:latin typeface="돋움체" panose="020B0609000101010101" pitchFamily="49" charset="-127"/>
+                <a:ea typeface="돋움체" panose="020B0609000101010101" pitchFamily="49" charset="-127"/>
+              </a:rPr>
+              <a:t> e)</a:t>
+            </a:r>
+          </a:p>
+          <a:p>
+            <a:r>
+              <a:rPr lang="ko-KR" altLang="en-US" sz="1100" dirty="0">
+                <a:solidFill>
+                  <a:srgbClr val="000000"/>
+                </a:solidFill>
+                <a:latin typeface="돋움체" panose="020B0609000101010101" pitchFamily="49" charset="-127"/>
+                <a:ea typeface="돋움체" panose="020B0609000101010101" pitchFamily="49" charset="-127"/>
+              </a:rPr>
+              <a:t>        </a:t>
+            </a:r>
+            <a:r>
+              <a:rPr lang="en-US" altLang="ko-KR" sz="1100" dirty="0">
+                <a:solidFill>
+                  <a:srgbClr val="000000"/>
+                </a:solidFill>
+                <a:latin typeface="돋움체" panose="020B0609000101010101" pitchFamily="49" charset="-127"/>
+                <a:ea typeface="돋움체" panose="020B0609000101010101" pitchFamily="49" charset="-127"/>
+              </a:rPr>
+              <a:t>{</a:t>
+            </a:r>
+          </a:p>
+          <a:p>
+            <a:r>
+              <a:rPr lang="en-US" altLang="ko-KR" sz="1100" dirty="0">
+                <a:solidFill>
+                  <a:srgbClr val="000000"/>
+                </a:solidFill>
+                <a:latin typeface="돋움체" panose="020B0609000101010101" pitchFamily="49" charset="-127"/>
+                <a:ea typeface="돋움체" panose="020B0609000101010101" pitchFamily="49" charset="-127"/>
+              </a:rPr>
+              <a:t>            </a:t>
+            </a:r>
+            <a:r>
+              <a:rPr lang="en-US" altLang="ko-KR" sz="1100" dirty="0">
+                <a:solidFill>
+                  <a:srgbClr val="0000FF"/>
+                </a:solidFill>
+                <a:latin typeface="돋움체" panose="020B0609000101010101" pitchFamily="49" charset="-127"/>
+                <a:ea typeface="돋움체" panose="020B0609000101010101" pitchFamily="49" charset="-127"/>
+              </a:rPr>
+              <a:t>if</a:t>
+            </a:r>
+            <a:r>
+              <a:rPr lang="en-US" altLang="ko-KR" sz="1100" dirty="0">
+                <a:solidFill>
+                  <a:srgbClr val="000000"/>
+                </a:solidFill>
+                <a:latin typeface="돋움체" panose="020B0609000101010101" pitchFamily="49" charset="-127"/>
+                <a:ea typeface="돋움체" panose="020B0609000101010101" pitchFamily="49" charset="-127"/>
+              </a:rPr>
+              <a:t> (radioButton4.Checked)</a:t>
+            </a:r>
+          </a:p>
+          <a:p>
+            <a:r>
+              <a:rPr lang="ko-KR" altLang="en-US" sz="1100" dirty="0">
+                <a:solidFill>
+                  <a:srgbClr val="000000"/>
+                </a:solidFill>
+                <a:latin typeface="돋움체" panose="020B0609000101010101" pitchFamily="49" charset="-127"/>
+                <a:ea typeface="돋움체" panose="020B0609000101010101" pitchFamily="49" charset="-127"/>
+              </a:rPr>
+              <a:t>                </a:t>
+            </a:r>
+            <a:r>
+              <a:rPr lang="en-US" altLang="ko-KR" sz="1100" dirty="0">
+                <a:solidFill>
+                  <a:srgbClr val="008000"/>
+                </a:solidFill>
+                <a:latin typeface="돋움체" panose="020B0609000101010101" pitchFamily="49" charset="-127"/>
+                <a:ea typeface="돋움체" panose="020B0609000101010101" pitchFamily="49" charset="-127"/>
+              </a:rPr>
+              <a:t>// </a:t>
+            </a:r>
+            <a:r>
+              <a:rPr lang="ko-KR" altLang="en-US" sz="1100" dirty="0">
+                <a:solidFill>
+                  <a:srgbClr val="008000"/>
+                </a:solidFill>
+                <a:latin typeface="돋움체" panose="020B0609000101010101" pitchFamily="49" charset="-127"/>
+                <a:ea typeface="돋움체" panose="020B0609000101010101" pitchFamily="49" charset="-127"/>
+              </a:rPr>
+              <a:t>리스트 뷰의 항목을 자세한 리스트 형태로 보여준다</a:t>
+            </a:r>
+            <a:r>
+              <a:rPr lang="en-US" altLang="ko-KR" sz="1100" dirty="0">
+                <a:solidFill>
+                  <a:srgbClr val="008000"/>
+                </a:solidFill>
+                <a:latin typeface="돋움체" panose="020B0609000101010101" pitchFamily="49" charset="-127"/>
+                <a:ea typeface="돋움체" panose="020B0609000101010101" pitchFamily="49" charset="-127"/>
+              </a:rPr>
+              <a:t>.</a:t>
+            </a:r>
+            <a:endParaRPr lang="ko-KR" altLang="en-US" sz="1100" dirty="0">
+              <a:solidFill>
+                <a:srgbClr val="000000"/>
+              </a:solidFill>
+              <a:latin typeface="돋움체" panose="020B0609000101010101" pitchFamily="49" charset="-127"/>
+              <a:ea typeface="돋움체" panose="020B0609000101010101" pitchFamily="49" charset="-127"/>
+            </a:endParaRPr>
+          </a:p>
+          <a:p>
+            <a:r>
+              <a:rPr lang="en-US" altLang="ko-KR" sz="1100" dirty="0">
+                <a:solidFill>
+                  <a:srgbClr val="000000"/>
+                </a:solidFill>
+                <a:latin typeface="돋움체" panose="020B0609000101010101" pitchFamily="49" charset="-127"/>
+                <a:ea typeface="돋움체" panose="020B0609000101010101" pitchFamily="49" charset="-127"/>
+              </a:rPr>
+              <a:t>                listView1.View = </a:t>
+            </a:r>
+            <a:r>
+              <a:rPr lang="en-US" altLang="ko-KR" sz="1100" dirty="0" err="1">
+                <a:solidFill>
+                  <a:srgbClr val="000000"/>
+                </a:solidFill>
+                <a:latin typeface="돋움체" panose="020B0609000101010101" pitchFamily="49" charset="-127"/>
+                <a:ea typeface="돋움체" panose="020B0609000101010101" pitchFamily="49" charset="-127"/>
+              </a:rPr>
+              <a:t>View.Details</a:t>
+            </a:r>
+            <a:r>
+              <a:rPr lang="en-US" altLang="ko-KR" sz="1100" dirty="0">
+                <a:solidFill>
+                  <a:srgbClr val="000000"/>
+                </a:solidFill>
+                <a:latin typeface="돋움체" panose="020B0609000101010101" pitchFamily="49" charset="-127"/>
+                <a:ea typeface="돋움체" panose="020B0609000101010101" pitchFamily="49" charset="-127"/>
+              </a:rPr>
+              <a:t>;</a:t>
+            </a:r>
+          </a:p>
+          <a:p>
+            <a:r>
+              <a:rPr lang="ko-KR" altLang="en-US" sz="1100" dirty="0">
+                <a:solidFill>
+                  <a:srgbClr val="000000"/>
+                </a:solidFill>
+                <a:latin typeface="돋움체" panose="020B0609000101010101" pitchFamily="49" charset="-127"/>
+                <a:ea typeface="돋움체" panose="020B0609000101010101" pitchFamily="49" charset="-127"/>
+              </a:rPr>
+              <a:t>        </a:t>
+            </a:r>
+            <a:r>
+              <a:rPr lang="en-US" altLang="ko-KR" sz="1100" dirty="0">
+                <a:solidFill>
+                  <a:srgbClr val="000000"/>
+                </a:solidFill>
+                <a:latin typeface="돋움체" panose="020B0609000101010101" pitchFamily="49" charset="-127"/>
+                <a:ea typeface="돋움체" panose="020B0609000101010101" pitchFamily="49" charset="-127"/>
+              </a:rPr>
+              <a:t>}</a:t>
+            </a:r>
+          </a:p>
+          <a:p>
+            <a:endParaRPr lang="ko-KR" altLang="en-US" sz="1100" dirty="0">
+              <a:solidFill>
+                <a:srgbClr val="000000"/>
+              </a:solidFill>
+              <a:latin typeface="돋움체" panose="020B0609000101010101" pitchFamily="49" charset="-127"/>
+              <a:ea typeface="돋움체" panose="020B0609000101010101" pitchFamily="49" charset="-127"/>
+            </a:endParaRPr>
+          </a:p>
+          <a:p>
+            <a:r>
+              <a:rPr lang="en-US" altLang="ko-KR" sz="1100" dirty="0">
+                <a:solidFill>
+                  <a:srgbClr val="000000"/>
+                </a:solidFill>
+                <a:latin typeface="돋움체" panose="020B0609000101010101" pitchFamily="49" charset="-127"/>
+                <a:ea typeface="돋움체" panose="020B0609000101010101" pitchFamily="49" charset="-127"/>
+              </a:rPr>
+              <a:t>        </a:t>
+            </a:r>
+            <a:r>
+              <a:rPr lang="en-US" altLang="ko-KR" sz="1100" dirty="0">
+                <a:solidFill>
+                  <a:srgbClr val="0000FF"/>
+                </a:solidFill>
+                <a:latin typeface="돋움체" panose="020B0609000101010101" pitchFamily="49" charset="-127"/>
+                <a:ea typeface="돋움체" panose="020B0609000101010101" pitchFamily="49" charset="-127"/>
+              </a:rPr>
+              <a:t>private</a:t>
+            </a:r>
+            <a:r>
+              <a:rPr lang="en-US" altLang="ko-KR" sz="1100" dirty="0">
+                <a:solidFill>
+                  <a:srgbClr val="000000"/>
+                </a:solidFill>
+                <a:latin typeface="돋움체" panose="020B0609000101010101" pitchFamily="49" charset="-127"/>
+                <a:ea typeface="돋움체" panose="020B0609000101010101" pitchFamily="49" charset="-127"/>
+              </a:rPr>
+              <a:t> </a:t>
+            </a:r>
+            <a:r>
+              <a:rPr lang="en-US" altLang="ko-KR" sz="1100" dirty="0">
+                <a:solidFill>
+                  <a:srgbClr val="0000FF"/>
+                </a:solidFill>
+                <a:latin typeface="돋움체" panose="020B0609000101010101" pitchFamily="49" charset="-127"/>
+                <a:ea typeface="돋움체" panose="020B0609000101010101" pitchFamily="49" charset="-127"/>
+              </a:rPr>
+              <a:t>void</a:t>
+            </a:r>
+            <a:r>
+              <a:rPr lang="en-US" altLang="ko-KR" sz="1100" dirty="0">
+                <a:solidFill>
+                  <a:srgbClr val="000000"/>
+                </a:solidFill>
+                <a:latin typeface="돋움체" panose="020B0609000101010101" pitchFamily="49" charset="-127"/>
+                <a:ea typeface="돋움체" panose="020B0609000101010101" pitchFamily="49" charset="-127"/>
+              </a:rPr>
+              <a:t> radioButton5_CheckedChanged(</a:t>
+            </a:r>
+            <a:r>
+              <a:rPr lang="en-US" altLang="ko-KR" sz="1100" dirty="0">
+                <a:solidFill>
+                  <a:srgbClr val="0000FF"/>
+                </a:solidFill>
+                <a:latin typeface="돋움체" panose="020B0609000101010101" pitchFamily="49" charset="-127"/>
+                <a:ea typeface="돋움체" panose="020B0609000101010101" pitchFamily="49" charset="-127"/>
+              </a:rPr>
+              <a:t>object</a:t>
+            </a:r>
+            <a:r>
+              <a:rPr lang="en-US" altLang="ko-KR" sz="1100" dirty="0">
+                <a:solidFill>
+                  <a:srgbClr val="000000"/>
+                </a:solidFill>
+                <a:latin typeface="돋움체" panose="020B0609000101010101" pitchFamily="49" charset="-127"/>
+                <a:ea typeface="돋움체" panose="020B0609000101010101" pitchFamily="49" charset="-127"/>
+              </a:rPr>
+              <a:t> sender, </a:t>
+            </a:r>
+            <a:r>
+              <a:rPr lang="en-US" altLang="ko-KR" sz="1100" dirty="0" err="1">
+                <a:solidFill>
+                  <a:srgbClr val="000000"/>
+                </a:solidFill>
+                <a:latin typeface="돋움체" panose="020B0609000101010101" pitchFamily="49" charset="-127"/>
+                <a:ea typeface="돋움체" panose="020B0609000101010101" pitchFamily="49" charset="-127"/>
+              </a:rPr>
+              <a:t>EventArgs</a:t>
+            </a:r>
+            <a:r>
+              <a:rPr lang="en-US" altLang="ko-KR" sz="1100" dirty="0">
+                <a:solidFill>
+                  <a:srgbClr val="000000"/>
+                </a:solidFill>
+                <a:latin typeface="돋움체" panose="020B0609000101010101" pitchFamily="49" charset="-127"/>
+                <a:ea typeface="돋움체" panose="020B0609000101010101" pitchFamily="49" charset="-127"/>
+              </a:rPr>
+              <a:t> e)</a:t>
+            </a:r>
+          </a:p>
+          <a:p>
+            <a:r>
+              <a:rPr lang="ko-KR" altLang="en-US" sz="1100" dirty="0">
+                <a:solidFill>
+                  <a:srgbClr val="000000"/>
+                </a:solidFill>
+                <a:latin typeface="돋움체" panose="020B0609000101010101" pitchFamily="49" charset="-127"/>
+                <a:ea typeface="돋움체" panose="020B0609000101010101" pitchFamily="49" charset="-127"/>
+              </a:rPr>
+              <a:t>        </a:t>
+            </a:r>
+            <a:r>
+              <a:rPr lang="en-US" altLang="ko-KR" sz="1100" dirty="0">
+                <a:solidFill>
+                  <a:srgbClr val="000000"/>
+                </a:solidFill>
+                <a:latin typeface="돋움체" panose="020B0609000101010101" pitchFamily="49" charset="-127"/>
+                <a:ea typeface="돋움체" panose="020B0609000101010101" pitchFamily="49" charset="-127"/>
+              </a:rPr>
+              <a:t>{</a:t>
+            </a:r>
+          </a:p>
+          <a:p>
+            <a:r>
+              <a:rPr lang="en-US" altLang="ko-KR" sz="1100" dirty="0">
+                <a:solidFill>
+                  <a:srgbClr val="000000"/>
+                </a:solidFill>
+                <a:latin typeface="돋움체" panose="020B0609000101010101" pitchFamily="49" charset="-127"/>
+                <a:ea typeface="돋움체" panose="020B0609000101010101" pitchFamily="49" charset="-127"/>
+              </a:rPr>
+              <a:t>            </a:t>
+            </a:r>
+            <a:r>
+              <a:rPr lang="en-US" altLang="ko-KR" sz="1100" dirty="0">
+                <a:solidFill>
+                  <a:srgbClr val="0000FF"/>
+                </a:solidFill>
+                <a:latin typeface="돋움체" panose="020B0609000101010101" pitchFamily="49" charset="-127"/>
+                <a:ea typeface="돋움체" panose="020B0609000101010101" pitchFamily="49" charset="-127"/>
+              </a:rPr>
+              <a:t>if</a:t>
+            </a:r>
+            <a:r>
+              <a:rPr lang="en-US" altLang="ko-KR" sz="1100" dirty="0">
+                <a:solidFill>
+                  <a:srgbClr val="000000"/>
+                </a:solidFill>
+                <a:latin typeface="돋움체" panose="020B0609000101010101" pitchFamily="49" charset="-127"/>
+                <a:ea typeface="돋움체" panose="020B0609000101010101" pitchFamily="49" charset="-127"/>
+              </a:rPr>
+              <a:t> (radioButton5.Checked)</a:t>
+            </a:r>
+          </a:p>
+          <a:p>
+            <a:r>
+              <a:rPr lang="ko-KR" altLang="en-US" sz="1100" dirty="0">
+                <a:solidFill>
+                  <a:srgbClr val="000000"/>
+                </a:solidFill>
+                <a:latin typeface="돋움체" panose="020B0609000101010101" pitchFamily="49" charset="-127"/>
+                <a:ea typeface="돋움체" panose="020B0609000101010101" pitchFamily="49" charset="-127"/>
+              </a:rPr>
+              <a:t>                </a:t>
+            </a:r>
+            <a:r>
+              <a:rPr lang="en-US" altLang="ko-KR" sz="1100" dirty="0">
+                <a:solidFill>
+                  <a:srgbClr val="008000"/>
+                </a:solidFill>
+                <a:latin typeface="돋움체" panose="020B0609000101010101" pitchFamily="49" charset="-127"/>
+                <a:ea typeface="돋움체" panose="020B0609000101010101" pitchFamily="49" charset="-127"/>
+              </a:rPr>
+              <a:t>// </a:t>
+            </a:r>
+            <a:r>
+              <a:rPr lang="ko-KR" altLang="en-US" sz="1100" dirty="0">
+                <a:solidFill>
+                  <a:srgbClr val="008000"/>
+                </a:solidFill>
+                <a:latin typeface="돋움체" panose="020B0609000101010101" pitchFamily="49" charset="-127"/>
+                <a:ea typeface="돋움체" panose="020B0609000101010101" pitchFamily="49" charset="-127"/>
+              </a:rPr>
+              <a:t>리스트 뷰의 항목을 타일 형태로 보여준다</a:t>
+            </a:r>
+            <a:r>
+              <a:rPr lang="en-US" altLang="ko-KR" sz="1100" dirty="0">
+                <a:solidFill>
+                  <a:srgbClr val="008000"/>
+                </a:solidFill>
+                <a:latin typeface="돋움체" panose="020B0609000101010101" pitchFamily="49" charset="-127"/>
+                <a:ea typeface="돋움체" panose="020B0609000101010101" pitchFamily="49" charset="-127"/>
+              </a:rPr>
+              <a:t>.</a:t>
+            </a:r>
+            <a:endParaRPr lang="ko-KR" altLang="en-US" sz="1100" dirty="0">
+              <a:solidFill>
+                <a:srgbClr val="000000"/>
+              </a:solidFill>
+              <a:latin typeface="돋움체" panose="020B0609000101010101" pitchFamily="49" charset="-127"/>
+              <a:ea typeface="돋움체" panose="020B0609000101010101" pitchFamily="49" charset="-127"/>
+            </a:endParaRPr>
+          </a:p>
+          <a:p>
+            <a:r>
+              <a:rPr lang="en-US" altLang="ko-KR" sz="1100" dirty="0">
+                <a:solidFill>
+                  <a:srgbClr val="000000"/>
+                </a:solidFill>
+                <a:latin typeface="돋움체" panose="020B0609000101010101" pitchFamily="49" charset="-127"/>
+                <a:ea typeface="돋움체" panose="020B0609000101010101" pitchFamily="49" charset="-127"/>
+              </a:rPr>
+              <a:t>                listView1.View = </a:t>
+            </a:r>
+            <a:r>
+              <a:rPr lang="en-US" altLang="ko-KR" sz="1100" dirty="0" err="1">
+                <a:solidFill>
+                  <a:srgbClr val="000000"/>
+                </a:solidFill>
+                <a:latin typeface="돋움체" panose="020B0609000101010101" pitchFamily="49" charset="-127"/>
+                <a:ea typeface="돋움체" panose="020B0609000101010101" pitchFamily="49" charset="-127"/>
+              </a:rPr>
+              <a:t>View.Tile</a:t>
+            </a:r>
+            <a:r>
+              <a:rPr lang="en-US" altLang="ko-KR" sz="1100" dirty="0">
+                <a:solidFill>
+                  <a:srgbClr val="000000"/>
+                </a:solidFill>
+                <a:latin typeface="돋움체" panose="020B0609000101010101" pitchFamily="49" charset="-127"/>
+                <a:ea typeface="돋움체" panose="020B0609000101010101" pitchFamily="49" charset="-127"/>
+              </a:rPr>
+              <a:t>;</a:t>
+            </a:r>
+          </a:p>
+          <a:p>
+            <a:r>
+              <a:rPr lang="ko-KR" altLang="en-US" sz="1100" dirty="0">
+                <a:solidFill>
+                  <a:srgbClr val="000000"/>
+                </a:solidFill>
+                <a:latin typeface="돋움체" panose="020B0609000101010101" pitchFamily="49" charset="-127"/>
+                <a:ea typeface="돋움체" panose="020B0609000101010101" pitchFamily="49" charset="-127"/>
+              </a:rPr>
+              <a:t>        </a:t>
+            </a:r>
+            <a:r>
+              <a:rPr lang="en-US" altLang="ko-KR" sz="1100" dirty="0">
+                <a:solidFill>
+                  <a:srgbClr val="000000"/>
+                </a:solidFill>
+                <a:latin typeface="돋움체" panose="020B0609000101010101" pitchFamily="49" charset="-127"/>
+                <a:ea typeface="돋움체" panose="020B0609000101010101" pitchFamily="49" charset="-127"/>
+              </a:rPr>
+              <a:t>}</a:t>
+            </a:r>
+          </a:p>
+          <a:p>
+            <a:r>
+              <a:rPr lang="ko-KR" altLang="en-US" sz="1100" dirty="0">
+                <a:solidFill>
+                  <a:srgbClr val="000000"/>
+                </a:solidFill>
+                <a:latin typeface="돋움체" panose="020B0609000101010101" pitchFamily="49" charset="-127"/>
+                <a:ea typeface="돋움체" panose="020B0609000101010101" pitchFamily="49" charset="-127"/>
+              </a:rPr>
+              <a:t>    </a:t>
+            </a:r>
+            <a:r>
+              <a:rPr lang="en-US" altLang="ko-KR" sz="1100" dirty="0">
+                <a:solidFill>
+                  <a:srgbClr val="000000"/>
+                </a:solidFill>
+                <a:latin typeface="돋움체" panose="020B0609000101010101" pitchFamily="49" charset="-127"/>
+                <a:ea typeface="돋움체" panose="020B0609000101010101" pitchFamily="49" charset="-127"/>
+              </a:rPr>
+              <a:t>}</a:t>
+            </a:r>
+          </a:p>
+          <a:p>
+            <a:r>
+              <a:rPr lang="en-US" altLang="ko-KR" sz="1100" dirty="0">
+                <a:solidFill>
+                  <a:srgbClr val="000000"/>
+                </a:solidFill>
+                <a:latin typeface="돋움체" panose="020B0609000101010101" pitchFamily="49" charset="-127"/>
+                <a:ea typeface="돋움체" panose="020B0609000101010101" pitchFamily="49" charset="-127"/>
+              </a:rPr>
+              <a:t>}</a:t>
+            </a:r>
+            <a:endParaRPr lang="ko-KR" altLang="en-US" sz="1100" dirty="0"/>
+          </a:p>
+        </p:txBody>
+      </p:sp>
+    </p:spTree>
+    <p:extLst>
+      <p:ext uri="{BB962C8B-B14F-4D97-AF65-F5344CB8AC3E}">
+        <p14:creationId xmlns:p14="http://schemas.microsoft.com/office/powerpoint/2010/main" val="418919300"/>
+      </p:ext>
+    </p:extLst>
+  </p:cSld>
+  <p:clrMapOvr>
+    <a:masterClrMapping/>
+  </p:clrMapOvr>
+</p:sld>
+</file>
+
+<file path=ppt/slides/slide11.xml><?xml version="1.0" encoding="utf-8"?>
+<p:sld xmlns:a="http://schemas.openxmlformats.org/drawingml/2006/main" xmlns:r="http://schemas.openxmlformats.org/officeDocument/2006/relationships" xmlns:p="http://schemas.openxmlformats.org/presentationml/2006/main">
+  <p:cSld>
+    <p:spTree>
+      <p:nvGrpSpPr>
+        <p:cNvPr id="1" name=""/>
+        <p:cNvGrpSpPr/>
+        <p:nvPr/>
+      </p:nvGrpSpPr>
+      <p:grpSpPr>
+        <a:xfrm>
+          <a:off x="0" y="0"/>
+          <a:ext cx="0" cy="0"/>
+          <a:chOff x="0" y="0"/>
+          <a:chExt cx="0" cy="0"/>
+        </a:xfrm>
+      </p:grpSpPr>
+      <p:sp>
+        <p:nvSpPr>
+          <p:cNvPr id="8" name="TextBox 7">
+            <a:extLst>
+              <a:ext uri="{FF2B5EF4-FFF2-40B4-BE49-F238E27FC236}">
+                <a16:creationId xmlns:a16="http://schemas.microsoft.com/office/drawing/2014/main" id="{A5194759-9177-4FBC-9FAB-9E753F27D56B}"/>
+              </a:ext>
+            </a:extLst>
+          </p:cNvPr>
+          <p:cNvSpPr txBox="1"/>
+          <p:nvPr/>
+        </p:nvSpPr>
+        <p:spPr>
+          <a:xfrm>
             <a:off x="4519717" y="103901"/>
             <a:ext cx="7033819" cy="6555641"/>
           </a:xfrm>
@@ -5815,7 +8173,7 @@
 </p:sld>
 </file>
 
-<file path=ppt/slides/slide11.xml><?xml version="1.0" encoding="utf-8"?>
+<file path=ppt/slides/slide12.xml><?xml version="1.0" encoding="utf-8"?>
 <p:sld xmlns:a="http://schemas.openxmlformats.org/drawingml/2006/main" xmlns:r="http://schemas.openxmlformats.org/officeDocument/2006/relationships" xmlns:p="http://schemas.openxmlformats.org/presentationml/2006/main">
   <p:cSld>
     <p:spTree>
@@ -6464,7 +8822,7 @@
 </p:sld>
 </file>
 
-<file path=ppt/slides/slide12.xml><?xml version="1.0" encoding="utf-8"?>
+<file path=ppt/slides/slide13.xml><?xml version="1.0" encoding="utf-8"?>
 <p:sld xmlns:a="http://schemas.openxmlformats.org/drawingml/2006/main" xmlns:r="http://schemas.openxmlformats.org/officeDocument/2006/relationships" xmlns:p="http://schemas.openxmlformats.org/presentationml/2006/main">
   <p:cSld>
     <p:spTree>
@@ -7465,7 +9823,7 @@
 </p:sld>
 </file>
 
-<file path=ppt/slides/slide13.xml><?xml version="1.0" encoding="utf-8"?>
+<file path=ppt/slides/slide14.xml><?xml version="1.0" encoding="utf-8"?>
 <p:sld xmlns:a="http://schemas.openxmlformats.org/drawingml/2006/main" xmlns:r="http://schemas.openxmlformats.org/officeDocument/2006/relationships" xmlns:p="http://schemas.openxmlformats.org/presentationml/2006/main">
   <p:cSld>
     <p:spTree>
@@ -8271,7 +10629,7 @@
 </p:sld>
 </file>
 
-<file path=ppt/slides/slide14.xml><?xml version="1.0" encoding="utf-8"?>
+<file path=ppt/slides/slide15.xml><?xml version="1.0" encoding="utf-8"?>
 <p:sld xmlns:a="http://schemas.openxmlformats.org/drawingml/2006/main" xmlns:r="http://schemas.openxmlformats.org/officeDocument/2006/relationships" xmlns:p="http://schemas.openxmlformats.org/presentationml/2006/main">
   <p:cSld>
     <p:spTree>
@@ -8972,7 +11330,7 @@
 </p:sld>
 </file>
 
-<file path=ppt/slides/slide15.xml><?xml version="1.0" encoding="utf-8"?>
+<file path=ppt/slides/slide16.xml><?xml version="1.0" encoding="utf-8"?>
 <p:sld xmlns:a="http://schemas.openxmlformats.org/drawingml/2006/main" xmlns:r="http://schemas.openxmlformats.org/officeDocument/2006/relationships" xmlns:p="http://schemas.openxmlformats.org/presentationml/2006/main">
   <p:cSld>
     <p:spTree>
@@ -11866,6 +14224,102 @@
           <a:chExt cx="0" cy="0"/>
         </a:xfrm>
       </p:grpSpPr>
+      <p:pic>
+        <p:nvPicPr>
+          <p:cNvPr id="5" name="그림 4">
+            <a:extLst>
+              <a:ext uri="{FF2B5EF4-FFF2-40B4-BE49-F238E27FC236}">
+                <a16:creationId xmlns:a16="http://schemas.microsoft.com/office/drawing/2014/main" id="{779A5A14-4C98-4646-9724-29ED17588477}"/>
+              </a:ext>
+            </a:extLst>
+          </p:cNvPr>
+          <p:cNvPicPr>
+            <a:picLocks noChangeAspect="1"/>
+          </p:cNvPicPr>
+          <p:nvPr/>
+        </p:nvPicPr>
+        <p:blipFill>
+          <a:blip r:embed="rId2"/>
+          <a:stretch>
+            <a:fillRect/>
+          </a:stretch>
+        </p:blipFill>
+        <p:spPr>
+          <a:xfrm>
+            <a:off x="976706" y="934808"/>
+            <a:ext cx="6401693" cy="4629796"/>
+          </a:xfrm>
+          <a:prstGeom prst="rect">
+            <a:avLst/>
+          </a:prstGeom>
+        </p:spPr>
+      </p:pic>
+      <p:sp>
+        <p:nvSpPr>
+          <p:cNvPr id="6" name="TextBox 5">
+            <a:extLst>
+              <a:ext uri="{FF2B5EF4-FFF2-40B4-BE49-F238E27FC236}">
+                <a16:creationId xmlns:a16="http://schemas.microsoft.com/office/drawing/2014/main" id="{DBD2A00F-F936-4AED-8CFA-2EABE2F43AFC}"/>
+              </a:ext>
+            </a:extLst>
+          </p:cNvPr>
+          <p:cNvSpPr txBox="1"/>
+          <p:nvPr/>
+        </p:nvSpPr>
+        <p:spPr>
+          <a:xfrm>
+            <a:off x="8172450" y="934808"/>
+            <a:ext cx="2476500" cy="369332"/>
+          </a:xfrm>
+          <a:prstGeom prst="rect">
+            <a:avLst/>
+          </a:prstGeom>
+          <a:noFill/>
+        </p:spPr>
+        <p:txBody>
+          <a:bodyPr wrap="square" rtlCol="0">
+            <a:spAutoFit/>
+          </a:bodyPr>
+          <a:lstStyle/>
+          <a:p>
+            <a:r>
+              <a:rPr lang="en-US" altLang="ko-KR" dirty="0" err="1"/>
+              <a:t>contextMenuStrip</a:t>
+            </a:r>
+            <a:endParaRPr lang="ko-KR" altLang="en-US" dirty="0"/>
+          </a:p>
+        </p:txBody>
+      </p:sp>
+    </p:spTree>
+    <p:extLst>
+      <p:ext uri="{BB962C8B-B14F-4D97-AF65-F5344CB8AC3E}">
+        <p14:creationId xmlns:p14="http://schemas.microsoft.com/office/powerpoint/2010/main" val="2731145750"/>
+      </p:ext>
+    </p:extLst>
+  </p:cSld>
+  <p:clrMapOvr>
+    <a:masterClrMapping/>
+  </p:clrMapOvr>
+</p:sld>
+</file>
+
+<file path=ppt/slides/slide4.xml><?xml version="1.0" encoding="utf-8"?>
+<p:sld xmlns:a="http://schemas.openxmlformats.org/drawingml/2006/main" xmlns:r="http://schemas.openxmlformats.org/officeDocument/2006/relationships" xmlns:p="http://schemas.openxmlformats.org/presentationml/2006/main">
+  <p:cSld>
+    <p:spTree>
+      <p:nvGrpSpPr>
+        <p:cNvPr id="1" name=""/>
+        <p:cNvGrpSpPr/>
+        <p:nvPr/>
+      </p:nvGrpSpPr>
+      <p:grpSpPr>
+        <a:xfrm>
+          <a:off x="0" y="0"/>
+          <a:ext cx="0" cy="0"/>
+          <a:chOff x="0" y="0"/>
+          <a:chExt cx="0" cy="0"/>
+        </a:xfrm>
+      </p:grpSpPr>
       <p:sp>
         <p:nvSpPr>
           <p:cNvPr id="8" name="TextBox 7">
@@ -13002,7 +15456,7 @@
 </p:sld>
 </file>
 
-<file path=ppt/slides/slide4.xml><?xml version="1.0" encoding="utf-8"?>
+<file path=ppt/slides/slide5.xml><?xml version="1.0" encoding="utf-8"?>
 <p:sld xmlns:a="http://schemas.openxmlformats.org/drawingml/2006/main" xmlns:r="http://schemas.openxmlformats.org/officeDocument/2006/relationships" xmlns:p="http://schemas.openxmlformats.org/presentationml/2006/main">
   <p:cSld>
     <p:spTree>
@@ -15255,7 +17709,7 @@
 </p:sld>
 </file>
 
-<file path=ppt/slides/slide5.xml><?xml version="1.0" encoding="utf-8"?>
+<file path=ppt/slides/slide6.xml><?xml version="1.0" encoding="utf-8"?>
 <p:sld xmlns:a="http://schemas.openxmlformats.org/drawingml/2006/main" xmlns:r="http://schemas.openxmlformats.org/officeDocument/2006/relationships" xmlns:p="http://schemas.openxmlformats.org/presentationml/2006/main">
   <p:cSld>
     <p:spTree>
@@ -16704,7 +19158,7 @@
 </p:sld>
 </file>
 
-<file path=ppt/slides/slide6.xml><?xml version="1.0" encoding="utf-8"?>
+<file path=ppt/slides/slide7.xml><?xml version="1.0" encoding="utf-8"?>
 <p:sld xmlns:a="http://schemas.openxmlformats.org/drawingml/2006/main" xmlns:r="http://schemas.openxmlformats.org/officeDocument/2006/relationships" xmlns:p="http://schemas.openxmlformats.org/presentationml/2006/main">
   <p:cSld>
     <p:spTree>
@@ -17410,7 +19864,7 @@
 </p:sld>
 </file>
 
-<file path=ppt/slides/slide7.xml><?xml version="1.0" encoding="utf-8"?>
+<file path=ppt/slides/slide8.xml><?xml version="1.0" encoding="utf-8"?>
 <p:sld xmlns:a="http://schemas.openxmlformats.org/drawingml/2006/main" xmlns:r="http://schemas.openxmlformats.org/officeDocument/2006/relationships" xmlns:p="http://schemas.openxmlformats.org/presentationml/2006/main">
   <p:cSld>
     <p:spTree>
@@ -18130,7 +20584,7 @@
 </p:sld>
 </file>
 
-<file path=ppt/slides/slide8.xml><?xml version="1.0" encoding="utf-8"?>
+<file path=ppt/slides/slide9.xml><?xml version="1.0" encoding="utf-8"?>
 <p:sld xmlns:a="http://schemas.openxmlformats.org/drawingml/2006/main" xmlns:r="http://schemas.openxmlformats.org/officeDocument/2006/relationships" xmlns:p="http://schemas.openxmlformats.org/presentationml/2006/main">
   <p:cSld>
     <p:spTree>
@@ -19710,2363 +22164,6 @@
     <p:extLst>
       <p:ext uri="{BB962C8B-B14F-4D97-AF65-F5344CB8AC3E}">
         <p14:creationId xmlns:p14="http://schemas.microsoft.com/office/powerpoint/2010/main" val="497780133"/>
-      </p:ext>
-    </p:extLst>
-  </p:cSld>
-  <p:clrMapOvr>
-    <a:masterClrMapping/>
-  </p:clrMapOvr>
-</p:sld>
-</file>
-
-<file path=ppt/slides/slide9.xml><?xml version="1.0" encoding="utf-8"?>
-<p:sld xmlns:a="http://schemas.openxmlformats.org/drawingml/2006/main" xmlns:r="http://schemas.openxmlformats.org/officeDocument/2006/relationships" xmlns:p="http://schemas.openxmlformats.org/presentationml/2006/main">
-  <p:cSld>
-    <p:spTree>
-      <p:nvGrpSpPr>
-        <p:cNvPr id="1" name=""/>
-        <p:cNvGrpSpPr/>
-        <p:nvPr/>
-      </p:nvGrpSpPr>
-      <p:grpSpPr>
-        <a:xfrm>
-          <a:off x="0" y="0"/>
-          <a:ext cx="0" cy="0"/>
-          <a:chOff x="0" y="0"/>
-          <a:chExt cx="0" cy="0"/>
-        </a:xfrm>
-      </p:grpSpPr>
-      <p:sp>
-        <p:nvSpPr>
-          <p:cNvPr id="8" name="TextBox 7">
-            <a:extLst>
-              <a:ext uri="{FF2B5EF4-FFF2-40B4-BE49-F238E27FC236}">
-                <a16:creationId xmlns:a16="http://schemas.microsoft.com/office/drawing/2014/main" id="{A5194759-9177-4FBC-9FAB-9E753F27D56B}"/>
-              </a:ext>
-            </a:extLst>
-          </p:cNvPr>
-          <p:cNvSpPr txBox="1"/>
-          <p:nvPr/>
-        </p:nvSpPr>
-        <p:spPr>
-          <a:xfrm>
-            <a:off x="2306680" y="224325"/>
-            <a:ext cx="5538954" cy="6232475"/>
-          </a:xfrm>
-          <a:prstGeom prst="rect">
-            <a:avLst/>
-          </a:prstGeom>
-          <a:noFill/>
-        </p:spPr>
-        <p:txBody>
-          <a:bodyPr wrap="square" rtlCol="0">
-            <a:spAutoFit/>
-          </a:bodyPr>
-          <a:lstStyle/>
-          <a:p>
-            <a:r>
-              <a:rPr lang="en-US" altLang="ko-KR" sz="1050" dirty="0">
-                <a:solidFill>
-                  <a:srgbClr val="0000FF"/>
-                </a:solidFill>
-                <a:latin typeface="돋움체" panose="020B0609000101010101" pitchFamily="49" charset="-127"/>
-                <a:ea typeface="돋움체" panose="020B0609000101010101" pitchFamily="49" charset="-127"/>
-              </a:rPr>
-              <a:t>using</a:t>
-            </a:r>
-            <a:r>
-              <a:rPr lang="en-US" altLang="ko-KR" sz="1050" dirty="0">
-                <a:solidFill>
-                  <a:srgbClr val="000000"/>
-                </a:solidFill>
-                <a:latin typeface="돋움체" panose="020B0609000101010101" pitchFamily="49" charset="-127"/>
-                <a:ea typeface="돋움체" panose="020B0609000101010101" pitchFamily="49" charset="-127"/>
-              </a:rPr>
-              <a:t> System;</a:t>
-            </a:r>
-          </a:p>
-          <a:p>
-            <a:r>
-              <a:rPr lang="en-US" altLang="ko-KR" sz="1050" dirty="0">
-                <a:solidFill>
-                  <a:srgbClr val="0000FF"/>
-                </a:solidFill>
-                <a:latin typeface="돋움체" panose="020B0609000101010101" pitchFamily="49" charset="-127"/>
-                <a:ea typeface="돋움체" panose="020B0609000101010101" pitchFamily="49" charset="-127"/>
-              </a:rPr>
-              <a:t>using</a:t>
-            </a:r>
-            <a:r>
-              <a:rPr lang="en-US" altLang="ko-KR" sz="1050" dirty="0">
-                <a:solidFill>
-                  <a:srgbClr val="000000"/>
-                </a:solidFill>
-                <a:latin typeface="돋움체" panose="020B0609000101010101" pitchFamily="49" charset="-127"/>
-                <a:ea typeface="돋움체" panose="020B0609000101010101" pitchFamily="49" charset="-127"/>
-              </a:rPr>
-              <a:t> </a:t>
-            </a:r>
-            <a:r>
-              <a:rPr lang="en-US" altLang="ko-KR" sz="1050" dirty="0" err="1">
-                <a:solidFill>
-                  <a:srgbClr val="000000"/>
-                </a:solidFill>
-                <a:latin typeface="돋움체" panose="020B0609000101010101" pitchFamily="49" charset="-127"/>
-                <a:ea typeface="돋움체" panose="020B0609000101010101" pitchFamily="49" charset="-127"/>
-              </a:rPr>
-              <a:t>System.Windows.Forms</a:t>
-            </a:r>
-            <a:r>
-              <a:rPr lang="en-US" altLang="ko-KR" sz="1050" dirty="0">
-                <a:solidFill>
-                  <a:srgbClr val="000000"/>
-                </a:solidFill>
-                <a:latin typeface="돋움체" panose="020B0609000101010101" pitchFamily="49" charset="-127"/>
-                <a:ea typeface="돋움체" panose="020B0609000101010101" pitchFamily="49" charset="-127"/>
-              </a:rPr>
-              <a:t>;</a:t>
-            </a:r>
-          </a:p>
-          <a:p>
-            <a:endParaRPr lang="ko-KR" altLang="en-US" sz="1050" dirty="0">
-              <a:solidFill>
-                <a:srgbClr val="000000"/>
-              </a:solidFill>
-              <a:latin typeface="돋움체" panose="020B0609000101010101" pitchFamily="49" charset="-127"/>
-              <a:ea typeface="돋움체" panose="020B0609000101010101" pitchFamily="49" charset="-127"/>
-            </a:endParaRPr>
-          </a:p>
-          <a:p>
-            <a:r>
-              <a:rPr lang="en-US" altLang="ko-KR" sz="1050" dirty="0">
-                <a:solidFill>
-                  <a:srgbClr val="0000FF"/>
-                </a:solidFill>
-                <a:latin typeface="돋움체" panose="020B0609000101010101" pitchFamily="49" charset="-127"/>
-                <a:ea typeface="돋움체" panose="020B0609000101010101" pitchFamily="49" charset="-127"/>
-              </a:rPr>
-              <a:t>namespace</a:t>
-            </a:r>
-            <a:r>
-              <a:rPr lang="en-US" altLang="ko-KR" sz="1050" dirty="0">
-                <a:solidFill>
-                  <a:srgbClr val="000000"/>
-                </a:solidFill>
-                <a:latin typeface="돋움체" panose="020B0609000101010101" pitchFamily="49" charset="-127"/>
-                <a:ea typeface="돋움체" panose="020B0609000101010101" pitchFamily="49" charset="-127"/>
-              </a:rPr>
-              <a:t> Ex11_01_ListViewApp</a:t>
-            </a:r>
-          </a:p>
-          <a:p>
-            <a:r>
-              <a:rPr lang="en-US" altLang="ko-KR" sz="1050" dirty="0">
-                <a:solidFill>
-                  <a:srgbClr val="000000"/>
-                </a:solidFill>
-                <a:latin typeface="돋움체" panose="020B0609000101010101" pitchFamily="49" charset="-127"/>
-                <a:ea typeface="돋움체" panose="020B0609000101010101" pitchFamily="49" charset="-127"/>
-              </a:rPr>
-              <a:t>{</a:t>
-            </a:r>
-          </a:p>
-          <a:p>
-            <a:r>
-              <a:rPr lang="en-US" altLang="ko-KR" sz="1050" dirty="0">
-                <a:solidFill>
-                  <a:srgbClr val="000000"/>
-                </a:solidFill>
-                <a:latin typeface="돋움체" panose="020B0609000101010101" pitchFamily="49" charset="-127"/>
-                <a:ea typeface="돋움체" panose="020B0609000101010101" pitchFamily="49" charset="-127"/>
-              </a:rPr>
-              <a:t>    </a:t>
-            </a:r>
-            <a:r>
-              <a:rPr lang="en-US" altLang="ko-KR" sz="1050" dirty="0">
-                <a:solidFill>
-                  <a:srgbClr val="0000FF"/>
-                </a:solidFill>
-                <a:latin typeface="돋움체" panose="020B0609000101010101" pitchFamily="49" charset="-127"/>
-                <a:ea typeface="돋움체" panose="020B0609000101010101" pitchFamily="49" charset="-127"/>
-              </a:rPr>
-              <a:t>public</a:t>
-            </a:r>
-            <a:r>
-              <a:rPr lang="en-US" altLang="ko-KR" sz="1050" dirty="0">
-                <a:solidFill>
-                  <a:srgbClr val="000000"/>
-                </a:solidFill>
-                <a:latin typeface="돋움체" panose="020B0609000101010101" pitchFamily="49" charset="-127"/>
-                <a:ea typeface="돋움체" panose="020B0609000101010101" pitchFamily="49" charset="-127"/>
-              </a:rPr>
-              <a:t> </a:t>
-            </a:r>
-            <a:r>
-              <a:rPr lang="en-US" altLang="ko-KR" sz="1050" dirty="0">
-                <a:solidFill>
-                  <a:srgbClr val="0000FF"/>
-                </a:solidFill>
-                <a:latin typeface="돋움체" panose="020B0609000101010101" pitchFamily="49" charset="-127"/>
-                <a:ea typeface="돋움체" panose="020B0609000101010101" pitchFamily="49" charset="-127"/>
-              </a:rPr>
-              <a:t>partial</a:t>
-            </a:r>
-            <a:r>
-              <a:rPr lang="en-US" altLang="ko-KR" sz="1050" dirty="0">
-                <a:solidFill>
-                  <a:srgbClr val="000000"/>
-                </a:solidFill>
-                <a:latin typeface="돋움체" panose="020B0609000101010101" pitchFamily="49" charset="-127"/>
-                <a:ea typeface="돋움체" panose="020B0609000101010101" pitchFamily="49" charset="-127"/>
-              </a:rPr>
-              <a:t> </a:t>
-            </a:r>
-            <a:r>
-              <a:rPr lang="en-US" altLang="ko-KR" sz="1050" dirty="0">
-                <a:solidFill>
-                  <a:srgbClr val="0000FF"/>
-                </a:solidFill>
-                <a:latin typeface="돋움체" panose="020B0609000101010101" pitchFamily="49" charset="-127"/>
-                <a:ea typeface="돋움체" panose="020B0609000101010101" pitchFamily="49" charset="-127"/>
-              </a:rPr>
-              <a:t>class</a:t>
-            </a:r>
-            <a:r>
-              <a:rPr lang="en-US" altLang="ko-KR" sz="1050" dirty="0">
-                <a:solidFill>
-                  <a:srgbClr val="000000"/>
-                </a:solidFill>
-                <a:latin typeface="돋움체" panose="020B0609000101010101" pitchFamily="49" charset="-127"/>
-                <a:ea typeface="돋움체" panose="020B0609000101010101" pitchFamily="49" charset="-127"/>
-              </a:rPr>
-              <a:t> </a:t>
-            </a:r>
-            <a:r>
-              <a:rPr lang="en-US" altLang="ko-KR" sz="1050" dirty="0">
-                <a:solidFill>
-                  <a:srgbClr val="2B91AF"/>
-                </a:solidFill>
-                <a:latin typeface="돋움체" panose="020B0609000101010101" pitchFamily="49" charset="-127"/>
-                <a:ea typeface="돋움체" panose="020B0609000101010101" pitchFamily="49" charset="-127"/>
-              </a:rPr>
-              <a:t>Form1</a:t>
-            </a:r>
-            <a:r>
-              <a:rPr lang="en-US" altLang="ko-KR" sz="1050" dirty="0">
-                <a:solidFill>
-                  <a:srgbClr val="000000"/>
-                </a:solidFill>
-                <a:latin typeface="돋움체" panose="020B0609000101010101" pitchFamily="49" charset="-127"/>
-                <a:ea typeface="돋움체" panose="020B0609000101010101" pitchFamily="49" charset="-127"/>
-              </a:rPr>
-              <a:t> : Form</a:t>
-            </a:r>
-          </a:p>
-          <a:p>
-            <a:r>
-              <a:rPr lang="ko-KR" altLang="en-US" sz="1050" dirty="0">
-                <a:solidFill>
-                  <a:srgbClr val="000000"/>
-                </a:solidFill>
-                <a:latin typeface="돋움체" panose="020B0609000101010101" pitchFamily="49" charset="-127"/>
-                <a:ea typeface="돋움체" panose="020B0609000101010101" pitchFamily="49" charset="-127"/>
-              </a:rPr>
-              <a:t>    </a:t>
-            </a:r>
-            <a:r>
-              <a:rPr lang="en-US" altLang="ko-KR" sz="1050" dirty="0">
-                <a:solidFill>
-                  <a:srgbClr val="000000"/>
-                </a:solidFill>
-                <a:latin typeface="돋움체" panose="020B0609000101010101" pitchFamily="49" charset="-127"/>
-                <a:ea typeface="돋움체" panose="020B0609000101010101" pitchFamily="49" charset="-127"/>
-              </a:rPr>
-              <a:t>{</a:t>
-            </a:r>
-          </a:p>
-          <a:p>
-            <a:r>
-              <a:rPr lang="en-US" altLang="ko-KR" sz="1050" dirty="0">
-                <a:solidFill>
-                  <a:srgbClr val="000000"/>
-                </a:solidFill>
-                <a:latin typeface="돋움체" panose="020B0609000101010101" pitchFamily="49" charset="-127"/>
-                <a:ea typeface="돋움체" panose="020B0609000101010101" pitchFamily="49" charset="-127"/>
-              </a:rPr>
-              <a:t>        </a:t>
-            </a:r>
-            <a:r>
-              <a:rPr lang="en-US" altLang="ko-KR" sz="1050" dirty="0">
-                <a:solidFill>
-                  <a:srgbClr val="0000FF"/>
-                </a:solidFill>
-                <a:latin typeface="돋움체" panose="020B0609000101010101" pitchFamily="49" charset="-127"/>
-                <a:ea typeface="돋움체" panose="020B0609000101010101" pitchFamily="49" charset="-127"/>
-              </a:rPr>
-              <a:t>public</a:t>
-            </a:r>
-            <a:r>
-              <a:rPr lang="en-US" altLang="ko-KR" sz="1050" dirty="0">
-                <a:solidFill>
-                  <a:srgbClr val="000000"/>
-                </a:solidFill>
-                <a:latin typeface="돋움체" panose="020B0609000101010101" pitchFamily="49" charset="-127"/>
-                <a:ea typeface="돋움체" panose="020B0609000101010101" pitchFamily="49" charset="-127"/>
-              </a:rPr>
-              <a:t> </a:t>
-            </a:r>
-            <a:r>
-              <a:rPr lang="en-US" altLang="ko-KR" sz="1050" dirty="0">
-                <a:solidFill>
-                  <a:srgbClr val="2B91AF"/>
-                </a:solidFill>
-                <a:latin typeface="돋움체" panose="020B0609000101010101" pitchFamily="49" charset="-127"/>
-                <a:ea typeface="돋움체" panose="020B0609000101010101" pitchFamily="49" charset="-127"/>
-              </a:rPr>
-              <a:t>Form1</a:t>
-            </a:r>
-            <a:r>
-              <a:rPr lang="en-US" altLang="ko-KR" sz="1050" dirty="0">
-                <a:solidFill>
-                  <a:srgbClr val="000000"/>
-                </a:solidFill>
-                <a:latin typeface="돋움체" panose="020B0609000101010101" pitchFamily="49" charset="-127"/>
-                <a:ea typeface="돋움체" panose="020B0609000101010101" pitchFamily="49" charset="-127"/>
-              </a:rPr>
-              <a:t>()</a:t>
-            </a:r>
-          </a:p>
-          <a:p>
-            <a:r>
-              <a:rPr lang="ko-KR" altLang="en-US" sz="1050" dirty="0">
-                <a:solidFill>
-                  <a:srgbClr val="000000"/>
-                </a:solidFill>
-                <a:latin typeface="돋움체" panose="020B0609000101010101" pitchFamily="49" charset="-127"/>
-                <a:ea typeface="돋움체" panose="020B0609000101010101" pitchFamily="49" charset="-127"/>
-              </a:rPr>
-              <a:t>        </a:t>
-            </a:r>
-            <a:r>
-              <a:rPr lang="en-US" altLang="ko-KR" sz="1050" dirty="0">
-                <a:solidFill>
-                  <a:srgbClr val="000000"/>
-                </a:solidFill>
-                <a:latin typeface="돋움체" panose="020B0609000101010101" pitchFamily="49" charset="-127"/>
-                <a:ea typeface="돋움체" panose="020B0609000101010101" pitchFamily="49" charset="-127"/>
-              </a:rPr>
-              <a:t>{</a:t>
-            </a:r>
-          </a:p>
-          <a:p>
-            <a:r>
-              <a:rPr lang="en-US" altLang="ko-KR" sz="1050" dirty="0">
-                <a:solidFill>
-                  <a:srgbClr val="000000"/>
-                </a:solidFill>
-                <a:latin typeface="돋움체" panose="020B0609000101010101" pitchFamily="49" charset="-127"/>
-                <a:ea typeface="돋움체" panose="020B0609000101010101" pitchFamily="49" charset="-127"/>
-              </a:rPr>
-              <a:t>            </a:t>
-            </a:r>
-            <a:r>
-              <a:rPr lang="en-US" altLang="ko-KR" sz="1050" dirty="0" err="1">
-                <a:solidFill>
-                  <a:srgbClr val="000000"/>
-                </a:solidFill>
-                <a:latin typeface="돋움체" panose="020B0609000101010101" pitchFamily="49" charset="-127"/>
-                <a:ea typeface="돋움체" panose="020B0609000101010101" pitchFamily="49" charset="-127"/>
-              </a:rPr>
-              <a:t>InitializeComponent</a:t>
-            </a:r>
-            <a:r>
-              <a:rPr lang="en-US" altLang="ko-KR" sz="1050" dirty="0">
-                <a:solidFill>
-                  <a:srgbClr val="000000"/>
-                </a:solidFill>
-                <a:latin typeface="돋움체" panose="020B0609000101010101" pitchFamily="49" charset="-127"/>
-                <a:ea typeface="돋움체" panose="020B0609000101010101" pitchFamily="49" charset="-127"/>
-              </a:rPr>
-              <a:t>();</a:t>
-            </a:r>
-          </a:p>
-          <a:p>
-            <a:r>
-              <a:rPr lang="ko-KR" altLang="en-US" sz="1050" dirty="0">
-                <a:solidFill>
-                  <a:srgbClr val="000000"/>
-                </a:solidFill>
-                <a:latin typeface="돋움체" panose="020B0609000101010101" pitchFamily="49" charset="-127"/>
-                <a:ea typeface="돋움체" panose="020B0609000101010101" pitchFamily="49" charset="-127"/>
-              </a:rPr>
-              <a:t>        </a:t>
-            </a:r>
-            <a:r>
-              <a:rPr lang="en-US" altLang="ko-KR" sz="1050" dirty="0">
-                <a:solidFill>
-                  <a:srgbClr val="000000"/>
-                </a:solidFill>
-                <a:latin typeface="돋움체" panose="020B0609000101010101" pitchFamily="49" charset="-127"/>
-                <a:ea typeface="돋움체" panose="020B0609000101010101" pitchFamily="49" charset="-127"/>
-              </a:rPr>
-              <a:t>}</a:t>
-            </a:r>
-          </a:p>
-          <a:p>
-            <a:endParaRPr lang="ko-KR" altLang="en-US" sz="1050" dirty="0">
-              <a:solidFill>
-                <a:srgbClr val="000000"/>
-              </a:solidFill>
-              <a:latin typeface="돋움체" panose="020B0609000101010101" pitchFamily="49" charset="-127"/>
-              <a:ea typeface="돋움체" panose="020B0609000101010101" pitchFamily="49" charset="-127"/>
-            </a:endParaRPr>
-          </a:p>
-          <a:p>
-            <a:r>
-              <a:rPr lang="en-US" altLang="ko-KR" sz="1050" dirty="0">
-                <a:solidFill>
-                  <a:srgbClr val="000000"/>
-                </a:solidFill>
-                <a:latin typeface="돋움체" panose="020B0609000101010101" pitchFamily="49" charset="-127"/>
-                <a:ea typeface="돋움체" panose="020B0609000101010101" pitchFamily="49" charset="-127"/>
-              </a:rPr>
-              <a:t>        </a:t>
-            </a:r>
-            <a:r>
-              <a:rPr lang="en-US" altLang="ko-KR" sz="1050" dirty="0">
-                <a:solidFill>
-                  <a:srgbClr val="0000FF"/>
-                </a:solidFill>
-                <a:latin typeface="돋움체" panose="020B0609000101010101" pitchFamily="49" charset="-127"/>
-                <a:ea typeface="돋움체" panose="020B0609000101010101" pitchFamily="49" charset="-127"/>
-              </a:rPr>
-              <a:t>private</a:t>
-            </a:r>
-            <a:r>
-              <a:rPr lang="en-US" altLang="ko-KR" sz="1050" dirty="0">
-                <a:solidFill>
-                  <a:srgbClr val="000000"/>
-                </a:solidFill>
-                <a:latin typeface="돋움체" panose="020B0609000101010101" pitchFamily="49" charset="-127"/>
-                <a:ea typeface="돋움체" panose="020B0609000101010101" pitchFamily="49" charset="-127"/>
-              </a:rPr>
-              <a:t> </a:t>
-            </a:r>
-            <a:r>
-              <a:rPr lang="en-US" altLang="ko-KR" sz="1050" dirty="0">
-                <a:solidFill>
-                  <a:srgbClr val="0000FF"/>
-                </a:solidFill>
-                <a:latin typeface="돋움체" panose="020B0609000101010101" pitchFamily="49" charset="-127"/>
-                <a:ea typeface="돋움체" panose="020B0609000101010101" pitchFamily="49" charset="-127"/>
-              </a:rPr>
-              <a:t>void</a:t>
-            </a:r>
-            <a:r>
-              <a:rPr lang="en-US" altLang="ko-KR" sz="1050" dirty="0">
-                <a:solidFill>
-                  <a:srgbClr val="000000"/>
-                </a:solidFill>
-                <a:latin typeface="돋움체" panose="020B0609000101010101" pitchFamily="49" charset="-127"/>
-                <a:ea typeface="돋움체" panose="020B0609000101010101" pitchFamily="49" charset="-127"/>
-              </a:rPr>
-              <a:t> listView1_Click(</a:t>
-            </a:r>
-            <a:r>
-              <a:rPr lang="en-US" altLang="ko-KR" sz="1050" dirty="0">
-                <a:solidFill>
-                  <a:srgbClr val="0000FF"/>
-                </a:solidFill>
-                <a:latin typeface="돋움체" panose="020B0609000101010101" pitchFamily="49" charset="-127"/>
-                <a:ea typeface="돋움체" panose="020B0609000101010101" pitchFamily="49" charset="-127"/>
-              </a:rPr>
-              <a:t>object</a:t>
-            </a:r>
-            <a:r>
-              <a:rPr lang="en-US" altLang="ko-KR" sz="1050" dirty="0">
-                <a:solidFill>
-                  <a:srgbClr val="000000"/>
-                </a:solidFill>
-                <a:latin typeface="돋움체" panose="020B0609000101010101" pitchFamily="49" charset="-127"/>
-                <a:ea typeface="돋움체" panose="020B0609000101010101" pitchFamily="49" charset="-127"/>
-              </a:rPr>
-              <a:t> sender, </a:t>
-            </a:r>
-            <a:r>
-              <a:rPr lang="en-US" altLang="ko-KR" sz="1050" dirty="0" err="1">
-                <a:solidFill>
-                  <a:srgbClr val="000000"/>
-                </a:solidFill>
-                <a:latin typeface="돋움체" panose="020B0609000101010101" pitchFamily="49" charset="-127"/>
-                <a:ea typeface="돋움체" panose="020B0609000101010101" pitchFamily="49" charset="-127"/>
-              </a:rPr>
-              <a:t>EventArgs</a:t>
-            </a:r>
-            <a:r>
-              <a:rPr lang="en-US" altLang="ko-KR" sz="1050" dirty="0">
-                <a:solidFill>
-                  <a:srgbClr val="000000"/>
-                </a:solidFill>
-                <a:latin typeface="돋움체" panose="020B0609000101010101" pitchFamily="49" charset="-127"/>
-                <a:ea typeface="돋움체" panose="020B0609000101010101" pitchFamily="49" charset="-127"/>
-              </a:rPr>
-              <a:t> e)</a:t>
-            </a:r>
-          </a:p>
-          <a:p>
-            <a:r>
-              <a:rPr lang="ko-KR" altLang="en-US" sz="1050" dirty="0">
-                <a:solidFill>
-                  <a:srgbClr val="000000"/>
-                </a:solidFill>
-                <a:latin typeface="돋움체" panose="020B0609000101010101" pitchFamily="49" charset="-127"/>
-                <a:ea typeface="돋움체" panose="020B0609000101010101" pitchFamily="49" charset="-127"/>
-              </a:rPr>
-              <a:t>        </a:t>
-            </a:r>
-            <a:r>
-              <a:rPr lang="en-US" altLang="ko-KR" sz="1050" dirty="0">
-                <a:solidFill>
-                  <a:srgbClr val="000000"/>
-                </a:solidFill>
-                <a:latin typeface="돋움체" panose="020B0609000101010101" pitchFamily="49" charset="-127"/>
-                <a:ea typeface="돋움체" panose="020B0609000101010101" pitchFamily="49" charset="-127"/>
-              </a:rPr>
-              <a:t>{</a:t>
-            </a:r>
-          </a:p>
-          <a:p>
-            <a:r>
-              <a:rPr lang="en-US" altLang="ko-KR" sz="1050" dirty="0">
-                <a:solidFill>
-                  <a:srgbClr val="000000"/>
-                </a:solidFill>
-                <a:latin typeface="돋움체" panose="020B0609000101010101" pitchFamily="49" charset="-127"/>
-                <a:ea typeface="돋움체" panose="020B0609000101010101" pitchFamily="49" charset="-127"/>
-              </a:rPr>
-              <a:t>            </a:t>
-            </a:r>
-            <a:r>
-              <a:rPr lang="en-US" altLang="ko-KR" sz="1050" dirty="0">
-                <a:solidFill>
-                  <a:srgbClr val="0000FF"/>
-                </a:solidFill>
-                <a:latin typeface="돋움체" panose="020B0609000101010101" pitchFamily="49" charset="-127"/>
-                <a:ea typeface="돋움체" panose="020B0609000101010101" pitchFamily="49" charset="-127"/>
-              </a:rPr>
-              <a:t>foreach</a:t>
-            </a:r>
-            <a:r>
-              <a:rPr lang="en-US" altLang="ko-KR" sz="1050" dirty="0">
-                <a:solidFill>
-                  <a:srgbClr val="000000"/>
-                </a:solidFill>
-                <a:latin typeface="돋움체" panose="020B0609000101010101" pitchFamily="49" charset="-127"/>
-                <a:ea typeface="돋움체" panose="020B0609000101010101" pitchFamily="49" charset="-127"/>
-              </a:rPr>
-              <a:t> (</a:t>
-            </a:r>
-            <a:r>
-              <a:rPr lang="en-US" altLang="ko-KR" sz="1050" dirty="0" err="1">
-                <a:solidFill>
-                  <a:srgbClr val="000000"/>
-                </a:solidFill>
-                <a:latin typeface="돋움체" panose="020B0609000101010101" pitchFamily="49" charset="-127"/>
-                <a:ea typeface="돋움체" panose="020B0609000101010101" pitchFamily="49" charset="-127"/>
-              </a:rPr>
-              <a:t>ListViewItem</a:t>
-            </a:r>
-            <a:r>
-              <a:rPr lang="en-US" altLang="ko-KR" sz="1050" dirty="0">
-                <a:solidFill>
-                  <a:srgbClr val="000000"/>
-                </a:solidFill>
-                <a:latin typeface="돋움체" panose="020B0609000101010101" pitchFamily="49" charset="-127"/>
-                <a:ea typeface="돋움체" panose="020B0609000101010101" pitchFamily="49" charset="-127"/>
-              </a:rPr>
-              <a:t> item </a:t>
-            </a:r>
-            <a:r>
-              <a:rPr lang="en-US" altLang="ko-KR" sz="1050" dirty="0">
-                <a:solidFill>
-                  <a:srgbClr val="0000FF"/>
-                </a:solidFill>
-                <a:latin typeface="돋움체" panose="020B0609000101010101" pitchFamily="49" charset="-127"/>
-                <a:ea typeface="돋움체" panose="020B0609000101010101" pitchFamily="49" charset="-127"/>
-              </a:rPr>
-              <a:t>in</a:t>
-            </a:r>
-            <a:r>
-              <a:rPr lang="en-US" altLang="ko-KR" sz="1050" dirty="0">
-                <a:solidFill>
-                  <a:srgbClr val="000000"/>
-                </a:solidFill>
-                <a:latin typeface="돋움체" panose="020B0609000101010101" pitchFamily="49" charset="-127"/>
-                <a:ea typeface="돋움체" panose="020B0609000101010101" pitchFamily="49" charset="-127"/>
-              </a:rPr>
-              <a:t> listView1.SelectedItems)</a:t>
-            </a:r>
-          </a:p>
-          <a:p>
-            <a:r>
-              <a:rPr lang="ko-KR" altLang="en-US" sz="1050" dirty="0">
-                <a:solidFill>
-                  <a:srgbClr val="000000"/>
-                </a:solidFill>
-                <a:latin typeface="돋움체" panose="020B0609000101010101" pitchFamily="49" charset="-127"/>
-                <a:ea typeface="돋움체" panose="020B0609000101010101" pitchFamily="49" charset="-127"/>
-              </a:rPr>
-              <a:t>            </a:t>
-            </a:r>
-            <a:r>
-              <a:rPr lang="en-US" altLang="ko-KR" sz="1050" dirty="0">
-                <a:solidFill>
-                  <a:srgbClr val="000000"/>
-                </a:solidFill>
-                <a:latin typeface="돋움체" panose="020B0609000101010101" pitchFamily="49" charset="-127"/>
-                <a:ea typeface="돋움체" panose="020B0609000101010101" pitchFamily="49" charset="-127"/>
-              </a:rPr>
-              <a:t>{</a:t>
-            </a:r>
-          </a:p>
-          <a:p>
-            <a:r>
-              <a:rPr lang="en-US" altLang="ko-KR" sz="1050" dirty="0">
-                <a:solidFill>
-                  <a:srgbClr val="000000"/>
-                </a:solidFill>
-                <a:latin typeface="돋움체" panose="020B0609000101010101" pitchFamily="49" charset="-127"/>
-                <a:ea typeface="돋움체" panose="020B0609000101010101" pitchFamily="49" charset="-127"/>
-              </a:rPr>
-              <a:t>                </a:t>
-            </a:r>
-            <a:r>
-              <a:rPr lang="en-US" altLang="ko-KR" sz="1050" dirty="0" err="1">
-                <a:solidFill>
-                  <a:srgbClr val="000000"/>
-                </a:solidFill>
-                <a:latin typeface="돋움체" panose="020B0609000101010101" pitchFamily="49" charset="-127"/>
-                <a:ea typeface="돋움체" panose="020B0609000101010101" pitchFamily="49" charset="-127"/>
-              </a:rPr>
-              <a:t>ListViewItem.ListViewSubItemCollection</a:t>
-            </a:r>
-            <a:r>
-              <a:rPr lang="en-US" altLang="ko-KR" sz="1050" dirty="0">
-                <a:solidFill>
-                  <a:srgbClr val="000000"/>
-                </a:solidFill>
-                <a:latin typeface="돋움체" panose="020B0609000101010101" pitchFamily="49" charset="-127"/>
-                <a:ea typeface="돋움체" panose="020B0609000101010101" pitchFamily="49" charset="-127"/>
-              </a:rPr>
-              <a:t> </a:t>
-            </a:r>
-            <a:r>
-              <a:rPr lang="en-US" altLang="ko-KR" sz="1050" dirty="0" err="1">
-                <a:solidFill>
-                  <a:srgbClr val="000000"/>
-                </a:solidFill>
-                <a:latin typeface="돋움체" panose="020B0609000101010101" pitchFamily="49" charset="-127"/>
-                <a:ea typeface="돋움체" panose="020B0609000101010101" pitchFamily="49" charset="-127"/>
-              </a:rPr>
-              <a:t>subItem</a:t>
-            </a:r>
-            <a:r>
-              <a:rPr lang="en-US" altLang="ko-KR" sz="1050" dirty="0">
-                <a:solidFill>
-                  <a:srgbClr val="000000"/>
-                </a:solidFill>
-                <a:latin typeface="돋움체" panose="020B0609000101010101" pitchFamily="49" charset="-127"/>
-                <a:ea typeface="돋움체" panose="020B0609000101010101" pitchFamily="49" charset="-127"/>
-              </a:rPr>
-              <a:t> = </a:t>
-            </a:r>
-            <a:r>
-              <a:rPr lang="en-US" altLang="ko-KR" sz="1050" dirty="0" err="1">
-                <a:solidFill>
-                  <a:srgbClr val="000000"/>
-                </a:solidFill>
-                <a:latin typeface="돋움체" panose="020B0609000101010101" pitchFamily="49" charset="-127"/>
-                <a:ea typeface="돋움체" panose="020B0609000101010101" pitchFamily="49" charset="-127"/>
-              </a:rPr>
-              <a:t>item.SubItems</a:t>
-            </a:r>
-            <a:r>
-              <a:rPr lang="en-US" altLang="ko-KR" sz="1050" dirty="0">
-                <a:solidFill>
-                  <a:srgbClr val="000000"/>
-                </a:solidFill>
-                <a:latin typeface="돋움체" panose="020B0609000101010101" pitchFamily="49" charset="-127"/>
-                <a:ea typeface="돋움체" panose="020B0609000101010101" pitchFamily="49" charset="-127"/>
-              </a:rPr>
-              <a:t>;</a:t>
-            </a:r>
-          </a:p>
-          <a:p>
-            <a:r>
-              <a:rPr lang="ko-KR" altLang="en-US" sz="1050" dirty="0">
-                <a:solidFill>
-                  <a:srgbClr val="000000"/>
-                </a:solidFill>
-                <a:latin typeface="돋움체" panose="020B0609000101010101" pitchFamily="49" charset="-127"/>
-                <a:ea typeface="돋움체" panose="020B0609000101010101" pitchFamily="49" charset="-127"/>
-              </a:rPr>
-              <a:t>                </a:t>
-            </a:r>
-            <a:r>
-              <a:rPr lang="en-US" altLang="ko-KR" sz="1050" dirty="0">
-                <a:solidFill>
-                  <a:srgbClr val="008000"/>
-                </a:solidFill>
-                <a:latin typeface="돋움체" panose="020B0609000101010101" pitchFamily="49" charset="-127"/>
-                <a:ea typeface="돋움체" panose="020B0609000101010101" pitchFamily="49" charset="-127"/>
-              </a:rPr>
-              <a:t>// </a:t>
-            </a:r>
-            <a:r>
-              <a:rPr lang="ko-KR" altLang="en-US" sz="1050" dirty="0">
-                <a:solidFill>
-                  <a:srgbClr val="008000"/>
-                </a:solidFill>
-                <a:latin typeface="돋움체" panose="020B0609000101010101" pitchFamily="49" charset="-127"/>
-                <a:ea typeface="돋움체" panose="020B0609000101010101" pitchFamily="49" charset="-127"/>
-              </a:rPr>
-              <a:t>각 항목에 대한 부항목을 얻기 위해 </a:t>
-            </a:r>
-            <a:r>
-              <a:rPr lang="en-US" altLang="ko-KR" sz="1050" dirty="0" err="1">
-                <a:solidFill>
-                  <a:srgbClr val="008000"/>
-                </a:solidFill>
-                <a:latin typeface="돋움체" panose="020B0609000101010101" pitchFamily="49" charset="-127"/>
-                <a:ea typeface="돋움체" panose="020B0609000101010101" pitchFamily="49" charset="-127"/>
-              </a:rPr>
-              <a:t>SubItems</a:t>
-            </a:r>
-            <a:r>
-              <a:rPr lang="en-US" altLang="ko-KR" sz="1050" dirty="0">
-                <a:solidFill>
-                  <a:srgbClr val="008000"/>
-                </a:solidFill>
-                <a:latin typeface="돋움체" panose="020B0609000101010101" pitchFamily="49" charset="-127"/>
-                <a:ea typeface="돋움체" panose="020B0609000101010101" pitchFamily="49" charset="-127"/>
-              </a:rPr>
-              <a:t> </a:t>
-            </a:r>
-            <a:r>
-              <a:rPr lang="ko-KR" altLang="en-US" sz="1050" dirty="0">
-                <a:solidFill>
-                  <a:srgbClr val="008000"/>
-                </a:solidFill>
-                <a:latin typeface="돋움체" panose="020B0609000101010101" pitchFamily="49" charset="-127"/>
-                <a:ea typeface="돋움체" panose="020B0609000101010101" pitchFamily="49" charset="-127"/>
-              </a:rPr>
-              <a:t>프로퍼티를 사용</a:t>
-            </a:r>
-            <a:endParaRPr lang="ko-KR" altLang="en-US" sz="1050" dirty="0">
-              <a:solidFill>
-                <a:srgbClr val="000000"/>
-              </a:solidFill>
-              <a:latin typeface="돋움체" panose="020B0609000101010101" pitchFamily="49" charset="-127"/>
-              <a:ea typeface="돋움체" panose="020B0609000101010101" pitchFamily="49" charset="-127"/>
-            </a:endParaRPr>
-          </a:p>
-          <a:p>
-            <a:r>
-              <a:rPr lang="en-US" altLang="ko-KR" sz="1050" dirty="0">
-                <a:solidFill>
-                  <a:srgbClr val="000000"/>
-                </a:solidFill>
-                <a:latin typeface="돋움체" panose="020B0609000101010101" pitchFamily="49" charset="-127"/>
-                <a:ea typeface="돋움체" panose="020B0609000101010101" pitchFamily="49" charset="-127"/>
-              </a:rPr>
-              <a:t>                label1.Text = </a:t>
-            </a:r>
-            <a:r>
-              <a:rPr lang="en-US" altLang="ko-KR" sz="1050" dirty="0" err="1">
-                <a:solidFill>
-                  <a:srgbClr val="000000"/>
-                </a:solidFill>
-                <a:latin typeface="돋움체" panose="020B0609000101010101" pitchFamily="49" charset="-127"/>
-                <a:ea typeface="돋움체" panose="020B0609000101010101" pitchFamily="49" charset="-127"/>
-              </a:rPr>
-              <a:t>subItem</a:t>
-            </a:r>
-            <a:r>
-              <a:rPr lang="en-US" altLang="ko-KR" sz="1050" dirty="0">
-                <a:solidFill>
-                  <a:srgbClr val="000000"/>
-                </a:solidFill>
-                <a:latin typeface="돋움체" panose="020B0609000101010101" pitchFamily="49" charset="-127"/>
-                <a:ea typeface="돋움체" panose="020B0609000101010101" pitchFamily="49" charset="-127"/>
-              </a:rPr>
-              <a:t>[0].Text + </a:t>
-            </a:r>
-            <a:r>
-              <a:rPr lang="en-US" altLang="ko-KR" sz="1050" dirty="0">
-                <a:solidFill>
-                  <a:srgbClr val="A31515"/>
-                </a:solidFill>
-                <a:latin typeface="돋움체" panose="020B0609000101010101" pitchFamily="49" charset="-127"/>
-                <a:ea typeface="돋움체" panose="020B0609000101010101" pitchFamily="49" charset="-127"/>
-              </a:rPr>
-              <a:t>"</a:t>
-            </a:r>
-            <a:r>
-              <a:rPr lang="ko-KR" altLang="en-US" sz="1050" dirty="0">
-                <a:solidFill>
-                  <a:srgbClr val="A31515"/>
-                </a:solidFill>
-                <a:latin typeface="돋움체" panose="020B0609000101010101" pitchFamily="49" charset="-127"/>
-                <a:ea typeface="돋움체" panose="020B0609000101010101" pitchFamily="49" charset="-127"/>
-              </a:rPr>
-              <a:t>의 국가번호는 </a:t>
-            </a:r>
-            <a:r>
-              <a:rPr lang="en-US" altLang="ko-KR" sz="1050" dirty="0">
-                <a:solidFill>
-                  <a:srgbClr val="A31515"/>
-                </a:solidFill>
-                <a:latin typeface="돋움체" panose="020B0609000101010101" pitchFamily="49" charset="-127"/>
-                <a:ea typeface="돋움체" panose="020B0609000101010101" pitchFamily="49" charset="-127"/>
-              </a:rPr>
-              <a:t>"</a:t>
-            </a:r>
-            <a:r>
-              <a:rPr lang="ko-KR" altLang="en-US" sz="1050" dirty="0">
-                <a:solidFill>
-                  <a:srgbClr val="000000"/>
-                </a:solidFill>
-                <a:latin typeface="돋움체" panose="020B0609000101010101" pitchFamily="49" charset="-127"/>
-                <a:ea typeface="돋움체" panose="020B0609000101010101" pitchFamily="49" charset="-127"/>
-              </a:rPr>
-              <a:t> </a:t>
-            </a:r>
-            <a:r>
-              <a:rPr lang="en-US" altLang="ko-KR" sz="1050" dirty="0">
-                <a:solidFill>
-                  <a:srgbClr val="000000"/>
-                </a:solidFill>
-                <a:latin typeface="돋움체" panose="020B0609000101010101" pitchFamily="49" charset="-127"/>
-                <a:ea typeface="돋움체" panose="020B0609000101010101" pitchFamily="49" charset="-127"/>
-              </a:rPr>
-              <a:t>+</a:t>
-            </a:r>
-          </a:p>
-          <a:p>
-            <a:r>
-              <a:rPr lang="en-US" altLang="ko-KR" sz="1050" dirty="0">
-                <a:solidFill>
-                  <a:srgbClr val="000000"/>
-                </a:solidFill>
-                <a:latin typeface="돋움체" panose="020B0609000101010101" pitchFamily="49" charset="-127"/>
-                <a:ea typeface="돋움체" panose="020B0609000101010101" pitchFamily="49" charset="-127"/>
-              </a:rPr>
-              <a:t>                              </a:t>
-            </a:r>
-            <a:r>
-              <a:rPr lang="en-US" altLang="ko-KR" sz="1050" dirty="0" err="1">
-                <a:solidFill>
-                  <a:srgbClr val="000000"/>
-                </a:solidFill>
-                <a:latin typeface="돋움체" panose="020B0609000101010101" pitchFamily="49" charset="-127"/>
-                <a:ea typeface="돋움체" panose="020B0609000101010101" pitchFamily="49" charset="-127"/>
-              </a:rPr>
-              <a:t>subItem</a:t>
-            </a:r>
-            <a:r>
-              <a:rPr lang="en-US" altLang="ko-KR" sz="1050" dirty="0">
-                <a:solidFill>
-                  <a:srgbClr val="000000"/>
-                </a:solidFill>
-                <a:latin typeface="돋움체" panose="020B0609000101010101" pitchFamily="49" charset="-127"/>
-                <a:ea typeface="돋움체" panose="020B0609000101010101" pitchFamily="49" charset="-127"/>
-              </a:rPr>
-              <a:t>[1].Text + </a:t>
-            </a:r>
-            <a:r>
-              <a:rPr lang="en-US" altLang="ko-KR" sz="1050" dirty="0">
-                <a:solidFill>
-                  <a:srgbClr val="A31515"/>
-                </a:solidFill>
-                <a:latin typeface="돋움체" panose="020B0609000101010101" pitchFamily="49" charset="-127"/>
-                <a:ea typeface="돋움체" panose="020B0609000101010101" pitchFamily="49" charset="-127"/>
-              </a:rPr>
-              <a:t>"</a:t>
-            </a:r>
-            <a:r>
-              <a:rPr lang="ko-KR" altLang="en-US" sz="1050" dirty="0">
-                <a:solidFill>
-                  <a:srgbClr val="A31515"/>
-                </a:solidFill>
-                <a:latin typeface="돋움체" panose="020B0609000101010101" pitchFamily="49" charset="-127"/>
-                <a:ea typeface="돋움체" panose="020B0609000101010101" pitchFamily="49" charset="-127"/>
-              </a:rPr>
-              <a:t>입니다</a:t>
-            </a:r>
-            <a:r>
-              <a:rPr lang="en-US" altLang="ko-KR" sz="1050" dirty="0">
-                <a:solidFill>
-                  <a:srgbClr val="A31515"/>
-                </a:solidFill>
-                <a:latin typeface="돋움체" panose="020B0609000101010101" pitchFamily="49" charset="-127"/>
-                <a:ea typeface="돋움체" panose="020B0609000101010101" pitchFamily="49" charset="-127"/>
-              </a:rPr>
-              <a:t>."</a:t>
-            </a:r>
-            <a:r>
-              <a:rPr lang="en-US" altLang="ko-KR" sz="1050" dirty="0">
-                <a:solidFill>
-                  <a:srgbClr val="000000"/>
-                </a:solidFill>
-                <a:latin typeface="돋움체" panose="020B0609000101010101" pitchFamily="49" charset="-127"/>
-                <a:ea typeface="돋움체" panose="020B0609000101010101" pitchFamily="49" charset="-127"/>
-              </a:rPr>
-              <a:t>;</a:t>
-            </a:r>
-          </a:p>
-          <a:p>
-            <a:r>
-              <a:rPr lang="ko-KR" altLang="en-US" sz="1050" dirty="0">
-                <a:solidFill>
-                  <a:srgbClr val="000000"/>
-                </a:solidFill>
-                <a:latin typeface="돋움체" panose="020B0609000101010101" pitchFamily="49" charset="-127"/>
-                <a:ea typeface="돋움체" panose="020B0609000101010101" pitchFamily="49" charset="-127"/>
-              </a:rPr>
-              <a:t>            </a:t>
-            </a:r>
-            <a:r>
-              <a:rPr lang="en-US" altLang="ko-KR" sz="1050" dirty="0">
-                <a:solidFill>
-                  <a:srgbClr val="000000"/>
-                </a:solidFill>
-                <a:latin typeface="돋움체" panose="020B0609000101010101" pitchFamily="49" charset="-127"/>
-                <a:ea typeface="돋움체" panose="020B0609000101010101" pitchFamily="49" charset="-127"/>
-              </a:rPr>
-              <a:t>}</a:t>
-            </a:r>
-          </a:p>
-          <a:p>
-            <a:r>
-              <a:rPr lang="ko-KR" altLang="en-US" sz="1050" dirty="0">
-                <a:solidFill>
-                  <a:srgbClr val="000000"/>
-                </a:solidFill>
-                <a:latin typeface="돋움체" panose="020B0609000101010101" pitchFamily="49" charset="-127"/>
-                <a:ea typeface="돋움체" panose="020B0609000101010101" pitchFamily="49" charset="-127"/>
-              </a:rPr>
-              <a:t>        </a:t>
-            </a:r>
-            <a:r>
-              <a:rPr lang="en-US" altLang="ko-KR" sz="1050" dirty="0">
-                <a:solidFill>
-                  <a:srgbClr val="000000"/>
-                </a:solidFill>
-                <a:latin typeface="돋움체" panose="020B0609000101010101" pitchFamily="49" charset="-127"/>
-                <a:ea typeface="돋움체" panose="020B0609000101010101" pitchFamily="49" charset="-127"/>
-              </a:rPr>
-              <a:t>}</a:t>
-            </a:r>
-          </a:p>
-          <a:p>
-            <a:endParaRPr lang="ko-KR" altLang="en-US" sz="1050" dirty="0">
-              <a:solidFill>
-                <a:srgbClr val="000000"/>
-              </a:solidFill>
-              <a:latin typeface="돋움체" panose="020B0609000101010101" pitchFamily="49" charset="-127"/>
-              <a:ea typeface="돋움체" panose="020B0609000101010101" pitchFamily="49" charset="-127"/>
-            </a:endParaRPr>
-          </a:p>
-          <a:p>
-            <a:r>
-              <a:rPr lang="en-US" altLang="ko-KR" sz="1050" dirty="0">
-                <a:solidFill>
-                  <a:srgbClr val="000000"/>
-                </a:solidFill>
-                <a:latin typeface="돋움체" panose="020B0609000101010101" pitchFamily="49" charset="-127"/>
-                <a:ea typeface="돋움체" panose="020B0609000101010101" pitchFamily="49" charset="-127"/>
-              </a:rPr>
-              <a:t>        </a:t>
-            </a:r>
-            <a:r>
-              <a:rPr lang="en-US" altLang="ko-KR" sz="1050" dirty="0">
-                <a:solidFill>
-                  <a:srgbClr val="0000FF"/>
-                </a:solidFill>
-                <a:latin typeface="돋움체" panose="020B0609000101010101" pitchFamily="49" charset="-127"/>
-                <a:ea typeface="돋움체" panose="020B0609000101010101" pitchFamily="49" charset="-127"/>
-              </a:rPr>
-              <a:t>private</a:t>
-            </a:r>
-            <a:r>
-              <a:rPr lang="en-US" altLang="ko-KR" sz="1050" dirty="0">
-                <a:solidFill>
-                  <a:srgbClr val="000000"/>
-                </a:solidFill>
-                <a:latin typeface="돋움체" panose="020B0609000101010101" pitchFamily="49" charset="-127"/>
-                <a:ea typeface="돋움체" panose="020B0609000101010101" pitchFamily="49" charset="-127"/>
-              </a:rPr>
-              <a:t> </a:t>
-            </a:r>
-            <a:r>
-              <a:rPr lang="en-US" altLang="ko-KR" sz="1050" dirty="0">
-                <a:solidFill>
-                  <a:srgbClr val="0000FF"/>
-                </a:solidFill>
-                <a:latin typeface="돋움체" panose="020B0609000101010101" pitchFamily="49" charset="-127"/>
-                <a:ea typeface="돋움체" panose="020B0609000101010101" pitchFamily="49" charset="-127"/>
-              </a:rPr>
-              <a:t>void</a:t>
-            </a:r>
-            <a:r>
-              <a:rPr lang="en-US" altLang="ko-KR" sz="1050" dirty="0">
-                <a:solidFill>
-                  <a:srgbClr val="000000"/>
-                </a:solidFill>
-                <a:latin typeface="돋움체" panose="020B0609000101010101" pitchFamily="49" charset="-127"/>
-                <a:ea typeface="돋움체" panose="020B0609000101010101" pitchFamily="49" charset="-127"/>
-              </a:rPr>
-              <a:t> radioButton1_CheckedChanged(</a:t>
-            </a:r>
-            <a:r>
-              <a:rPr lang="en-US" altLang="ko-KR" sz="1050" dirty="0">
-                <a:solidFill>
-                  <a:srgbClr val="0000FF"/>
-                </a:solidFill>
-                <a:latin typeface="돋움체" panose="020B0609000101010101" pitchFamily="49" charset="-127"/>
-                <a:ea typeface="돋움체" panose="020B0609000101010101" pitchFamily="49" charset="-127"/>
-              </a:rPr>
-              <a:t>object</a:t>
-            </a:r>
-            <a:r>
-              <a:rPr lang="en-US" altLang="ko-KR" sz="1050" dirty="0">
-                <a:solidFill>
-                  <a:srgbClr val="000000"/>
-                </a:solidFill>
-                <a:latin typeface="돋움체" panose="020B0609000101010101" pitchFamily="49" charset="-127"/>
-                <a:ea typeface="돋움체" panose="020B0609000101010101" pitchFamily="49" charset="-127"/>
-              </a:rPr>
-              <a:t> sender, </a:t>
-            </a:r>
-            <a:r>
-              <a:rPr lang="en-US" altLang="ko-KR" sz="1050" dirty="0" err="1">
-                <a:solidFill>
-                  <a:srgbClr val="000000"/>
-                </a:solidFill>
-                <a:latin typeface="돋움체" panose="020B0609000101010101" pitchFamily="49" charset="-127"/>
-                <a:ea typeface="돋움체" panose="020B0609000101010101" pitchFamily="49" charset="-127"/>
-              </a:rPr>
-              <a:t>EventArgs</a:t>
-            </a:r>
-            <a:r>
-              <a:rPr lang="en-US" altLang="ko-KR" sz="1050" dirty="0">
-                <a:solidFill>
-                  <a:srgbClr val="000000"/>
-                </a:solidFill>
-                <a:latin typeface="돋움체" panose="020B0609000101010101" pitchFamily="49" charset="-127"/>
-                <a:ea typeface="돋움체" panose="020B0609000101010101" pitchFamily="49" charset="-127"/>
-              </a:rPr>
-              <a:t> e)</a:t>
-            </a:r>
-          </a:p>
-          <a:p>
-            <a:r>
-              <a:rPr lang="ko-KR" altLang="en-US" sz="1050" dirty="0">
-                <a:solidFill>
-                  <a:srgbClr val="000000"/>
-                </a:solidFill>
-                <a:latin typeface="돋움체" panose="020B0609000101010101" pitchFamily="49" charset="-127"/>
-                <a:ea typeface="돋움체" panose="020B0609000101010101" pitchFamily="49" charset="-127"/>
-              </a:rPr>
-              <a:t>        </a:t>
-            </a:r>
-            <a:r>
-              <a:rPr lang="en-US" altLang="ko-KR" sz="1050" dirty="0">
-                <a:solidFill>
-                  <a:srgbClr val="000000"/>
-                </a:solidFill>
-                <a:latin typeface="돋움체" panose="020B0609000101010101" pitchFamily="49" charset="-127"/>
-                <a:ea typeface="돋움체" panose="020B0609000101010101" pitchFamily="49" charset="-127"/>
-              </a:rPr>
-              <a:t>{</a:t>
-            </a:r>
-          </a:p>
-          <a:p>
-            <a:r>
-              <a:rPr lang="en-US" altLang="ko-KR" sz="1050" dirty="0">
-                <a:solidFill>
-                  <a:srgbClr val="000000"/>
-                </a:solidFill>
-                <a:latin typeface="돋움체" panose="020B0609000101010101" pitchFamily="49" charset="-127"/>
-                <a:ea typeface="돋움체" panose="020B0609000101010101" pitchFamily="49" charset="-127"/>
-              </a:rPr>
-              <a:t>            </a:t>
-            </a:r>
-            <a:r>
-              <a:rPr lang="en-US" altLang="ko-KR" sz="1050" dirty="0">
-                <a:solidFill>
-                  <a:srgbClr val="0000FF"/>
-                </a:solidFill>
-                <a:latin typeface="돋움체" panose="020B0609000101010101" pitchFamily="49" charset="-127"/>
-                <a:ea typeface="돋움체" panose="020B0609000101010101" pitchFamily="49" charset="-127"/>
-              </a:rPr>
-              <a:t>if</a:t>
-            </a:r>
-            <a:r>
-              <a:rPr lang="en-US" altLang="ko-KR" sz="1050" dirty="0">
-                <a:solidFill>
-                  <a:srgbClr val="000000"/>
-                </a:solidFill>
-                <a:latin typeface="돋움체" panose="020B0609000101010101" pitchFamily="49" charset="-127"/>
-                <a:ea typeface="돋움체" panose="020B0609000101010101" pitchFamily="49" charset="-127"/>
-              </a:rPr>
-              <a:t> (radioButton1.Checked)</a:t>
-            </a:r>
-          </a:p>
-          <a:p>
-            <a:r>
-              <a:rPr lang="ko-KR" altLang="en-US" sz="1050" dirty="0">
-                <a:solidFill>
-                  <a:srgbClr val="000000"/>
-                </a:solidFill>
-                <a:latin typeface="돋움체" panose="020B0609000101010101" pitchFamily="49" charset="-127"/>
-                <a:ea typeface="돋움체" panose="020B0609000101010101" pitchFamily="49" charset="-127"/>
-              </a:rPr>
-              <a:t>                </a:t>
-            </a:r>
-            <a:r>
-              <a:rPr lang="en-US" altLang="ko-KR" sz="1050" dirty="0">
-                <a:solidFill>
-                  <a:srgbClr val="008000"/>
-                </a:solidFill>
-                <a:latin typeface="돋움체" panose="020B0609000101010101" pitchFamily="49" charset="-127"/>
-                <a:ea typeface="돋움체" panose="020B0609000101010101" pitchFamily="49" charset="-127"/>
-              </a:rPr>
-              <a:t>// </a:t>
-            </a:r>
-            <a:r>
-              <a:rPr lang="ko-KR" altLang="en-US" sz="1050" dirty="0">
-                <a:solidFill>
-                  <a:srgbClr val="008000"/>
-                </a:solidFill>
-                <a:latin typeface="돋움체" panose="020B0609000101010101" pitchFamily="49" charset="-127"/>
-                <a:ea typeface="돋움체" panose="020B0609000101010101" pitchFamily="49" charset="-127"/>
-              </a:rPr>
-              <a:t>리스트 뷰의 항목을 큰 아이콘 형태로 보여준다</a:t>
-            </a:r>
-            <a:r>
-              <a:rPr lang="en-US" altLang="ko-KR" sz="1050" dirty="0">
-                <a:solidFill>
-                  <a:srgbClr val="008000"/>
-                </a:solidFill>
-                <a:latin typeface="돋움체" panose="020B0609000101010101" pitchFamily="49" charset="-127"/>
-                <a:ea typeface="돋움체" panose="020B0609000101010101" pitchFamily="49" charset="-127"/>
-              </a:rPr>
-              <a:t>.</a:t>
-            </a:r>
-            <a:endParaRPr lang="ko-KR" altLang="en-US" sz="1050" dirty="0">
-              <a:solidFill>
-                <a:srgbClr val="000000"/>
-              </a:solidFill>
-              <a:latin typeface="돋움체" panose="020B0609000101010101" pitchFamily="49" charset="-127"/>
-              <a:ea typeface="돋움체" panose="020B0609000101010101" pitchFamily="49" charset="-127"/>
-            </a:endParaRPr>
-          </a:p>
-          <a:p>
-            <a:r>
-              <a:rPr lang="en-US" altLang="ko-KR" sz="1050" dirty="0">
-                <a:solidFill>
-                  <a:srgbClr val="000000"/>
-                </a:solidFill>
-                <a:latin typeface="돋움체" panose="020B0609000101010101" pitchFamily="49" charset="-127"/>
-                <a:ea typeface="돋움체" panose="020B0609000101010101" pitchFamily="49" charset="-127"/>
-              </a:rPr>
-              <a:t>                listView1.View = </a:t>
-            </a:r>
-            <a:r>
-              <a:rPr lang="en-US" altLang="ko-KR" sz="1050" dirty="0" err="1">
-                <a:solidFill>
-                  <a:srgbClr val="000000"/>
-                </a:solidFill>
-                <a:latin typeface="돋움체" panose="020B0609000101010101" pitchFamily="49" charset="-127"/>
-                <a:ea typeface="돋움체" panose="020B0609000101010101" pitchFamily="49" charset="-127"/>
-              </a:rPr>
-              <a:t>View.LargeIcon</a:t>
-            </a:r>
-            <a:r>
-              <a:rPr lang="en-US" altLang="ko-KR" sz="1050" dirty="0">
-                <a:solidFill>
-                  <a:srgbClr val="000000"/>
-                </a:solidFill>
-                <a:latin typeface="돋움체" panose="020B0609000101010101" pitchFamily="49" charset="-127"/>
-                <a:ea typeface="돋움체" panose="020B0609000101010101" pitchFamily="49" charset="-127"/>
-              </a:rPr>
-              <a:t>;</a:t>
-            </a:r>
-          </a:p>
-          <a:p>
-            <a:r>
-              <a:rPr lang="ko-KR" altLang="en-US" sz="1050" dirty="0">
-                <a:solidFill>
-                  <a:srgbClr val="000000"/>
-                </a:solidFill>
-                <a:latin typeface="돋움체" panose="020B0609000101010101" pitchFamily="49" charset="-127"/>
-                <a:ea typeface="돋움체" panose="020B0609000101010101" pitchFamily="49" charset="-127"/>
-              </a:rPr>
-              <a:t>        </a:t>
-            </a:r>
-            <a:r>
-              <a:rPr lang="en-US" altLang="ko-KR" sz="1050" dirty="0">
-                <a:solidFill>
-                  <a:srgbClr val="000000"/>
-                </a:solidFill>
-                <a:latin typeface="돋움체" panose="020B0609000101010101" pitchFamily="49" charset="-127"/>
-                <a:ea typeface="돋움체" panose="020B0609000101010101" pitchFamily="49" charset="-127"/>
-              </a:rPr>
-              <a:t>}</a:t>
-            </a:r>
-          </a:p>
-          <a:p>
-            <a:endParaRPr lang="ko-KR" altLang="en-US" sz="1050" dirty="0">
-              <a:solidFill>
-                <a:srgbClr val="000000"/>
-              </a:solidFill>
-              <a:latin typeface="돋움체" panose="020B0609000101010101" pitchFamily="49" charset="-127"/>
-              <a:ea typeface="돋움체" panose="020B0609000101010101" pitchFamily="49" charset="-127"/>
-            </a:endParaRPr>
-          </a:p>
-          <a:p>
-            <a:r>
-              <a:rPr lang="en-US" altLang="ko-KR" sz="1050" dirty="0">
-                <a:solidFill>
-                  <a:srgbClr val="000000"/>
-                </a:solidFill>
-                <a:latin typeface="돋움체" panose="020B0609000101010101" pitchFamily="49" charset="-127"/>
-                <a:ea typeface="돋움체" panose="020B0609000101010101" pitchFamily="49" charset="-127"/>
-              </a:rPr>
-              <a:t>        </a:t>
-            </a:r>
-            <a:r>
-              <a:rPr lang="en-US" altLang="ko-KR" sz="1050" dirty="0">
-                <a:solidFill>
-                  <a:srgbClr val="0000FF"/>
-                </a:solidFill>
-                <a:latin typeface="돋움체" panose="020B0609000101010101" pitchFamily="49" charset="-127"/>
-                <a:ea typeface="돋움체" panose="020B0609000101010101" pitchFamily="49" charset="-127"/>
-              </a:rPr>
-              <a:t>private</a:t>
-            </a:r>
-            <a:r>
-              <a:rPr lang="en-US" altLang="ko-KR" sz="1050" dirty="0">
-                <a:solidFill>
-                  <a:srgbClr val="000000"/>
-                </a:solidFill>
-                <a:latin typeface="돋움체" panose="020B0609000101010101" pitchFamily="49" charset="-127"/>
-                <a:ea typeface="돋움체" panose="020B0609000101010101" pitchFamily="49" charset="-127"/>
-              </a:rPr>
-              <a:t> </a:t>
-            </a:r>
-            <a:r>
-              <a:rPr lang="en-US" altLang="ko-KR" sz="1050" dirty="0">
-                <a:solidFill>
-                  <a:srgbClr val="0000FF"/>
-                </a:solidFill>
-                <a:latin typeface="돋움체" panose="020B0609000101010101" pitchFamily="49" charset="-127"/>
-                <a:ea typeface="돋움체" panose="020B0609000101010101" pitchFamily="49" charset="-127"/>
-              </a:rPr>
-              <a:t>void</a:t>
-            </a:r>
-            <a:r>
-              <a:rPr lang="en-US" altLang="ko-KR" sz="1050" dirty="0">
-                <a:solidFill>
-                  <a:srgbClr val="000000"/>
-                </a:solidFill>
-                <a:latin typeface="돋움체" panose="020B0609000101010101" pitchFamily="49" charset="-127"/>
-                <a:ea typeface="돋움체" panose="020B0609000101010101" pitchFamily="49" charset="-127"/>
-              </a:rPr>
-              <a:t> radioButton2_CheckedChanged(</a:t>
-            </a:r>
-            <a:r>
-              <a:rPr lang="en-US" altLang="ko-KR" sz="1050" dirty="0">
-                <a:solidFill>
-                  <a:srgbClr val="0000FF"/>
-                </a:solidFill>
-                <a:latin typeface="돋움체" panose="020B0609000101010101" pitchFamily="49" charset="-127"/>
-                <a:ea typeface="돋움체" panose="020B0609000101010101" pitchFamily="49" charset="-127"/>
-              </a:rPr>
-              <a:t>object</a:t>
-            </a:r>
-            <a:r>
-              <a:rPr lang="en-US" altLang="ko-KR" sz="1050" dirty="0">
-                <a:solidFill>
-                  <a:srgbClr val="000000"/>
-                </a:solidFill>
-                <a:latin typeface="돋움체" panose="020B0609000101010101" pitchFamily="49" charset="-127"/>
-                <a:ea typeface="돋움체" panose="020B0609000101010101" pitchFamily="49" charset="-127"/>
-              </a:rPr>
-              <a:t> sender, </a:t>
-            </a:r>
-            <a:r>
-              <a:rPr lang="en-US" altLang="ko-KR" sz="1050" dirty="0" err="1">
-                <a:solidFill>
-                  <a:srgbClr val="000000"/>
-                </a:solidFill>
-                <a:latin typeface="돋움체" panose="020B0609000101010101" pitchFamily="49" charset="-127"/>
-                <a:ea typeface="돋움체" panose="020B0609000101010101" pitchFamily="49" charset="-127"/>
-              </a:rPr>
-              <a:t>EventArgs</a:t>
-            </a:r>
-            <a:r>
-              <a:rPr lang="en-US" altLang="ko-KR" sz="1050" dirty="0">
-                <a:solidFill>
-                  <a:srgbClr val="000000"/>
-                </a:solidFill>
-                <a:latin typeface="돋움체" panose="020B0609000101010101" pitchFamily="49" charset="-127"/>
-                <a:ea typeface="돋움체" panose="020B0609000101010101" pitchFamily="49" charset="-127"/>
-              </a:rPr>
-              <a:t> e)</a:t>
-            </a:r>
-          </a:p>
-          <a:p>
-            <a:r>
-              <a:rPr lang="ko-KR" altLang="en-US" sz="1050" dirty="0">
-                <a:solidFill>
-                  <a:srgbClr val="000000"/>
-                </a:solidFill>
-                <a:latin typeface="돋움체" panose="020B0609000101010101" pitchFamily="49" charset="-127"/>
-                <a:ea typeface="돋움체" panose="020B0609000101010101" pitchFamily="49" charset="-127"/>
-              </a:rPr>
-              <a:t>        </a:t>
-            </a:r>
-            <a:r>
-              <a:rPr lang="en-US" altLang="ko-KR" sz="1050" dirty="0">
-                <a:solidFill>
-                  <a:srgbClr val="000000"/>
-                </a:solidFill>
-                <a:latin typeface="돋움체" panose="020B0609000101010101" pitchFamily="49" charset="-127"/>
-                <a:ea typeface="돋움체" panose="020B0609000101010101" pitchFamily="49" charset="-127"/>
-              </a:rPr>
-              <a:t>{</a:t>
-            </a:r>
-          </a:p>
-          <a:p>
-            <a:r>
-              <a:rPr lang="en-US" altLang="ko-KR" sz="1050" dirty="0">
-                <a:solidFill>
-                  <a:srgbClr val="000000"/>
-                </a:solidFill>
-                <a:latin typeface="돋움체" panose="020B0609000101010101" pitchFamily="49" charset="-127"/>
-                <a:ea typeface="돋움체" panose="020B0609000101010101" pitchFamily="49" charset="-127"/>
-              </a:rPr>
-              <a:t>            </a:t>
-            </a:r>
-            <a:r>
-              <a:rPr lang="en-US" altLang="ko-KR" sz="1050" dirty="0">
-                <a:solidFill>
-                  <a:srgbClr val="0000FF"/>
-                </a:solidFill>
-                <a:latin typeface="돋움체" panose="020B0609000101010101" pitchFamily="49" charset="-127"/>
-                <a:ea typeface="돋움체" panose="020B0609000101010101" pitchFamily="49" charset="-127"/>
-              </a:rPr>
-              <a:t>if</a:t>
-            </a:r>
-            <a:r>
-              <a:rPr lang="en-US" altLang="ko-KR" sz="1050" dirty="0">
-                <a:solidFill>
-                  <a:srgbClr val="000000"/>
-                </a:solidFill>
-                <a:latin typeface="돋움체" panose="020B0609000101010101" pitchFamily="49" charset="-127"/>
-                <a:ea typeface="돋움체" panose="020B0609000101010101" pitchFamily="49" charset="-127"/>
-              </a:rPr>
-              <a:t> (radioButton2.Checked)</a:t>
-            </a:r>
-          </a:p>
-          <a:p>
-            <a:r>
-              <a:rPr lang="ko-KR" altLang="en-US" sz="1050" dirty="0">
-                <a:solidFill>
-                  <a:srgbClr val="000000"/>
-                </a:solidFill>
-                <a:latin typeface="돋움체" panose="020B0609000101010101" pitchFamily="49" charset="-127"/>
-                <a:ea typeface="돋움체" panose="020B0609000101010101" pitchFamily="49" charset="-127"/>
-              </a:rPr>
-              <a:t>                </a:t>
-            </a:r>
-            <a:r>
-              <a:rPr lang="en-US" altLang="ko-KR" sz="1050" dirty="0">
-                <a:solidFill>
-                  <a:srgbClr val="008000"/>
-                </a:solidFill>
-                <a:latin typeface="돋움체" panose="020B0609000101010101" pitchFamily="49" charset="-127"/>
-                <a:ea typeface="돋움체" panose="020B0609000101010101" pitchFamily="49" charset="-127"/>
-              </a:rPr>
-              <a:t>// </a:t>
-            </a:r>
-            <a:r>
-              <a:rPr lang="ko-KR" altLang="en-US" sz="1050" dirty="0">
-                <a:solidFill>
-                  <a:srgbClr val="008000"/>
-                </a:solidFill>
-                <a:latin typeface="돋움체" panose="020B0609000101010101" pitchFamily="49" charset="-127"/>
-                <a:ea typeface="돋움체" panose="020B0609000101010101" pitchFamily="49" charset="-127"/>
-              </a:rPr>
-              <a:t>리스트 뷰의 항목을 작은 아이콘 형태로 보여준다</a:t>
-            </a:r>
-            <a:r>
-              <a:rPr lang="en-US" altLang="ko-KR" sz="1050" dirty="0">
-                <a:solidFill>
-                  <a:srgbClr val="008000"/>
-                </a:solidFill>
-                <a:latin typeface="돋움체" panose="020B0609000101010101" pitchFamily="49" charset="-127"/>
-                <a:ea typeface="돋움체" panose="020B0609000101010101" pitchFamily="49" charset="-127"/>
-              </a:rPr>
-              <a:t>.</a:t>
-            </a:r>
-            <a:endParaRPr lang="ko-KR" altLang="en-US" sz="1050" dirty="0">
-              <a:solidFill>
-                <a:srgbClr val="000000"/>
-              </a:solidFill>
-              <a:latin typeface="돋움체" panose="020B0609000101010101" pitchFamily="49" charset="-127"/>
-              <a:ea typeface="돋움체" panose="020B0609000101010101" pitchFamily="49" charset="-127"/>
-            </a:endParaRPr>
-          </a:p>
-          <a:p>
-            <a:r>
-              <a:rPr lang="en-US" altLang="ko-KR" sz="1050" dirty="0">
-                <a:solidFill>
-                  <a:srgbClr val="000000"/>
-                </a:solidFill>
-                <a:latin typeface="돋움체" panose="020B0609000101010101" pitchFamily="49" charset="-127"/>
-                <a:ea typeface="돋움체" panose="020B0609000101010101" pitchFamily="49" charset="-127"/>
-              </a:rPr>
-              <a:t>                listView1.View = </a:t>
-            </a:r>
-            <a:r>
-              <a:rPr lang="en-US" altLang="ko-KR" sz="1050" dirty="0" err="1">
-                <a:solidFill>
-                  <a:srgbClr val="000000"/>
-                </a:solidFill>
-                <a:latin typeface="돋움체" panose="020B0609000101010101" pitchFamily="49" charset="-127"/>
-                <a:ea typeface="돋움체" panose="020B0609000101010101" pitchFamily="49" charset="-127"/>
-              </a:rPr>
-              <a:t>View.SmallIcon</a:t>
-            </a:r>
-            <a:r>
-              <a:rPr lang="en-US" altLang="ko-KR" sz="1050" dirty="0">
-                <a:solidFill>
-                  <a:srgbClr val="000000"/>
-                </a:solidFill>
-                <a:latin typeface="돋움체" panose="020B0609000101010101" pitchFamily="49" charset="-127"/>
-                <a:ea typeface="돋움체" panose="020B0609000101010101" pitchFamily="49" charset="-127"/>
-              </a:rPr>
-              <a:t>;</a:t>
-            </a:r>
-          </a:p>
-          <a:p>
-            <a:r>
-              <a:rPr lang="ko-KR" altLang="en-US" sz="1050" dirty="0">
-                <a:solidFill>
-                  <a:srgbClr val="000000"/>
-                </a:solidFill>
-                <a:latin typeface="돋움체" panose="020B0609000101010101" pitchFamily="49" charset="-127"/>
-                <a:ea typeface="돋움체" panose="020B0609000101010101" pitchFamily="49" charset="-127"/>
-              </a:rPr>
-              <a:t>        </a:t>
-            </a:r>
-            <a:r>
-              <a:rPr lang="en-US" altLang="ko-KR" sz="1050" dirty="0">
-                <a:solidFill>
-                  <a:srgbClr val="000000"/>
-                </a:solidFill>
-                <a:latin typeface="돋움체" panose="020B0609000101010101" pitchFamily="49" charset="-127"/>
-                <a:ea typeface="돋움체" panose="020B0609000101010101" pitchFamily="49" charset="-127"/>
-              </a:rPr>
-              <a:t>}</a:t>
-            </a:r>
-          </a:p>
-          <a:p>
-            <a:endParaRPr lang="ko-KR" altLang="en-US" sz="1050" dirty="0">
-              <a:solidFill>
-                <a:srgbClr val="000000"/>
-              </a:solidFill>
-              <a:latin typeface="돋움체" panose="020B0609000101010101" pitchFamily="49" charset="-127"/>
-              <a:ea typeface="돋움체" panose="020B0609000101010101" pitchFamily="49" charset="-127"/>
-            </a:endParaRPr>
-          </a:p>
-          <a:p>
-            <a:endParaRPr lang="en-US" altLang="ko-KR" sz="1050" dirty="0">
-              <a:solidFill>
-                <a:srgbClr val="000000"/>
-              </a:solidFill>
-              <a:latin typeface="돋움체" panose="020B0609000101010101" pitchFamily="49" charset="-127"/>
-              <a:ea typeface="돋움체" panose="020B0609000101010101" pitchFamily="49" charset="-127"/>
-            </a:endParaRPr>
-          </a:p>
-        </p:txBody>
-      </p:sp>
-      <p:pic>
-        <p:nvPicPr>
-          <p:cNvPr id="6" name="그림 5">
-            <a:extLst>
-              <a:ext uri="{FF2B5EF4-FFF2-40B4-BE49-F238E27FC236}">
-                <a16:creationId xmlns:a16="http://schemas.microsoft.com/office/drawing/2014/main" id="{D6571F06-F631-4F12-B2C7-DF1166EB84A1}"/>
-              </a:ext>
-            </a:extLst>
-          </p:cNvPr>
-          <p:cNvPicPr>
-            <a:picLocks noChangeAspect="1"/>
-          </p:cNvPicPr>
-          <p:nvPr/>
-        </p:nvPicPr>
-        <p:blipFill>
-          <a:blip r:embed="rId2"/>
-          <a:stretch>
-            <a:fillRect/>
-          </a:stretch>
-        </p:blipFill>
-        <p:spPr>
-          <a:xfrm>
-            <a:off x="0" y="75217"/>
-            <a:ext cx="2306680" cy="2801446"/>
-          </a:xfrm>
-          <a:prstGeom prst="rect">
-            <a:avLst/>
-          </a:prstGeom>
-        </p:spPr>
-      </p:pic>
-      <p:sp>
-        <p:nvSpPr>
-          <p:cNvPr id="9" name="TextBox 8">
-            <a:extLst>
-              <a:ext uri="{FF2B5EF4-FFF2-40B4-BE49-F238E27FC236}">
-                <a16:creationId xmlns:a16="http://schemas.microsoft.com/office/drawing/2014/main" id="{EBAB9E4E-176A-4FEE-B120-18AD8B0A6DA1}"/>
-              </a:ext>
-            </a:extLst>
-          </p:cNvPr>
-          <p:cNvSpPr txBox="1"/>
-          <p:nvPr/>
-        </p:nvSpPr>
-        <p:spPr>
-          <a:xfrm>
-            <a:off x="7934036" y="224325"/>
-            <a:ext cx="3897746" cy="5170646"/>
-          </a:xfrm>
-          <a:prstGeom prst="rect">
-            <a:avLst/>
-          </a:prstGeom>
-          <a:noFill/>
-        </p:spPr>
-        <p:txBody>
-          <a:bodyPr wrap="square">
-            <a:spAutoFit/>
-          </a:bodyPr>
-          <a:lstStyle/>
-          <a:p>
-            <a:r>
-              <a:rPr lang="en-US" altLang="ko-KR" sz="1100" dirty="0">
-                <a:solidFill>
-                  <a:srgbClr val="000000"/>
-                </a:solidFill>
-                <a:latin typeface="돋움체" panose="020B0609000101010101" pitchFamily="49" charset="-127"/>
-                <a:ea typeface="돋움체" panose="020B0609000101010101" pitchFamily="49" charset="-127"/>
-              </a:rPr>
-              <a:t> </a:t>
-            </a:r>
-            <a:r>
-              <a:rPr lang="en-US" altLang="ko-KR" sz="1100" dirty="0">
-                <a:solidFill>
-                  <a:srgbClr val="0000FF"/>
-                </a:solidFill>
-                <a:latin typeface="돋움체" panose="020B0609000101010101" pitchFamily="49" charset="-127"/>
-                <a:ea typeface="돋움체" panose="020B0609000101010101" pitchFamily="49" charset="-127"/>
-              </a:rPr>
-              <a:t>private</a:t>
-            </a:r>
-            <a:r>
-              <a:rPr lang="en-US" altLang="ko-KR" sz="1100" dirty="0">
-                <a:solidFill>
-                  <a:srgbClr val="000000"/>
-                </a:solidFill>
-                <a:latin typeface="돋움체" panose="020B0609000101010101" pitchFamily="49" charset="-127"/>
-                <a:ea typeface="돋움체" panose="020B0609000101010101" pitchFamily="49" charset="-127"/>
-              </a:rPr>
-              <a:t> </a:t>
-            </a:r>
-            <a:r>
-              <a:rPr lang="en-US" altLang="ko-KR" sz="1100" dirty="0">
-                <a:solidFill>
-                  <a:srgbClr val="0000FF"/>
-                </a:solidFill>
-                <a:latin typeface="돋움체" panose="020B0609000101010101" pitchFamily="49" charset="-127"/>
-                <a:ea typeface="돋움체" panose="020B0609000101010101" pitchFamily="49" charset="-127"/>
-              </a:rPr>
-              <a:t>void</a:t>
-            </a:r>
-            <a:r>
-              <a:rPr lang="en-US" altLang="ko-KR" sz="1100" dirty="0">
-                <a:solidFill>
-                  <a:srgbClr val="000000"/>
-                </a:solidFill>
-                <a:latin typeface="돋움체" panose="020B0609000101010101" pitchFamily="49" charset="-127"/>
-                <a:ea typeface="돋움체" panose="020B0609000101010101" pitchFamily="49" charset="-127"/>
-              </a:rPr>
-              <a:t> radioButton3_CheckedChanged(</a:t>
-            </a:r>
-            <a:r>
-              <a:rPr lang="en-US" altLang="ko-KR" sz="1100" dirty="0">
-                <a:solidFill>
-                  <a:srgbClr val="0000FF"/>
-                </a:solidFill>
-                <a:latin typeface="돋움체" panose="020B0609000101010101" pitchFamily="49" charset="-127"/>
-                <a:ea typeface="돋움체" panose="020B0609000101010101" pitchFamily="49" charset="-127"/>
-              </a:rPr>
-              <a:t>object</a:t>
-            </a:r>
-            <a:r>
-              <a:rPr lang="en-US" altLang="ko-KR" sz="1100" dirty="0">
-                <a:solidFill>
-                  <a:srgbClr val="000000"/>
-                </a:solidFill>
-                <a:latin typeface="돋움체" panose="020B0609000101010101" pitchFamily="49" charset="-127"/>
-                <a:ea typeface="돋움체" panose="020B0609000101010101" pitchFamily="49" charset="-127"/>
-              </a:rPr>
-              <a:t> sender, </a:t>
-            </a:r>
-            <a:r>
-              <a:rPr lang="en-US" altLang="ko-KR" sz="1100" dirty="0" err="1">
-                <a:solidFill>
-                  <a:srgbClr val="000000"/>
-                </a:solidFill>
-                <a:latin typeface="돋움체" panose="020B0609000101010101" pitchFamily="49" charset="-127"/>
-                <a:ea typeface="돋움체" panose="020B0609000101010101" pitchFamily="49" charset="-127"/>
-              </a:rPr>
-              <a:t>EventArgs</a:t>
-            </a:r>
-            <a:r>
-              <a:rPr lang="en-US" altLang="ko-KR" sz="1100" dirty="0">
-                <a:solidFill>
-                  <a:srgbClr val="000000"/>
-                </a:solidFill>
-                <a:latin typeface="돋움체" panose="020B0609000101010101" pitchFamily="49" charset="-127"/>
-                <a:ea typeface="돋움체" panose="020B0609000101010101" pitchFamily="49" charset="-127"/>
-              </a:rPr>
-              <a:t> e)</a:t>
-            </a:r>
-          </a:p>
-          <a:p>
-            <a:r>
-              <a:rPr lang="ko-KR" altLang="en-US" sz="1100" dirty="0">
-                <a:solidFill>
-                  <a:srgbClr val="000000"/>
-                </a:solidFill>
-                <a:latin typeface="돋움체" panose="020B0609000101010101" pitchFamily="49" charset="-127"/>
-                <a:ea typeface="돋움체" panose="020B0609000101010101" pitchFamily="49" charset="-127"/>
-              </a:rPr>
-              <a:t>        </a:t>
-            </a:r>
-            <a:r>
-              <a:rPr lang="en-US" altLang="ko-KR" sz="1100" dirty="0">
-                <a:solidFill>
-                  <a:srgbClr val="000000"/>
-                </a:solidFill>
-                <a:latin typeface="돋움체" panose="020B0609000101010101" pitchFamily="49" charset="-127"/>
-                <a:ea typeface="돋움체" panose="020B0609000101010101" pitchFamily="49" charset="-127"/>
-              </a:rPr>
-              <a:t>{</a:t>
-            </a:r>
-          </a:p>
-          <a:p>
-            <a:r>
-              <a:rPr lang="en-US" altLang="ko-KR" sz="1100" dirty="0">
-                <a:solidFill>
-                  <a:srgbClr val="000000"/>
-                </a:solidFill>
-                <a:latin typeface="돋움체" panose="020B0609000101010101" pitchFamily="49" charset="-127"/>
-                <a:ea typeface="돋움체" panose="020B0609000101010101" pitchFamily="49" charset="-127"/>
-              </a:rPr>
-              <a:t>            </a:t>
-            </a:r>
-            <a:r>
-              <a:rPr lang="en-US" altLang="ko-KR" sz="1100" dirty="0">
-                <a:solidFill>
-                  <a:srgbClr val="0000FF"/>
-                </a:solidFill>
-                <a:latin typeface="돋움체" panose="020B0609000101010101" pitchFamily="49" charset="-127"/>
-                <a:ea typeface="돋움체" panose="020B0609000101010101" pitchFamily="49" charset="-127"/>
-              </a:rPr>
-              <a:t>if</a:t>
-            </a:r>
-            <a:r>
-              <a:rPr lang="en-US" altLang="ko-KR" sz="1100" dirty="0">
-                <a:solidFill>
-                  <a:srgbClr val="000000"/>
-                </a:solidFill>
-                <a:latin typeface="돋움체" panose="020B0609000101010101" pitchFamily="49" charset="-127"/>
-                <a:ea typeface="돋움체" panose="020B0609000101010101" pitchFamily="49" charset="-127"/>
-              </a:rPr>
-              <a:t> (radioButton3.Checked)</a:t>
-            </a:r>
-          </a:p>
-          <a:p>
-            <a:r>
-              <a:rPr lang="ko-KR" altLang="en-US" sz="1100" dirty="0">
-                <a:solidFill>
-                  <a:srgbClr val="000000"/>
-                </a:solidFill>
-                <a:latin typeface="돋움체" panose="020B0609000101010101" pitchFamily="49" charset="-127"/>
-                <a:ea typeface="돋움체" panose="020B0609000101010101" pitchFamily="49" charset="-127"/>
-              </a:rPr>
-              <a:t>                </a:t>
-            </a:r>
-            <a:r>
-              <a:rPr lang="en-US" altLang="ko-KR" sz="1100" dirty="0">
-                <a:solidFill>
-                  <a:srgbClr val="008000"/>
-                </a:solidFill>
-                <a:latin typeface="돋움체" panose="020B0609000101010101" pitchFamily="49" charset="-127"/>
-                <a:ea typeface="돋움체" panose="020B0609000101010101" pitchFamily="49" charset="-127"/>
-              </a:rPr>
-              <a:t>// </a:t>
-            </a:r>
-            <a:r>
-              <a:rPr lang="ko-KR" altLang="en-US" sz="1100" dirty="0">
-                <a:solidFill>
-                  <a:srgbClr val="008000"/>
-                </a:solidFill>
-                <a:latin typeface="돋움체" panose="020B0609000101010101" pitchFamily="49" charset="-127"/>
-                <a:ea typeface="돋움체" panose="020B0609000101010101" pitchFamily="49" charset="-127"/>
-              </a:rPr>
-              <a:t>리스트 뷰의 항목을 간단한 리스트 형태로 보여준다</a:t>
-            </a:r>
-            <a:r>
-              <a:rPr lang="en-US" altLang="ko-KR" sz="1100" dirty="0">
-                <a:solidFill>
-                  <a:srgbClr val="008000"/>
-                </a:solidFill>
-                <a:latin typeface="돋움체" panose="020B0609000101010101" pitchFamily="49" charset="-127"/>
-                <a:ea typeface="돋움체" panose="020B0609000101010101" pitchFamily="49" charset="-127"/>
-              </a:rPr>
-              <a:t>.</a:t>
-            </a:r>
-            <a:endParaRPr lang="ko-KR" altLang="en-US" sz="1100" dirty="0">
-              <a:solidFill>
-                <a:srgbClr val="000000"/>
-              </a:solidFill>
-              <a:latin typeface="돋움체" panose="020B0609000101010101" pitchFamily="49" charset="-127"/>
-              <a:ea typeface="돋움체" panose="020B0609000101010101" pitchFamily="49" charset="-127"/>
-            </a:endParaRPr>
-          </a:p>
-          <a:p>
-            <a:r>
-              <a:rPr lang="en-US" altLang="ko-KR" sz="1100" dirty="0">
-                <a:solidFill>
-                  <a:srgbClr val="000000"/>
-                </a:solidFill>
-                <a:latin typeface="돋움체" panose="020B0609000101010101" pitchFamily="49" charset="-127"/>
-                <a:ea typeface="돋움체" panose="020B0609000101010101" pitchFamily="49" charset="-127"/>
-              </a:rPr>
-              <a:t>                listView1.View = </a:t>
-            </a:r>
-            <a:r>
-              <a:rPr lang="en-US" altLang="ko-KR" sz="1100" dirty="0" err="1">
-                <a:solidFill>
-                  <a:srgbClr val="000000"/>
-                </a:solidFill>
-                <a:latin typeface="돋움체" panose="020B0609000101010101" pitchFamily="49" charset="-127"/>
-                <a:ea typeface="돋움체" panose="020B0609000101010101" pitchFamily="49" charset="-127"/>
-              </a:rPr>
-              <a:t>View.List</a:t>
-            </a:r>
-            <a:r>
-              <a:rPr lang="en-US" altLang="ko-KR" sz="1100" dirty="0">
-                <a:solidFill>
-                  <a:srgbClr val="000000"/>
-                </a:solidFill>
-                <a:latin typeface="돋움체" panose="020B0609000101010101" pitchFamily="49" charset="-127"/>
-                <a:ea typeface="돋움체" panose="020B0609000101010101" pitchFamily="49" charset="-127"/>
-              </a:rPr>
-              <a:t>;</a:t>
-            </a:r>
-          </a:p>
-          <a:p>
-            <a:r>
-              <a:rPr lang="ko-KR" altLang="en-US" sz="1100" dirty="0">
-                <a:solidFill>
-                  <a:srgbClr val="000000"/>
-                </a:solidFill>
-                <a:latin typeface="돋움체" panose="020B0609000101010101" pitchFamily="49" charset="-127"/>
-                <a:ea typeface="돋움체" panose="020B0609000101010101" pitchFamily="49" charset="-127"/>
-              </a:rPr>
-              <a:t>        </a:t>
-            </a:r>
-            <a:r>
-              <a:rPr lang="en-US" altLang="ko-KR" sz="1100" dirty="0">
-                <a:solidFill>
-                  <a:srgbClr val="000000"/>
-                </a:solidFill>
-                <a:latin typeface="돋움체" panose="020B0609000101010101" pitchFamily="49" charset="-127"/>
-                <a:ea typeface="돋움체" panose="020B0609000101010101" pitchFamily="49" charset="-127"/>
-              </a:rPr>
-              <a:t>}</a:t>
-            </a:r>
-          </a:p>
-          <a:p>
-            <a:endParaRPr lang="ko-KR" altLang="en-US" sz="1100" dirty="0">
-              <a:solidFill>
-                <a:srgbClr val="000000"/>
-              </a:solidFill>
-              <a:latin typeface="돋움체" panose="020B0609000101010101" pitchFamily="49" charset="-127"/>
-              <a:ea typeface="돋움체" panose="020B0609000101010101" pitchFamily="49" charset="-127"/>
-            </a:endParaRPr>
-          </a:p>
-          <a:p>
-            <a:r>
-              <a:rPr lang="en-US" altLang="ko-KR" sz="1100" dirty="0">
-                <a:solidFill>
-                  <a:srgbClr val="000000"/>
-                </a:solidFill>
-                <a:latin typeface="돋움체" panose="020B0609000101010101" pitchFamily="49" charset="-127"/>
-                <a:ea typeface="돋움체" panose="020B0609000101010101" pitchFamily="49" charset="-127"/>
-              </a:rPr>
-              <a:t>        </a:t>
-            </a:r>
-            <a:r>
-              <a:rPr lang="en-US" altLang="ko-KR" sz="1100" dirty="0">
-                <a:solidFill>
-                  <a:srgbClr val="0000FF"/>
-                </a:solidFill>
-                <a:latin typeface="돋움체" panose="020B0609000101010101" pitchFamily="49" charset="-127"/>
-                <a:ea typeface="돋움체" panose="020B0609000101010101" pitchFamily="49" charset="-127"/>
-              </a:rPr>
-              <a:t>private</a:t>
-            </a:r>
-            <a:r>
-              <a:rPr lang="en-US" altLang="ko-KR" sz="1100" dirty="0">
-                <a:solidFill>
-                  <a:srgbClr val="000000"/>
-                </a:solidFill>
-                <a:latin typeface="돋움체" panose="020B0609000101010101" pitchFamily="49" charset="-127"/>
-                <a:ea typeface="돋움체" panose="020B0609000101010101" pitchFamily="49" charset="-127"/>
-              </a:rPr>
-              <a:t> </a:t>
-            </a:r>
-            <a:r>
-              <a:rPr lang="en-US" altLang="ko-KR" sz="1100" dirty="0">
-                <a:solidFill>
-                  <a:srgbClr val="0000FF"/>
-                </a:solidFill>
-                <a:latin typeface="돋움체" panose="020B0609000101010101" pitchFamily="49" charset="-127"/>
-                <a:ea typeface="돋움체" panose="020B0609000101010101" pitchFamily="49" charset="-127"/>
-              </a:rPr>
-              <a:t>void</a:t>
-            </a:r>
-            <a:r>
-              <a:rPr lang="en-US" altLang="ko-KR" sz="1100" dirty="0">
-                <a:solidFill>
-                  <a:srgbClr val="000000"/>
-                </a:solidFill>
-                <a:latin typeface="돋움체" panose="020B0609000101010101" pitchFamily="49" charset="-127"/>
-                <a:ea typeface="돋움체" panose="020B0609000101010101" pitchFamily="49" charset="-127"/>
-              </a:rPr>
-              <a:t> radioButton4_CheckedChanged(</a:t>
-            </a:r>
-            <a:r>
-              <a:rPr lang="en-US" altLang="ko-KR" sz="1100" dirty="0">
-                <a:solidFill>
-                  <a:srgbClr val="0000FF"/>
-                </a:solidFill>
-                <a:latin typeface="돋움체" panose="020B0609000101010101" pitchFamily="49" charset="-127"/>
-                <a:ea typeface="돋움체" panose="020B0609000101010101" pitchFamily="49" charset="-127"/>
-              </a:rPr>
-              <a:t>object</a:t>
-            </a:r>
-            <a:r>
-              <a:rPr lang="en-US" altLang="ko-KR" sz="1100" dirty="0">
-                <a:solidFill>
-                  <a:srgbClr val="000000"/>
-                </a:solidFill>
-                <a:latin typeface="돋움체" panose="020B0609000101010101" pitchFamily="49" charset="-127"/>
-                <a:ea typeface="돋움체" panose="020B0609000101010101" pitchFamily="49" charset="-127"/>
-              </a:rPr>
-              <a:t> sender, </a:t>
-            </a:r>
-            <a:r>
-              <a:rPr lang="en-US" altLang="ko-KR" sz="1100" dirty="0" err="1">
-                <a:solidFill>
-                  <a:srgbClr val="000000"/>
-                </a:solidFill>
-                <a:latin typeface="돋움체" panose="020B0609000101010101" pitchFamily="49" charset="-127"/>
-                <a:ea typeface="돋움체" panose="020B0609000101010101" pitchFamily="49" charset="-127"/>
-              </a:rPr>
-              <a:t>EventArgs</a:t>
-            </a:r>
-            <a:r>
-              <a:rPr lang="en-US" altLang="ko-KR" sz="1100" dirty="0">
-                <a:solidFill>
-                  <a:srgbClr val="000000"/>
-                </a:solidFill>
-                <a:latin typeface="돋움체" panose="020B0609000101010101" pitchFamily="49" charset="-127"/>
-                <a:ea typeface="돋움체" panose="020B0609000101010101" pitchFamily="49" charset="-127"/>
-              </a:rPr>
-              <a:t> e)</a:t>
-            </a:r>
-          </a:p>
-          <a:p>
-            <a:r>
-              <a:rPr lang="ko-KR" altLang="en-US" sz="1100" dirty="0">
-                <a:solidFill>
-                  <a:srgbClr val="000000"/>
-                </a:solidFill>
-                <a:latin typeface="돋움체" panose="020B0609000101010101" pitchFamily="49" charset="-127"/>
-                <a:ea typeface="돋움체" panose="020B0609000101010101" pitchFamily="49" charset="-127"/>
-              </a:rPr>
-              <a:t>        </a:t>
-            </a:r>
-            <a:r>
-              <a:rPr lang="en-US" altLang="ko-KR" sz="1100" dirty="0">
-                <a:solidFill>
-                  <a:srgbClr val="000000"/>
-                </a:solidFill>
-                <a:latin typeface="돋움체" panose="020B0609000101010101" pitchFamily="49" charset="-127"/>
-                <a:ea typeface="돋움체" panose="020B0609000101010101" pitchFamily="49" charset="-127"/>
-              </a:rPr>
-              <a:t>{</a:t>
-            </a:r>
-          </a:p>
-          <a:p>
-            <a:r>
-              <a:rPr lang="en-US" altLang="ko-KR" sz="1100" dirty="0">
-                <a:solidFill>
-                  <a:srgbClr val="000000"/>
-                </a:solidFill>
-                <a:latin typeface="돋움체" panose="020B0609000101010101" pitchFamily="49" charset="-127"/>
-                <a:ea typeface="돋움체" panose="020B0609000101010101" pitchFamily="49" charset="-127"/>
-              </a:rPr>
-              <a:t>            </a:t>
-            </a:r>
-            <a:r>
-              <a:rPr lang="en-US" altLang="ko-KR" sz="1100" dirty="0">
-                <a:solidFill>
-                  <a:srgbClr val="0000FF"/>
-                </a:solidFill>
-                <a:latin typeface="돋움체" panose="020B0609000101010101" pitchFamily="49" charset="-127"/>
-                <a:ea typeface="돋움체" panose="020B0609000101010101" pitchFamily="49" charset="-127"/>
-              </a:rPr>
-              <a:t>if</a:t>
-            </a:r>
-            <a:r>
-              <a:rPr lang="en-US" altLang="ko-KR" sz="1100" dirty="0">
-                <a:solidFill>
-                  <a:srgbClr val="000000"/>
-                </a:solidFill>
-                <a:latin typeface="돋움체" panose="020B0609000101010101" pitchFamily="49" charset="-127"/>
-                <a:ea typeface="돋움체" panose="020B0609000101010101" pitchFamily="49" charset="-127"/>
-              </a:rPr>
-              <a:t> (radioButton4.Checked)</a:t>
-            </a:r>
-          </a:p>
-          <a:p>
-            <a:r>
-              <a:rPr lang="ko-KR" altLang="en-US" sz="1100" dirty="0">
-                <a:solidFill>
-                  <a:srgbClr val="000000"/>
-                </a:solidFill>
-                <a:latin typeface="돋움체" panose="020B0609000101010101" pitchFamily="49" charset="-127"/>
-                <a:ea typeface="돋움체" panose="020B0609000101010101" pitchFamily="49" charset="-127"/>
-              </a:rPr>
-              <a:t>                </a:t>
-            </a:r>
-            <a:r>
-              <a:rPr lang="en-US" altLang="ko-KR" sz="1100" dirty="0">
-                <a:solidFill>
-                  <a:srgbClr val="008000"/>
-                </a:solidFill>
-                <a:latin typeface="돋움체" panose="020B0609000101010101" pitchFamily="49" charset="-127"/>
-                <a:ea typeface="돋움체" panose="020B0609000101010101" pitchFamily="49" charset="-127"/>
-              </a:rPr>
-              <a:t>// </a:t>
-            </a:r>
-            <a:r>
-              <a:rPr lang="ko-KR" altLang="en-US" sz="1100" dirty="0">
-                <a:solidFill>
-                  <a:srgbClr val="008000"/>
-                </a:solidFill>
-                <a:latin typeface="돋움체" panose="020B0609000101010101" pitchFamily="49" charset="-127"/>
-                <a:ea typeface="돋움체" panose="020B0609000101010101" pitchFamily="49" charset="-127"/>
-              </a:rPr>
-              <a:t>리스트 뷰의 항목을 자세한 리스트 형태로 보여준다</a:t>
-            </a:r>
-            <a:r>
-              <a:rPr lang="en-US" altLang="ko-KR" sz="1100" dirty="0">
-                <a:solidFill>
-                  <a:srgbClr val="008000"/>
-                </a:solidFill>
-                <a:latin typeface="돋움체" panose="020B0609000101010101" pitchFamily="49" charset="-127"/>
-                <a:ea typeface="돋움체" panose="020B0609000101010101" pitchFamily="49" charset="-127"/>
-              </a:rPr>
-              <a:t>.</a:t>
-            </a:r>
-            <a:endParaRPr lang="ko-KR" altLang="en-US" sz="1100" dirty="0">
-              <a:solidFill>
-                <a:srgbClr val="000000"/>
-              </a:solidFill>
-              <a:latin typeface="돋움체" panose="020B0609000101010101" pitchFamily="49" charset="-127"/>
-              <a:ea typeface="돋움체" panose="020B0609000101010101" pitchFamily="49" charset="-127"/>
-            </a:endParaRPr>
-          </a:p>
-          <a:p>
-            <a:r>
-              <a:rPr lang="en-US" altLang="ko-KR" sz="1100" dirty="0">
-                <a:solidFill>
-                  <a:srgbClr val="000000"/>
-                </a:solidFill>
-                <a:latin typeface="돋움체" panose="020B0609000101010101" pitchFamily="49" charset="-127"/>
-                <a:ea typeface="돋움체" panose="020B0609000101010101" pitchFamily="49" charset="-127"/>
-              </a:rPr>
-              <a:t>                listView1.View = </a:t>
-            </a:r>
-            <a:r>
-              <a:rPr lang="en-US" altLang="ko-KR" sz="1100" dirty="0" err="1">
-                <a:solidFill>
-                  <a:srgbClr val="000000"/>
-                </a:solidFill>
-                <a:latin typeface="돋움체" panose="020B0609000101010101" pitchFamily="49" charset="-127"/>
-                <a:ea typeface="돋움체" panose="020B0609000101010101" pitchFamily="49" charset="-127"/>
-              </a:rPr>
-              <a:t>View.Details</a:t>
-            </a:r>
-            <a:r>
-              <a:rPr lang="en-US" altLang="ko-KR" sz="1100" dirty="0">
-                <a:solidFill>
-                  <a:srgbClr val="000000"/>
-                </a:solidFill>
-                <a:latin typeface="돋움체" panose="020B0609000101010101" pitchFamily="49" charset="-127"/>
-                <a:ea typeface="돋움체" panose="020B0609000101010101" pitchFamily="49" charset="-127"/>
-              </a:rPr>
-              <a:t>;</a:t>
-            </a:r>
-          </a:p>
-          <a:p>
-            <a:r>
-              <a:rPr lang="ko-KR" altLang="en-US" sz="1100" dirty="0">
-                <a:solidFill>
-                  <a:srgbClr val="000000"/>
-                </a:solidFill>
-                <a:latin typeface="돋움체" panose="020B0609000101010101" pitchFamily="49" charset="-127"/>
-                <a:ea typeface="돋움체" panose="020B0609000101010101" pitchFamily="49" charset="-127"/>
-              </a:rPr>
-              <a:t>        </a:t>
-            </a:r>
-            <a:r>
-              <a:rPr lang="en-US" altLang="ko-KR" sz="1100" dirty="0">
-                <a:solidFill>
-                  <a:srgbClr val="000000"/>
-                </a:solidFill>
-                <a:latin typeface="돋움체" panose="020B0609000101010101" pitchFamily="49" charset="-127"/>
-                <a:ea typeface="돋움체" panose="020B0609000101010101" pitchFamily="49" charset="-127"/>
-              </a:rPr>
-              <a:t>}</a:t>
-            </a:r>
-          </a:p>
-          <a:p>
-            <a:endParaRPr lang="ko-KR" altLang="en-US" sz="1100" dirty="0">
-              <a:solidFill>
-                <a:srgbClr val="000000"/>
-              </a:solidFill>
-              <a:latin typeface="돋움체" panose="020B0609000101010101" pitchFamily="49" charset="-127"/>
-              <a:ea typeface="돋움체" panose="020B0609000101010101" pitchFamily="49" charset="-127"/>
-            </a:endParaRPr>
-          </a:p>
-          <a:p>
-            <a:r>
-              <a:rPr lang="en-US" altLang="ko-KR" sz="1100" dirty="0">
-                <a:solidFill>
-                  <a:srgbClr val="000000"/>
-                </a:solidFill>
-                <a:latin typeface="돋움체" panose="020B0609000101010101" pitchFamily="49" charset="-127"/>
-                <a:ea typeface="돋움체" panose="020B0609000101010101" pitchFamily="49" charset="-127"/>
-              </a:rPr>
-              <a:t>        </a:t>
-            </a:r>
-            <a:r>
-              <a:rPr lang="en-US" altLang="ko-KR" sz="1100" dirty="0">
-                <a:solidFill>
-                  <a:srgbClr val="0000FF"/>
-                </a:solidFill>
-                <a:latin typeface="돋움체" panose="020B0609000101010101" pitchFamily="49" charset="-127"/>
-                <a:ea typeface="돋움체" panose="020B0609000101010101" pitchFamily="49" charset="-127"/>
-              </a:rPr>
-              <a:t>private</a:t>
-            </a:r>
-            <a:r>
-              <a:rPr lang="en-US" altLang="ko-KR" sz="1100" dirty="0">
-                <a:solidFill>
-                  <a:srgbClr val="000000"/>
-                </a:solidFill>
-                <a:latin typeface="돋움체" panose="020B0609000101010101" pitchFamily="49" charset="-127"/>
-                <a:ea typeface="돋움체" panose="020B0609000101010101" pitchFamily="49" charset="-127"/>
-              </a:rPr>
-              <a:t> </a:t>
-            </a:r>
-            <a:r>
-              <a:rPr lang="en-US" altLang="ko-KR" sz="1100" dirty="0">
-                <a:solidFill>
-                  <a:srgbClr val="0000FF"/>
-                </a:solidFill>
-                <a:latin typeface="돋움체" panose="020B0609000101010101" pitchFamily="49" charset="-127"/>
-                <a:ea typeface="돋움체" panose="020B0609000101010101" pitchFamily="49" charset="-127"/>
-              </a:rPr>
-              <a:t>void</a:t>
-            </a:r>
-            <a:r>
-              <a:rPr lang="en-US" altLang="ko-KR" sz="1100" dirty="0">
-                <a:solidFill>
-                  <a:srgbClr val="000000"/>
-                </a:solidFill>
-                <a:latin typeface="돋움체" panose="020B0609000101010101" pitchFamily="49" charset="-127"/>
-                <a:ea typeface="돋움체" panose="020B0609000101010101" pitchFamily="49" charset="-127"/>
-              </a:rPr>
-              <a:t> radioButton5_CheckedChanged(</a:t>
-            </a:r>
-            <a:r>
-              <a:rPr lang="en-US" altLang="ko-KR" sz="1100" dirty="0">
-                <a:solidFill>
-                  <a:srgbClr val="0000FF"/>
-                </a:solidFill>
-                <a:latin typeface="돋움체" panose="020B0609000101010101" pitchFamily="49" charset="-127"/>
-                <a:ea typeface="돋움체" panose="020B0609000101010101" pitchFamily="49" charset="-127"/>
-              </a:rPr>
-              <a:t>object</a:t>
-            </a:r>
-            <a:r>
-              <a:rPr lang="en-US" altLang="ko-KR" sz="1100" dirty="0">
-                <a:solidFill>
-                  <a:srgbClr val="000000"/>
-                </a:solidFill>
-                <a:latin typeface="돋움체" panose="020B0609000101010101" pitchFamily="49" charset="-127"/>
-                <a:ea typeface="돋움체" panose="020B0609000101010101" pitchFamily="49" charset="-127"/>
-              </a:rPr>
-              <a:t> sender, </a:t>
-            </a:r>
-            <a:r>
-              <a:rPr lang="en-US" altLang="ko-KR" sz="1100" dirty="0" err="1">
-                <a:solidFill>
-                  <a:srgbClr val="000000"/>
-                </a:solidFill>
-                <a:latin typeface="돋움체" panose="020B0609000101010101" pitchFamily="49" charset="-127"/>
-                <a:ea typeface="돋움체" panose="020B0609000101010101" pitchFamily="49" charset="-127"/>
-              </a:rPr>
-              <a:t>EventArgs</a:t>
-            </a:r>
-            <a:r>
-              <a:rPr lang="en-US" altLang="ko-KR" sz="1100" dirty="0">
-                <a:solidFill>
-                  <a:srgbClr val="000000"/>
-                </a:solidFill>
-                <a:latin typeface="돋움체" panose="020B0609000101010101" pitchFamily="49" charset="-127"/>
-                <a:ea typeface="돋움체" panose="020B0609000101010101" pitchFamily="49" charset="-127"/>
-              </a:rPr>
-              <a:t> e)</a:t>
-            </a:r>
-          </a:p>
-          <a:p>
-            <a:r>
-              <a:rPr lang="ko-KR" altLang="en-US" sz="1100" dirty="0">
-                <a:solidFill>
-                  <a:srgbClr val="000000"/>
-                </a:solidFill>
-                <a:latin typeface="돋움체" panose="020B0609000101010101" pitchFamily="49" charset="-127"/>
-                <a:ea typeface="돋움체" panose="020B0609000101010101" pitchFamily="49" charset="-127"/>
-              </a:rPr>
-              <a:t>        </a:t>
-            </a:r>
-            <a:r>
-              <a:rPr lang="en-US" altLang="ko-KR" sz="1100" dirty="0">
-                <a:solidFill>
-                  <a:srgbClr val="000000"/>
-                </a:solidFill>
-                <a:latin typeface="돋움체" panose="020B0609000101010101" pitchFamily="49" charset="-127"/>
-                <a:ea typeface="돋움체" panose="020B0609000101010101" pitchFamily="49" charset="-127"/>
-              </a:rPr>
-              <a:t>{</a:t>
-            </a:r>
-          </a:p>
-          <a:p>
-            <a:r>
-              <a:rPr lang="en-US" altLang="ko-KR" sz="1100" dirty="0">
-                <a:solidFill>
-                  <a:srgbClr val="000000"/>
-                </a:solidFill>
-                <a:latin typeface="돋움체" panose="020B0609000101010101" pitchFamily="49" charset="-127"/>
-                <a:ea typeface="돋움체" panose="020B0609000101010101" pitchFamily="49" charset="-127"/>
-              </a:rPr>
-              <a:t>            </a:t>
-            </a:r>
-            <a:r>
-              <a:rPr lang="en-US" altLang="ko-KR" sz="1100" dirty="0">
-                <a:solidFill>
-                  <a:srgbClr val="0000FF"/>
-                </a:solidFill>
-                <a:latin typeface="돋움체" panose="020B0609000101010101" pitchFamily="49" charset="-127"/>
-                <a:ea typeface="돋움체" panose="020B0609000101010101" pitchFamily="49" charset="-127"/>
-              </a:rPr>
-              <a:t>if</a:t>
-            </a:r>
-            <a:r>
-              <a:rPr lang="en-US" altLang="ko-KR" sz="1100" dirty="0">
-                <a:solidFill>
-                  <a:srgbClr val="000000"/>
-                </a:solidFill>
-                <a:latin typeface="돋움체" panose="020B0609000101010101" pitchFamily="49" charset="-127"/>
-                <a:ea typeface="돋움체" panose="020B0609000101010101" pitchFamily="49" charset="-127"/>
-              </a:rPr>
-              <a:t> (radioButton5.Checked)</a:t>
-            </a:r>
-          </a:p>
-          <a:p>
-            <a:r>
-              <a:rPr lang="ko-KR" altLang="en-US" sz="1100" dirty="0">
-                <a:solidFill>
-                  <a:srgbClr val="000000"/>
-                </a:solidFill>
-                <a:latin typeface="돋움체" panose="020B0609000101010101" pitchFamily="49" charset="-127"/>
-                <a:ea typeface="돋움체" panose="020B0609000101010101" pitchFamily="49" charset="-127"/>
-              </a:rPr>
-              <a:t>                </a:t>
-            </a:r>
-            <a:r>
-              <a:rPr lang="en-US" altLang="ko-KR" sz="1100" dirty="0">
-                <a:solidFill>
-                  <a:srgbClr val="008000"/>
-                </a:solidFill>
-                <a:latin typeface="돋움체" panose="020B0609000101010101" pitchFamily="49" charset="-127"/>
-                <a:ea typeface="돋움체" panose="020B0609000101010101" pitchFamily="49" charset="-127"/>
-              </a:rPr>
-              <a:t>// </a:t>
-            </a:r>
-            <a:r>
-              <a:rPr lang="ko-KR" altLang="en-US" sz="1100" dirty="0">
-                <a:solidFill>
-                  <a:srgbClr val="008000"/>
-                </a:solidFill>
-                <a:latin typeface="돋움체" panose="020B0609000101010101" pitchFamily="49" charset="-127"/>
-                <a:ea typeface="돋움체" panose="020B0609000101010101" pitchFamily="49" charset="-127"/>
-              </a:rPr>
-              <a:t>리스트 뷰의 항목을 타일 형태로 보여준다</a:t>
-            </a:r>
-            <a:r>
-              <a:rPr lang="en-US" altLang="ko-KR" sz="1100" dirty="0">
-                <a:solidFill>
-                  <a:srgbClr val="008000"/>
-                </a:solidFill>
-                <a:latin typeface="돋움체" panose="020B0609000101010101" pitchFamily="49" charset="-127"/>
-                <a:ea typeface="돋움체" panose="020B0609000101010101" pitchFamily="49" charset="-127"/>
-              </a:rPr>
-              <a:t>.</a:t>
-            </a:r>
-            <a:endParaRPr lang="ko-KR" altLang="en-US" sz="1100" dirty="0">
-              <a:solidFill>
-                <a:srgbClr val="000000"/>
-              </a:solidFill>
-              <a:latin typeface="돋움체" panose="020B0609000101010101" pitchFamily="49" charset="-127"/>
-              <a:ea typeface="돋움체" panose="020B0609000101010101" pitchFamily="49" charset="-127"/>
-            </a:endParaRPr>
-          </a:p>
-          <a:p>
-            <a:r>
-              <a:rPr lang="en-US" altLang="ko-KR" sz="1100" dirty="0">
-                <a:solidFill>
-                  <a:srgbClr val="000000"/>
-                </a:solidFill>
-                <a:latin typeface="돋움체" panose="020B0609000101010101" pitchFamily="49" charset="-127"/>
-                <a:ea typeface="돋움체" panose="020B0609000101010101" pitchFamily="49" charset="-127"/>
-              </a:rPr>
-              <a:t>                listView1.View = </a:t>
-            </a:r>
-            <a:r>
-              <a:rPr lang="en-US" altLang="ko-KR" sz="1100" dirty="0" err="1">
-                <a:solidFill>
-                  <a:srgbClr val="000000"/>
-                </a:solidFill>
-                <a:latin typeface="돋움체" panose="020B0609000101010101" pitchFamily="49" charset="-127"/>
-                <a:ea typeface="돋움체" panose="020B0609000101010101" pitchFamily="49" charset="-127"/>
-              </a:rPr>
-              <a:t>View.Tile</a:t>
-            </a:r>
-            <a:r>
-              <a:rPr lang="en-US" altLang="ko-KR" sz="1100" dirty="0">
-                <a:solidFill>
-                  <a:srgbClr val="000000"/>
-                </a:solidFill>
-                <a:latin typeface="돋움체" panose="020B0609000101010101" pitchFamily="49" charset="-127"/>
-                <a:ea typeface="돋움체" panose="020B0609000101010101" pitchFamily="49" charset="-127"/>
-              </a:rPr>
-              <a:t>;</a:t>
-            </a:r>
-          </a:p>
-          <a:p>
-            <a:r>
-              <a:rPr lang="ko-KR" altLang="en-US" sz="1100" dirty="0">
-                <a:solidFill>
-                  <a:srgbClr val="000000"/>
-                </a:solidFill>
-                <a:latin typeface="돋움체" panose="020B0609000101010101" pitchFamily="49" charset="-127"/>
-                <a:ea typeface="돋움체" panose="020B0609000101010101" pitchFamily="49" charset="-127"/>
-              </a:rPr>
-              <a:t>        </a:t>
-            </a:r>
-            <a:r>
-              <a:rPr lang="en-US" altLang="ko-KR" sz="1100" dirty="0">
-                <a:solidFill>
-                  <a:srgbClr val="000000"/>
-                </a:solidFill>
-                <a:latin typeface="돋움체" panose="020B0609000101010101" pitchFamily="49" charset="-127"/>
-                <a:ea typeface="돋움체" panose="020B0609000101010101" pitchFamily="49" charset="-127"/>
-              </a:rPr>
-              <a:t>}</a:t>
-            </a:r>
-          </a:p>
-          <a:p>
-            <a:r>
-              <a:rPr lang="ko-KR" altLang="en-US" sz="1100" dirty="0">
-                <a:solidFill>
-                  <a:srgbClr val="000000"/>
-                </a:solidFill>
-                <a:latin typeface="돋움체" panose="020B0609000101010101" pitchFamily="49" charset="-127"/>
-                <a:ea typeface="돋움체" panose="020B0609000101010101" pitchFamily="49" charset="-127"/>
-              </a:rPr>
-              <a:t>    </a:t>
-            </a:r>
-            <a:r>
-              <a:rPr lang="en-US" altLang="ko-KR" sz="1100" dirty="0">
-                <a:solidFill>
-                  <a:srgbClr val="000000"/>
-                </a:solidFill>
-                <a:latin typeface="돋움체" panose="020B0609000101010101" pitchFamily="49" charset="-127"/>
-                <a:ea typeface="돋움체" panose="020B0609000101010101" pitchFamily="49" charset="-127"/>
-              </a:rPr>
-              <a:t>}</a:t>
-            </a:r>
-          </a:p>
-          <a:p>
-            <a:r>
-              <a:rPr lang="en-US" altLang="ko-KR" sz="1100" dirty="0">
-                <a:solidFill>
-                  <a:srgbClr val="000000"/>
-                </a:solidFill>
-                <a:latin typeface="돋움체" panose="020B0609000101010101" pitchFamily="49" charset="-127"/>
-                <a:ea typeface="돋움체" panose="020B0609000101010101" pitchFamily="49" charset="-127"/>
-              </a:rPr>
-              <a:t>}</a:t>
-            </a:r>
-            <a:endParaRPr lang="ko-KR" altLang="en-US" sz="1100" dirty="0"/>
-          </a:p>
-        </p:txBody>
-      </p:sp>
-    </p:spTree>
-    <p:extLst>
-      <p:ext uri="{BB962C8B-B14F-4D97-AF65-F5344CB8AC3E}">
-        <p14:creationId xmlns:p14="http://schemas.microsoft.com/office/powerpoint/2010/main" val="418919300"/>
       </p:ext>
     </p:extLst>
   </p:cSld>
